--- a/LMKPNSE2013.pptx
+++ b/LMKPNSE2013.pptx
@@ -12,7 +12,7 @@
   </p:handoutMasterIdLst>
   <p:sldIdLst>
     <p:sldId id="276" r:id="rId2"/>
-    <p:sldId id="277" r:id="rId3"/>
+    <p:sldId id="291" r:id="rId3"/>
     <p:sldId id="278" r:id="rId4"/>
     <p:sldId id="288" r:id="rId5"/>
     <p:sldId id="286" r:id="rId6"/>
@@ -1057,6 +1057,302 @@
               <a:t>1</a:t>
             </a:fld>
             <a:endParaRPr lang="da-DK"/>
+          </a:p>
+        </p:txBody>
+      </p:sp>
+    </p:spTree>
+  </p:cSld>
+  <p:clrMapOvr>
+    <a:masterClrMapping/>
+  </p:clrMapOvr>
+</p:notes>
+</file>
+
+<file path=ppt/notesSlides/notesSlide2.xml><?xml version="1.0" encoding="utf-8"?>
+<p:notes xmlns:a="http://schemas.openxmlformats.org/drawingml/2006/main" xmlns:r="http://schemas.openxmlformats.org/officeDocument/2006/relationships" xmlns:p="http://schemas.openxmlformats.org/presentationml/2006/main">
+  <p:cSld>
+    <p:spTree>
+      <p:nvGrpSpPr>
+        <p:cNvPr id="1" name=""/>
+        <p:cNvGrpSpPr/>
+        <p:nvPr/>
+      </p:nvGrpSpPr>
+      <p:grpSpPr>
+        <a:xfrm>
+          <a:off x="0" y="0"/>
+          <a:ext cx="0" cy="0"/>
+          <a:chOff x="0" y="0"/>
+          <a:chExt cx="0" cy="0"/>
+        </a:xfrm>
+      </p:grpSpPr>
+      <p:sp>
+        <p:nvSpPr>
+          <p:cNvPr id="25602" name="Slide Image Placeholder 1"/>
+          <p:cNvSpPr>
+            <a:spLocks noGrp="1" noRot="1" noChangeAspect="1" noTextEdit="1"/>
+          </p:cNvSpPr>
+          <p:nvPr>
+            <p:ph type="sldImg"/>
+          </p:nvPr>
+        </p:nvSpPr>
+        <p:spPr>
+          <a:ln/>
+        </p:spPr>
+      </p:sp>
+      <p:sp>
+        <p:nvSpPr>
+          <p:cNvPr id="25603" name="Notes Placeholder 2"/>
+          <p:cNvSpPr>
+            <a:spLocks noGrp="1"/>
+          </p:cNvSpPr>
+          <p:nvPr>
+            <p:ph type="body" idx="1"/>
+          </p:nvPr>
+        </p:nvSpPr>
+        <p:spPr>
+          <a:noFill/>
+          <a:ln/>
+          <a:extLst>
+            <a:ext uri="{909E8E84-426E-40DD-AFC4-6F175D3DCCD1}">
+              <a14:hiddenFill xmlns:a14="http://schemas.microsoft.com/office/drawing/2010/main">
+                <a:solidFill>
+                  <a:srgbClr val="FFFFFF"/>
+                </a:solidFill>
+              </a14:hiddenFill>
+            </a:ext>
+            <a:ext uri="{91240B29-F687-4F45-9708-019B960494DF}">
+              <a14:hiddenLine xmlns:a14="http://schemas.microsoft.com/office/drawing/2010/main" w="9525">
+                <a:solidFill>
+                  <a:srgbClr val="000000"/>
+                </a:solidFill>
+                <a:miter lim="800000"/>
+                <a:headEnd/>
+                <a:tailEnd/>
+              </a14:hiddenLine>
+            </a:ext>
+          </a:extLst>
+        </p:spPr>
+        <p:txBody>
+          <a:bodyPr/>
+          <a:lstStyle/>
+          <a:p>
+            <a:r>
+              <a:rPr lang="en-GB" smtClean="0"/>
+              <a:t>And the modelling, simulation, verification have yielded useful insight into the </a:t>
+            </a:r>
+            <a:r>
+              <a:rPr lang="en-GB" smtClean="0">
+                <a:solidFill>
+                  <a:srgbClr val="0070C0"/>
+                </a:solidFill>
+              </a:rPr>
+              <a:t>design</a:t>
+            </a:r>
+            <a:r>
+              <a:rPr lang="en-GB" smtClean="0"/>
+              <a:t> and </a:t>
+            </a:r>
+            <a:r>
+              <a:rPr lang="en-GB" smtClean="0">
+                <a:solidFill>
+                  <a:srgbClr val="0070C0"/>
+                </a:solidFill>
+              </a:rPr>
+              <a:t>behaviour</a:t>
+            </a:r>
+            <a:r>
+              <a:rPr lang="en-GB" smtClean="0"/>
+              <a:t> of a system.</a:t>
+            </a:r>
+          </a:p>
+          <a:p>
+            <a:endParaRPr lang="en-GB" smtClean="0"/>
+          </a:p>
+          <a:p>
+            <a:r>
+              <a:rPr lang="en-GB" smtClean="0"/>
+              <a:t>The construction of the model has hopefully indirectly contributed to make, e.g., a manual implementation easier but it would be nice to have some automatic support for code generation.</a:t>
+            </a:r>
+          </a:p>
+          <a:p>
+            <a:endParaRPr lang="en-GB" smtClean="0"/>
+          </a:p>
+          <a:p>
+            <a:r>
+              <a:rPr lang="en-GB" smtClean="0"/>
+              <a:t>But there exists only limited work on automatic code-generation from CPNs:</a:t>
+            </a:r>
+          </a:p>
+          <a:p>
+            <a:endParaRPr lang="en-GB" smtClean="0"/>
+          </a:p>
+          <a:p>
+            <a:r>
+              <a:rPr lang="en-GB" smtClean="0"/>
+              <a:t>A couple of example of simulation-based code generation where the idea is…</a:t>
+            </a:r>
+          </a:p>
+          <a:p>
+            <a:endParaRPr lang="en-GB" smtClean="0"/>
+          </a:p>
+          <a:p>
+            <a:r>
+              <a:rPr lang="en-GB" smtClean="0"/>
+              <a:t>Limited examples of state-space-based due to inhereint problem with state space size and limitation to finite state systems.</a:t>
+            </a:r>
+          </a:p>
+          <a:p>
+            <a:endParaRPr lang="en-GB" smtClean="0"/>
+          </a:p>
+          <a:p>
+            <a:r>
+              <a:rPr lang="en-GB" smtClean="0"/>
+              <a:t>Hardly any work on structure-based code generation despite it obvios advantages compared to simulation and state-space based approaches.</a:t>
+            </a:r>
+          </a:p>
+        </p:txBody>
+      </p:sp>
+      <p:sp>
+        <p:nvSpPr>
+          <p:cNvPr id="25604" name="Slide Number Placeholder 3"/>
+          <p:cNvSpPr>
+            <a:spLocks noGrp="1"/>
+          </p:cNvSpPr>
+          <p:nvPr>
+            <p:ph type="sldNum" sz="quarter" idx="5"/>
+          </p:nvPr>
+        </p:nvSpPr>
+        <p:spPr>
+          <a:noFill/>
+          <a:ln/>
+          <a:extLst>
+            <a:ext uri="{909E8E84-426E-40DD-AFC4-6F175D3DCCD1}">
+              <a14:hiddenFill xmlns:a14="http://schemas.microsoft.com/office/drawing/2010/main">
+                <a:solidFill>
+                  <a:srgbClr val="FFFFFF"/>
+                </a:solidFill>
+              </a14:hiddenFill>
+            </a:ext>
+            <a:ext uri="{91240B29-F687-4F45-9708-019B960494DF}">
+              <a14:hiddenLine xmlns:a14="http://schemas.microsoft.com/office/drawing/2010/main" w="9525">
+                <a:solidFill>
+                  <a:srgbClr val="000000"/>
+                </a:solidFill>
+                <a:miter lim="800000"/>
+                <a:headEnd/>
+                <a:tailEnd/>
+              </a14:hiddenLine>
+            </a:ext>
+          </a:extLst>
+        </p:spPr>
+        <p:txBody>
+          <a:bodyPr/>
+          <a:lstStyle>
+            <a:lvl1pPr eaLnBrk="0" hangingPunct="0">
+              <a:defRPr b="1">
+                <a:solidFill>
+                  <a:schemeClr val="tx1"/>
+                </a:solidFill>
+                <a:latin typeface="Arial" charset="0"/>
+              </a:defRPr>
+            </a:lvl1pPr>
+            <a:lvl2pPr marL="749934" indent="-288436" eaLnBrk="0" hangingPunct="0">
+              <a:defRPr b="1">
+                <a:solidFill>
+                  <a:schemeClr val="tx1"/>
+                </a:solidFill>
+                <a:latin typeface="Arial" charset="0"/>
+              </a:defRPr>
+            </a:lvl2pPr>
+            <a:lvl3pPr marL="1153744" indent="-230749" eaLnBrk="0" hangingPunct="0">
+              <a:defRPr b="1">
+                <a:solidFill>
+                  <a:schemeClr val="tx1"/>
+                </a:solidFill>
+                <a:latin typeface="Arial" charset="0"/>
+              </a:defRPr>
+            </a:lvl3pPr>
+            <a:lvl4pPr marL="1615242" indent="-230749" eaLnBrk="0" hangingPunct="0">
+              <a:defRPr b="1">
+                <a:solidFill>
+                  <a:schemeClr val="tx1"/>
+                </a:solidFill>
+                <a:latin typeface="Arial" charset="0"/>
+              </a:defRPr>
+            </a:lvl4pPr>
+            <a:lvl5pPr marL="2076740" indent="-230749" eaLnBrk="0" hangingPunct="0">
+              <a:defRPr b="1">
+                <a:solidFill>
+                  <a:schemeClr val="tx1"/>
+                </a:solidFill>
+                <a:latin typeface="Arial" charset="0"/>
+              </a:defRPr>
+            </a:lvl5pPr>
+            <a:lvl6pPr marL="2538237" indent="-230749" eaLnBrk="0" fontAlgn="base" hangingPunct="0">
+              <a:spcBef>
+                <a:spcPct val="0"/>
+              </a:spcBef>
+              <a:spcAft>
+                <a:spcPct val="0"/>
+              </a:spcAft>
+              <a:defRPr b="1">
+                <a:solidFill>
+                  <a:schemeClr val="tx1"/>
+                </a:solidFill>
+                <a:latin typeface="Arial" charset="0"/>
+              </a:defRPr>
+            </a:lvl6pPr>
+            <a:lvl7pPr marL="2999735" indent="-230749" eaLnBrk="0" fontAlgn="base" hangingPunct="0">
+              <a:spcBef>
+                <a:spcPct val="0"/>
+              </a:spcBef>
+              <a:spcAft>
+                <a:spcPct val="0"/>
+              </a:spcAft>
+              <a:defRPr b="1">
+                <a:solidFill>
+                  <a:schemeClr val="tx1"/>
+                </a:solidFill>
+                <a:latin typeface="Arial" charset="0"/>
+              </a:defRPr>
+            </a:lvl7pPr>
+            <a:lvl8pPr marL="3461233" indent="-230749" eaLnBrk="0" fontAlgn="base" hangingPunct="0">
+              <a:spcBef>
+                <a:spcPct val="0"/>
+              </a:spcBef>
+              <a:spcAft>
+                <a:spcPct val="0"/>
+              </a:spcAft>
+              <a:defRPr b="1">
+                <a:solidFill>
+                  <a:schemeClr val="tx1"/>
+                </a:solidFill>
+                <a:latin typeface="Arial" charset="0"/>
+              </a:defRPr>
+            </a:lvl8pPr>
+            <a:lvl9pPr marL="3922730" indent="-230749" eaLnBrk="0" fontAlgn="base" hangingPunct="0">
+              <a:spcBef>
+                <a:spcPct val="0"/>
+              </a:spcBef>
+              <a:spcAft>
+                <a:spcPct val="0"/>
+              </a:spcAft>
+              <a:defRPr b="1">
+                <a:solidFill>
+                  <a:schemeClr val="tx1"/>
+                </a:solidFill>
+                <a:latin typeface="Arial" charset="0"/>
+              </a:defRPr>
+            </a:lvl9pPr>
+          </a:lstStyle>
+          <a:p>
+            <a:pPr eaLnBrk="1" hangingPunct="1"/>
+            <a:fld id="{766D104F-77C8-4D66-A5FA-FAA204901F3F}" type="slidenum">
+              <a:rPr lang="da-DK" b="0" smtClean="0"/>
+              <a:pPr eaLnBrk="1" hangingPunct="1"/>
+              <a:t>2</a:t>
+            </a:fld>
+            <a:endParaRPr lang="da-DK" b="0" smtClean="0"/>
           </a:p>
         </p:txBody>
       </p:sp>
@@ -4711,6 +5007,13 @@
   <p:clrMapOvr>
     <a:masterClrMapping/>
   </p:clrMapOvr>
+  <p:timing>
+    <p:tnLst>
+      <p:par>
+        <p:cTn id="1" dur="indefinite" restart="never" nodeType="tmRoot"/>
+      </p:par>
+    </p:tnLst>
+  </p:timing>
 </p:sld>
 </file>
 
@@ -4741,20 +5044,21 @@
             <p:ph type="title"/>
           </p:nvPr>
         </p:nvSpPr>
-        <p:spPr/>
+        <p:spPr>
+          <a:xfrm>
+            <a:off x="488504" y="274638"/>
+            <a:ext cx="8915400" cy="1143000"/>
+          </a:xfrm>
+        </p:spPr>
         <p:txBody>
           <a:bodyPr/>
           <a:lstStyle/>
           <a:p>
             <a:r>
-              <a:rPr lang="nb-NO" dirty="0" smtClean="0"/>
-              <a:t>Code </a:t>
-            </a:r>
-            <a:r>
-              <a:rPr lang="nb-NO" dirty="0" err="1" smtClean="0"/>
-              <a:t>Generation</a:t>
-            </a:r>
-            <a:endParaRPr lang="nb-NO" dirty="0"/>
+              <a:rPr lang="en-GB" smtClean="0"/>
+              <a:t>Code Generation</a:t>
+            </a:r>
+            <a:endParaRPr lang="en-GB"/>
           </a:p>
         </p:txBody>
       </p:sp>
@@ -4770,7 +5074,7 @@
         </p:nvSpPr>
         <p:spPr>
           <a:xfrm>
-            <a:off x="495300" y="1628775"/>
+            <a:off x="488504" y="1308150"/>
             <a:ext cx="9282236" cy="1008137"/>
           </a:xfrm>
         </p:spPr>
@@ -4779,66 +5083,10 @@
           <a:lstStyle/>
           <a:p>
             <a:r>
-              <a:rPr lang="nb-NO" sz="2400" dirty="0" smtClean="0"/>
-              <a:t>A </a:t>
-            </a:r>
-            <a:r>
-              <a:rPr lang="nb-NO" sz="2400" dirty="0" err="1" smtClean="0"/>
-              <a:t>template-based</a:t>
-            </a:r>
-            <a:r>
-              <a:rPr lang="nb-NO" sz="2400" dirty="0" smtClean="0"/>
-              <a:t> </a:t>
-            </a:r>
-            <a:r>
-              <a:rPr lang="nb-NO" sz="2400" dirty="0" err="1" smtClean="0"/>
-              <a:t>code</a:t>
-            </a:r>
-            <a:r>
-              <a:rPr lang="nb-NO" sz="2400" dirty="0" smtClean="0"/>
-              <a:t> generator has </a:t>
-            </a:r>
-            <a:r>
-              <a:rPr lang="nb-NO" sz="2400" dirty="0" err="1" smtClean="0"/>
-              <a:t>been</a:t>
-            </a:r>
-            <a:r>
-              <a:rPr lang="nb-NO" sz="2400" dirty="0" smtClean="0"/>
-              <a:t> </a:t>
-            </a:r>
-            <a:r>
-              <a:rPr lang="nb-NO" sz="2400" dirty="0" err="1" smtClean="0"/>
-              <a:t>implemented</a:t>
-            </a:r>
-            <a:r>
-              <a:rPr lang="nb-NO" sz="2400" dirty="0" smtClean="0"/>
-              <a:t> </a:t>
-            </a:r>
-            <a:r>
-              <a:rPr lang="nb-NO" sz="2400" dirty="0" err="1" smtClean="0"/>
-              <a:t>based</a:t>
-            </a:r>
-            <a:r>
-              <a:rPr lang="nb-NO" sz="2400" dirty="0" smtClean="0"/>
-              <a:t> </a:t>
-            </a:r>
-            <a:r>
-              <a:rPr lang="nb-NO" sz="2400" dirty="0" err="1" smtClean="0"/>
-              <a:t>on</a:t>
-            </a:r>
-            <a:r>
-              <a:rPr lang="nb-NO" sz="2400" dirty="0" smtClean="0"/>
-              <a:t> </a:t>
-            </a:r>
-            <a:r>
-              <a:rPr lang="nb-NO" sz="2400" dirty="0" err="1" smtClean="0"/>
-              <a:t>the</a:t>
-            </a:r>
-            <a:r>
-              <a:rPr lang="nb-NO" sz="2400" dirty="0" smtClean="0"/>
-              <a:t> Access/CPN Framework.</a:t>
-            </a:r>
-            <a:endParaRPr lang="nb-NO" sz="2400" dirty="0"/>
+              <a:rPr lang="en-GB" sz="2400" dirty="0" smtClean="0"/>
+              <a:t>A template-based code generator implemented based on the Access/CPN Framework:</a:t>
+            </a:r>
+            <a:endParaRPr lang="en-GB" sz="2400" dirty="0"/>
           </a:p>
         </p:txBody>
       </p:sp>
@@ -4852,8 +5100,8 @@
         </p:nvSpPr>
         <p:spPr bwMode="auto">
           <a:xfrm>
-            <a:off x="560512" y="5085184"/>
-            <a:ext cx="9066212" cy="1008137"/>
+            <a:off x="3369834" y="2255775"/>
+            <a:ext cx="3909956" cy="2472780"/>
           </a:xfrm>
           <a:prstGeom prst="rect">
             <a:avLst/>
@@ -5049,90 +5297,290 @@
           </a:lstStyle>
           <a:p>
             <a:r>
-              <a:rPr lang="nb-NO" kern="0" dirty="0" err="1" smtClean="0"/>
-              <a:t>Exploits</a:t>
-            </a:r>
-            <a:r>
-              <a:rPr lang="nb-NO" kern="0" dirty="0" smtClean="0"/>
-              <a:t> </a:t>
-            </a:r>
-            <a:r>
-              <a:rPr lang="nb-NO" kern="0" dirty="0" err="1" smtClean="0"/>
-              <a:t>the</a:t>
-            </a:r>
-            <a:r>
-              <a:rPr lang="nb-NO" kern="0" dirty="0" smtClean="0"/>
-              <a:t> </a:t>
-            </a:r>
-            <a:r>
-              <a:rPr lang="nb-NO" kern="0" dirty="0" err="1" smtClean="0"/>
-              <a:t>pragmatics</a:t>
-            </a:r>
-            <a:r>
-              <a:rPr lang="nb-NO" kern="0" dirty="0" smtClean="0"/>
-              <a:t> to </a:t>
-            </a:r>
-            <a:r>
-              <a:rPr lang="nb-NO" kern="0" dirty="0" err="1" smtClean="0"/>
-              <a:t>determine</a:t>
-            </a:r>
-            <a:r>
-              <a:rPr lang="nb-NO" kern="0" dirty="0" smtClean="0"/>
-              <a:t> </a:t>
-            </a:r>
-            <a:r>
-              <a:rPr lang="nb-NO" kern="0" dirty="0" err="1" smtClean="0"/>
-              <a:t>the</a:t>
-            </a:r>
-            <a:r>
-              <a:rPr lang="nb-NO" kern="0" dirty="0" smtClean="0"/>
-              <a:t> </a:t>
-            </a:r>
-            <a:r>
-              <a:rPr lang="nb-NO" kern="0" dirty="0" err="1" smtClean="0"/>
-              <a:t>templates</a:t>
-            </a:r>
-            <a:r>
-              <a:rPr lang="nb-NO" kern="0" dirty="0" smtClean="0"/>
-              <a:t> to be </a:t>
-            </a:r>
-            <a:r>
-              <a:rPr lang="nb-NO" kern="0" dirty="0" err="1" smtClean="0"/>
-              <a:t>applied</a:t>
-            </a:r>
-            <a:r>
-              <a:rPr lang="nb-NO" kern="0" dirty="0" smtClean="0"/>
-              <a:t> during </a:t>
-            </a:r>
-            <a:r>
-              <a:rPr lang="nb-NO" kern="0" dirty="0" err="1" smtClean="0"/>
-              <a:t>ased</a:t>
-            </a:r>
-            <a:r>
-              <a:rPr lang="nb-NO" kern="0" dirty="0" smtClean="0"/>
-              <a:t> </a:t>
-            </a:r>
-            <a:r>
-              <a:rPr lang="nb-NO" kern="0" dirty="0" err="1" smtClean="0"/>
-              <a:t>approach</a:t>
-            </a:r>
-            <a:r>
-              <a:rPr lang="nb-NO" kern="0" dirty="0" smtClean="0"/>
-              <a:t> to </a:t>
-            </a:r>
-            <a:r>
-              <a:rPr lang="nb-NO" kern="0" dirty="0" err="1" smtClean="0"/>
-              <a:t>code</a:t>
-            </a:r>
-            <a:r>
-              <a:rPr lang="nb-NO" kern="0" dirty="0" smtClean="0"/>
-              <a:t> </a:t>
-            </a:r>
-            <a:r>
-              <a:rPr lang="nb-NO" kern="0" dirty="0" err="1" smtClean="0"/>
-              <a:t>generation</a:t>
-            </a:r>
-            <a:endParaRPr lang="nb-NO" kern="0" dirty="0"/>
+              <a:rPr lang="en-GB" sz="2000" kern="0" dirty="0"/>
+              <a:t>Template-based code generation.</a:t>
+            </a:r>
+          </a:p>
+          <a:p>
+            <a:r>
+              <a:rPr lang="en-GB" sz="2000" kern="0" dirty="0" smtClean="0"/>
+              <a:t>Top-down traversal of the CPN model.</a:t>
+            </a:r>
+          </a:p>
+          <a:p>
+            <a:r>
+              <a:rPr lang="en-GB" sz="2000" kern="0" dirty="0" smtClean="0"/>
+              <a:t>Templates determined from encountered pragmatics.</a:t>
+            </a:r>
+            <a:endParaRPr lang="en-GB" sz="2000" kern="0" dirty="0"/>
+          </a:p>
+        </p:txBody>
+      </p:sp>
+      <p:pic>
+        <p:nvPicPr>
+          <p:cNvPr id="4098" name="Picture 2"/>
+          <p:cNvPicPr>
+            <a:picLocks noChangeAspect="1" noChangeArrowheads="1"/>
+          </p:cNvPicPr>
+          <p:nvPr/>
+        </p:nvPicPr>
+        <p:blipFill>
+          <a:blip r:embed="rId2">
+            <a:extLst>
+              <a:ext uri="{28A0092B-C50C-407E-A947-70E740481C1C}">
+                <a14:useLocalDpi xmlns:a14="http://schemas.microsoft.com/office/drawing/2010/main" val="0"/>
+              </a:ext>
+            </a:extLst>
+          </a:blip>
+          <a:srcRect/>
+          <a:stretch>
+            <a:fillRect/>
+          </a:stretch>
+        </p:blipFill>
+        <p:spPr bwMode="auto">
+          <a:xfrm>
+            <a:off x="2005459" y="2133370"/>
+            <a:ext cx="5449118" cy="3071321"/>
+          </a:xfrm>
+          <a:prstGeom prst="rect">
+            <a:avLst/>
+          </a:prstGeom>
+          <a:noFill/>
+          <a:ln>
+            <a:noFill/>
+          </a:ln>
+          <a:extLst>
+            <a:ext uri="{909E8E84-426E-40DD-AFC4-6F175D3DCCD1}">
+              <a14:hiddenFill xmlns:a14="http://schemas.microsoft.com/office/drawing/2010/main">
+                <a:solidFill>
+                  <a:schemeClr val="accent1"/>
+                </a:solidFill>
+              </a14:hiddenFill>
+            </a:ext>
+            <a:ext uri="{91240B29-F687-4F45-9708-019B960494DF}">
+              <a14:hiddenLine xmlns:a14="http://schemas.microsoft.com/office/drawing/2010/main" w="9525">
+                <a:solidFill>
+                  <a:schemeClr val="tx1"/>
+                </a:solidFill>
+                <a:miter lim="800000"/>
+                <a:headEnd/>
+                <a:tailEnd/>
+              </a14:hiddenLine>
+            </a:ext>
+          </a:extLst>
+        </p:spPr>
+      </p:pic>
+      <p:sp>
+        <p:nvSpPr>
+          <p:cNvPr id="6" name="Content Placeholder 2"/>
+          <p:cNvSpPr txBox="1">
+            <a:spLocks/>
+          </p:cNvSpPr>
+          <p:nvPr/>
+        </p:nvSpPr>
+        <p:spPr bwMode="auto">
+          <a:xfrm>
+            <a:off x="488504" y="5240317"/>
+            <a:ext cx="9282236" cy="852979"/>
+          </a:xfrm>
+          <a:prstGeom prst="rect">
+            <a:avLst/>
+          </a:prstGeom>
+          <a:noFill/>
+          <a:ln w="9525">
+            <a:noFill/>
+            <a:miter lim="800000"/>
+            <a:headEnd/>
+            <a:tailEnd/>
+          </a:ln>
+        </p:spPr>
+        <p:txBody>
+          <a:bodyPr vert="horz" wrap="square" lIns="91440" tIns="45720" rIns="91440" bIns="45720" numCol="1" anchor="t" anchorCtr="0" compatLnSpc="1">
+            <a:prstTxWarp prst="textNoShape">
+              <a:avLst/>
+            </a:prstTxWarp>
+          </a:bodyPr>
+          <a:lstStyle>
+            <a:lvl1pPr marL="342900" indent="-342900" algn="l" rtl="0" eaLnBrk="0" fontAlgn="base" hangingPunct="0">
+              <a:spcBef>
+                <a:spcPct val="20000"/>
+              </a:spcBef>
+              <a:spcAft>
+                <a:spcPct val="0"/>
+              </a:spcAft>
+              <a:buClr>
+                <a:srgbClr val="FFC000"/>
+              </a:buClr>
+              <a:buFont typeface="Wingdings" pitchFamily="2" charset="2"/>
+              <a:buChar char="§"/>
+              <a:defRPr sz="2800" b="1">
+                <a:solidFill>
+                  <a:schemeClr val="tx1"/>
+                </a:solidFill>
+                <a:latin typeface="+mn-lt"/>
+                <a:ea typeface="+mn-ea"/>
+                <a:cs typeface="+mn-cs"/>
+              </a:defRPr>
+            </a:lvl1pPr>
+            <a:lvl2pPr marL="742950" indent="-285750" algn="l" rtl="0" eaLnBrk="0" fontAlgn="base" hangingPunct="0">
+              <a:spcBef>
+                <a:spcPct val="20000"/>
+              </a:spcBef>
+              <a:spcAft>
+                <a:spcPct val="0"/>
+              </a:spcAft>
+              <a:buClr>
+                <a:srgbClr val="FFC000"/>
+              </a:buClr>
+              <a:buFont typeface="Wingdings" pitchFamily="2" charset="2"/>
+              <a:buChar char="§"/>
+              <a:defRPr sz="2400">
+                <a:solidFill>
+                  <a:schemeClr val="tx1"/>
+                </a:solidFill>
+                <a:latin typeface="+mn-lt"/>
+              </a:defRPr>
+            </a:lvl2pPr>
+            <a:lvl3pPr marL="1143000" indent="-228600" algn="l" rtl="0" eaLnBrk="0" fontAlgn="base" hangingPunct="0">
+              <a:spcBef>
+                <a:spcPct val="20000"/>
+              </a:spcBef>
+              <a:spcAft>
+                <a:spcPct val="0"/>
+              </a:spcAft>
+              <a:buClr>
+                <a:srgbClr val="FFC000"/>
+              </a:buClr>
+              <a:buFont typeface="Wingdings" pitchFamily="2" charset="2"/>
+              <a:buChar char="§"/>
+              <a:defRPr sz="2000">
+                <a:solidFill>
+                  <a:schemeClr val="tx1"/>
+                </a:solidFill>
+                <a:latin typeface="+mn-lt"/>
+              </a:defRPr>
+            </a:lvl3pPr>
+            <a:lvl4pPr marL="1600200" indent="-228600" algn="l" rtl="0" eaLnBrk="0" fontAlgn="base" hangingPunct="0">
+              <a:spcBef>
+                <a:spcPct val="20000"/>
+              </a:spcBef>
+              <a:spcAft>
+                <a:spcPct val="0"/>
+              </a:spcAft>
+              <a:buClr>
+                <a:srgbClr val="FFC000"/>
+              </a:buClr>
+              <a:buFont typeface="Wingdings" pitchFamily="2" charset="2"/>
+              <a:buChar char="§"/>
+              <a:defRPr sz="1600">
+                <a:solidFill>
+                  <a:schemeClr val="tx1"/>
+                </a:solidFill>
+                <a:latin typeface="+mn-lt"/>
+              </a:defRPr>
+            </a:lvl4pPr>
+            <a:lvl5pPr marL="2057400" indent="-228600" algn="l" rtl="0" eaLnBrk="0" fontAlgn="base" hangingPunct="0">
+              <a:spcBef>
+                <a:spcPct val="20000"/>
+              </a:spcBef>
+              <a:spcAft>
+                <a:spcPct val="0"/>
+              </a:spcAft>
+              <a:buClr>
+                <a:srgbClr val="FFC000"/>
+              </a:buClr>
+              <a:buFont typeface="Wingdings" pitchFamily="2" charset="2"/>
+              <a:buChar char="§"/>
+              <a:defRPr sz="1600">
+                <a:solidFill>
+                  <a:schemeClr val="tx1"/>
+                </a:solidFill>
+                <a:latin typeface="+mn-lt"/>
+              </a:defRPr>
+            </a:lvl5pPr>
+            <a:lvl6pPr marL="2514600" indent="-228600" algn="l" rtl="0" fontAlgn="base">
+              <a:spcBef>
+                <a:spcPct val="20000"/>
+              </a:spcBef>
+              <a:spcAft>
+                <a:spcPct val="0"/>
+              </a:spcAft>
+              <a:buClr>
+                <a:srgbClr val="FF0000"/>
+              </a:buClr>
+              <a:buFont typeface="Wingdings" pitchFamily="2" charset="2"/>
+              <a:buChar char="§"/>
+              <a:defRPr sz="1600">
+                <a:solidFill>
+                  <a:schemeClr val="tx1"/>
+                </a:solidFill>
+                <a:latin typeface="+mn-lt"/>
+              </a:defRPr>
+            </a:lvl6pPr>
+            <a:lvl7pPr marL="2971800" indent="-228600" algn="l" rtl="0" fontAlgn="base">
+              <a:spcBef>
+                <a:spcPct val="20000"/>
+              </a:spcBef>
+              <a:spcAft>
+                <a:spcPct val="0"/>
+              </a:spcAft>
+              <a:buClr>
+                <a:srgbClr val="FF0000"/>
+              </a:buClr>
+              <a:buFont typeface="Wingdings" pitchFamily="2" charset="2"/>
+              <a:buChar char="§"/>
+              <a:defRPr sz="1600">
+                <a:solidFill>
+                  <a:schemeClr val="tx1"/>
+                </a:solidFill>
+                <a:latin typeface="+mn-lt"/>
+              </a:defRPr>
+            </a:lvl7pPr>
+            <a:lvl8pPr marL="3429000" indent="-228600" algn="l" rtl="0" fontAlgn="base">
+              <a:spcBef>
+                <a:spcPct val="20000"/>
+              </a:spcBef>
+              <a:spcAft>
+                <a:spcPct val="0"/>
+              </a:spcAft>
+              <a:buClr>
+                <a:srgbClr val="FF0000"/>
+              </a:buClr>
+              <a:buFont typeface="Wingdings" pitchFamily="2" charset="2"/>
+              <a:buChar char="§"/>
+              <a:defRPr sz="1600">
+                <a:solidFill>
+                  <a:schemeClr val="tx1"/>
+                </a:solidFill>
+                <a:latin typeface="+mn-lt"/>
+              </a:defRPr>
+            </a:lvl8pPr>
+            <a:lvl9pPr marL="3886200" indent="-228600" algn="l" rtl="0" fontAlgn="base">
+              <a:spcBef>
+                <a:spcPct val="20000"/>
+              </a:spcBef>
+              <a:spcAft>
+                <a:spcPct val="0"/>
+              </a:spcAft>
+              <a:buClr>
+                <a:srgbClr val="FF0000"/>
+              </a:buClr>
+              <a:buFont typeface="Wingdings" pitchFamily="2" charset="2"/>
+              <a:buChar char="§"/>
+              <a:defRPr sz="1600">
+                <a:solidFill>
+                  <a:schemeClr val="tx1"/>
+                </a:solidFill>
+                <a:latin typeface="+mn-lt"/>
+              </a:defRPr>
+            </a:lvl9pPr>
+          </a:lstStyle>
+          <a:p>
+            <a:r>
+              <a:rPr lang="en-GB" sz="2400" kern="0" dirty="0" smtClean="0"/>
+              <a:t>Top-down traversal of the CPN model invoking templates according to encountered pragmatics.</a:t>
+            </a:r>
+            <a:endParaRPr lang="en-GB" sz="2400" kern="0" dirty="0"/>
           </a:p>
         </p:txBody>
       </p:sp>
@@ -5146,6 +5594,13 @@
   <p:clrMapOvr>
     <a:masterClrMapping/>
   </p:clrMapOvr>
+  <p:timing>
+    <p:tnLst>
+      <p:par>
+        <p:cTn id="1" dur="indefinite" restart="never" nodeType="tmRoot"/>
+      </p:par>
+    </p:tnLst>
+  </p:timing>
 </p:sld>
 </file>
 
@@ -5234,6 +5689,13 @@
   <p:clrMapOvr>
     <a:masterClrMapping/>
   </p:clrMapOvr>
+  <p:timing>
+    <p:tnLst>
+      <p:par>
+        <p:cTn id="1" dur="indefinite" restart="never" nodeType="tmRoot"/>
+      </p:par>
+    </p:tnLst>
+  </p:timing>
 </p:sld>
 </file>
 
@@ -5256,7 +5718,7 @@
       </p:grpSpPr>
       <p:sp>
         <p:nvSpPr>
-          <p:cNvPr id="2" name="Title 1"/>
+          <p:cNvPr id="4098" name="Title 1"/>
           <p:cNvSpPr>
             <a:spLocks noGrp="1"/>
           </p:cNvSpPr>
@@ -5264,22 +5726,28 @@
             <p:ph type="title"/>
           </p:nvPr>
         </p:nvSpPr>
-        <p:spPr/>
+        <p:spPr>
+          <a:xfrm>
+            <a:off x="495300" y="107950"/>
+            <a:ext cx="8915400" cy="1143000"/>
+          </a:xfrm>
+        </p:spPr>
         <p:txBody>
           <a:bodyPr/>
           <a:lstStyle/>
           <a:p>
-            <a:r>
-              <a:rPr lang="nb-NO" dirty="0" err="1" smtClean="0"/>
+            <a:pPr eaLnBrk="1" hangingPunct="1"/>
+            <a:r>
+              <a:rPr lang="en-GB" dirty="0" smtClean="0"/>
               <a:t>Motivation</a:t>
             </a:r>
-            <a:endParaRPr lang="nb-NO" dirty="0"/>
+            <a:endParaRPr lang="en-GB" dirty="0" smtClean="0"/>
           </a:p>
         </p:txBody>
       </p:sp>
       <p:sp>
         <p:nvSpPr>
-          <p:cNvPr id="3" name="Content Placeholder 2"/>
+          <p:cNvPr id="4099" name="Content Placeholder 2"/>
           <p:cNvSpPr>
             <a:spLocks noGrp="1"/>
           </p:cNvSpPr>
@@ -5287,25 +5755,513 @@
             <p:ph idx="1"/>
           </p:nvPr>
         </p:nvSpPr>
-        <p:spPr/>
+        <p:spPr>
+          <a:xfrm>
+            <a:off x="495300" y="1261813"/>
+            <a:ext cx="8997826" cy="4494435"/>
+          </a:xfrm>
+        </p:spPr>
         <p:txBody>
           <a:bodyPr/>
           <a:lstStyle/>
           <a:p>
-            <a:endParaRPr lang="nb-NO"/>
+            <a:pPr eaLnBrk="1" hangingPunct="1"/>
+            <a:r>
+              <a:rPr lang="en-GB" sz="2400" dirty="0" smtClean="0"/>
+              <a:t>CPNs have been widely used for modelling and validation of </a:t>
+            </a:r>
+            <a:r>
+              <a:rPr lang="en-GB" sz="2400" dirty="0" smtClean="0">
+                <a:solidFill>
+                  <a:srgbClr val="0070C0"/>
+                </a:solidFill>
+              </a:rPr>
+              <a:t>concurrent software systems</a:t>
+            </a:r>
+            <a:r>
+              <a:rPr lang="en-GB" sz="2400" dirty="0" smtClean="0"/>
+              <a:t>*.</a:t>
+            </a:r>
+          </a:p>
+          <a:p>
+            <a:pPr>
+              <a:defRPr/>
+            </a:pPr>
+            <a:r>
+              <a:rPr lang="en-GB" sz="2400" dirty="0"/>
+              <a:t>Desirable to leverage modelling and analysis effort by means of a</a:t>
+            </a:r>
+            <a:r>
+              <a:rPr lang="en-GB" sz="2400" dirty="0">
+                <a:solidFill>
+                  <a:srgbClr val="0070C0"/>
+                </a:solidFill>
+              </a:rPr>
+              <a:t>utomatic code generation</a:t>
+            </a:r>
+            <a:r>
+              <a:rPr lang="en-GB" sz="2400" dirty="0"/>
+              <a:t>:</a:t>
+            </a:r>
+            <a:endParaRPr lang="en-GB" sz="2400" dirty="0">
+              <a:solidFill>
+                <a:srgbClr val="0070C0"/>
+              </a:solidFill>
+            </a:endParaRPr>
+          </a:p>
+          <a:p>
+            <a:pPr marL="800100" lvl="1" indent="-342900">
+              <a:defRPr/>
+            </a:pPr>
+            <a:r>
+              <a:rPr lang="en-GB" sz="2000" dirty="0">
+                <a:solidFill>
+                  <a:srgbClr val="0070C0"/>
+                </a:solidFill>
+              </a:rPr>
+              <a:t>Simulation-based:</a:t>
+            </a:r>
+            <a:r>
+              <a:rPr lang="en-GB" sz="2000" dirty="0"/>
+              <a:t> the model simulator is embedded directly in the implementation.</a:t>
+            </a:r>
+          </a:p>
+          <a:p>
+            <a:pPr marL="800100" lvl="1" indent="-342900">
+              <a:defRPr/>
+            </a:pPr>
+            <a:r>
+              <a:rPr lang="en-GB" sz="2000" dirty="0">
+                <a:solidFill>
+                  <a:srgbClr val="0070C0"/>
+                </a:solidFill>
+              </a:rPr>
+              <a:t>State space-based: </a:t>
+            </a:r>
+            <a:r>
+              <a:rPr lang="en-GB" sz="2000" dirty="0"/>
+              <a:t>the state space of the model is computed and used as a basis for implementation.</a:t>
+            </a:r>
+          </a:p>
+          <a:p>
+            <a:pPr marL="800100" lvl="1" indent="-342900">
+              <a:defRPr/>
+            </a:pPr>
+            <a:r>
+              <a:rPr lang="en-GB" sz="2000" dirty="0">
+                <a:solidFill>
+                  <a:srgbClr val="0070C0"/>
+                </a:solidFill>
+              </a:rPr>
+              <a:t>Structure-based</a:t>
+            </a:r>
+            <a:r>
+              <a:rPr lang="en-GB" sz="2000" dirty="0"/>
+              <a:t>: structural analysis of the model for translation into programming language constructs.</a:t>
+            </a:r>
+          </a:p>
+          <a:p>
+            <a:pPr eaLnBrk="1" hangingPunct="1"/>
+            <a:r>
+              <a:rPr lang="en-GB" sz="2400" dirty="0" smtClean="0"/>
+              <a:t>CPN models are platform-independent and too abstract to be used directly for code generation.</a:t>
+            </a:r>
+            <a:endParaRPr lang="en-GB" sz="2400" dirty="0" smtClean="0"/>
+          </a:p>
+        </p:txBody>
+      </p:sp>
+      <p:sp>
+        <p:nvSpPr>
+          <p:cNvPr id="4" name="Content Placeholder 2"/>
+          <p:cNvSpPr txBox="1">
+            <a:spLocks/>
+          </p:cNvSpPr>
+          <p:nvPr/>
+        </p:nvSpPr>
+        <p:spPr bwMode="auto">
+          <a:xfrm>
+            <a:off x="463425" y="2144538"/>
+            <a:ext cx="9029700" cy="2330450"/>
+          </a:xfrm>
+          <a:prstGeom prst="rect">
+            <a:avLst/>
+          </a:prstGeom>
+          <a:noFill/>
+          <a:ln w="9525">
+            <a:noFill/>
+            <a:miter lim="800000"/>
+            <a:headEnd/>
+            <a:tailEnd/>
+          </a:ln>
+        </p:spPr>
+        <p:txBody>
+          <a:bodyPr/>
+          <a:lstStyle/>
+          <a:p>
+            <a:pPr marL="342900" indent="-342900" eaLnBrk="0" hangingPunct="0">
+              <a:spcBef>
+                <a:spcPct val="20000"/>
+              </a:spcBef>
+              <a:buClr>
+                <a:srgbClr val="FFC000"/>
+              </a:buClr>
+              <a:buFont typeface="Wingdings" pitchFamily="2" charset="2"/>
+              <a:buChar char="§"/>
+              <a:defRPr/>
+            </a:pPr>
+            <a:endParaRPr lang="en-GB" sz="2000" kern="0" dirty="0">
+              <a:latin typeface="+mn-lt"/>
+            </a:endParaRPr>
+          </a:p>
+        </p:txBody>
+      </p:sp>
+      <p:sp>
+        <p:nvSpPr>
+          <p:cNvPr id="5" name="Oval 4"/>
+          <p:cNvSpPr>
+            <a:spLocks noChangeArrowheads="1"/>
+          </p:cNvSpPr>
+          <p:nvPr/>
+        </p:nvSpPr>
+        <p:spPr bwMode="auto">
+          <a:xfrm>
+            <a:off x="1052215" y="4128369"/>
+            <a:ext cx="2857500" cy="503237"/>
+          </a:xfrm>
+          <a:prstGeom prst="ellipse">
+            <a:avLst/>
+          </a:prstGeom>
+          <a:noFill/>
+          <a:ln w="57150" algn="ctr">
+            <a:solidFill>
+              <a:srgbClr val="FF0000"/>
+            </a:solidFill>
+            <a:round/>
+            <a:headEnd/>
+            <a:tailEnd/>
+          </a:ln>
+          <a:extLst>
+            <a:ext uri="{909E8E84-426E-40DD-AFC4-6F175D3DCCD1}">
+              <a14:hiddenFill xmlns:a14="http://schemas.microsoft.com/office/drawing/2010/main">
+                <a:solidFill>
+                  <a:srgbClr val="FFFFFF"/>
+                </a:solidFill>
+              </a14:hiddenFill>
+            </a:ext>
+          </a:extLst>
+        </p:spPr>
+        <p:txBody>
+          <a:bodyPr/>
+          <a:lstStyle/>
+          <a:p>
+            <a:endParaRPr lang="en-GB"/>
+          </a:p>
+        </p:txBody>
+      </p:sp>
+      <p:sp>
+        <p:nvSpPr>
+          <p:cNvPr id="4102" name="TextBox 5"/>
+          <p:cNvSpPr txBox="1">
+            <a:spLocks noChangeArrowheads="1"/>
+          </p:cNvSpPr>
+          <p:nvPr/>
+        </p:nvSpPr>
+        <p:spPr bwMode="auto">
+          <a:xfrm>
+            <a:off x="1352550" y="5926138"/>
+            <a:ext cx="7200900" cy="276225"/>
+          </a:xfrm>
+          <a:prstGeom prst="rect">
+            <a:avLst/>
+          </a:prstGeom>
+          <a:noFill/>
+          <a:ln>
+            <a:noFill/>
+          </a:ln>
+          <a:extLst>
+            <a:ext uri="{909E8E84-426E-40DD-AFC4-6F175D3DCCD1}">
+              <a14:hiddenFill xmlns:a14="http://schemas.microsoft.com/office/drawing/2010/main">
+                <a:solidFill>
+                  <a:srgbClr val="FFFFFF"/>
+                </a:solidFill>
+              </a14:hiddenFill>
+            </a:ext>
+            <a:ext uri="{91240B29-F687-4F45-9708-019B960494DF}">
+              <a14:hiddenLine xmlns:a14="http://schemas.microsoft.com/office/drawing/2010/main" w="9525">
+                <a:solidFill>
+                  <a:srgbClr val="000000"/>
+                </a:solidFill>
+                <a:miter lim="800000"/>
+                <a:headEnd/>
+                <a:tailEnd/>
+              </a14:hiddenLine>
+            </a:ext>
+          </a:extLst>
+        </p:spPr>
+        <p:txBody>
+          <a:bodyPr>
+            <a:spAutoFit/>
+          </a:bodyPr>
+          <a:lstStyle>
+            <a:lvl1pPr marL="342900" indent="-342900" eaLnBrk="0" hangingPunct="0">
+              <a:defRPr b="1">
+                <a:solidFill>
+                  <a:schemeClr val="tx1"/>
+                </a:solidFill>
+                <a:latin typeface="Arial" charset="0"/>
+              </a:defRPr>
+            </a:lvl1pPr>
+            <a:lvl2pPr eaLnBrk="0" hangingPunct="0">
+              <a:defRPr b="1">
+                <a:solidFill>
+                  <a:schemeClr val="tx1"/>
+                </a:solidFill>
+                <a:latin typeface="Arial" charset="0"/>
+              </a:defRPr>
+            </a:lvl2pPr>
+            <a:lvl3pPr marL="1143000" indent="-228600" eaLnBrk="0" hangingPunct="0">
+              <a:defRPr b="1">
+                <a:solidFill>
+                  <a:schemeClr val="tx1"/>
+                </a:solidFill>
+                <a:latin typeface="Arial" charset="0"/>
+              </a:defRPr>
+            </a:lvl3pPr>
+            <a:lvl4pPr marL="1600200" indent="-228600" eaLnBrk="0" hangingPunct="0">
+              <a:defRPr b="1">
+                <a:solidFill>
+                  <a:schemeClr val="tx1"/>
+                </a:solidFill>
+                <a:latin typeface="Arial" charset="0"/>
+              </a:defRPr>
+            </a:lvl4pPr>
+            <a:lvl5pPr marL="2057400" indent="-228600" eaLnBrk="0" hangingPunct="0">
+              <a:defRPr b="1">
+                <a:solidFill>
+                  <a:schemeClr val="tx1"/>
+                </a:solidFill>
+                <a:latin typeface="Arial" charset="0"/>
+              </a:defRPr>
+            </a:lvl5pPr>
+            <a:lvl6pPr marL="2514600" indent="-228600" eaLnBrk="0" fontAlgn="base" hangingPunct="0">
+              <a:spcBef>
+                <a:spcPct val="0"/>
+              </a:spcBef>
+              <a:spcAft>
+                <a:spcPct val="0"/>
+              </a:spcAft>
+              <a:defRPr b="1">
+                <a:solidFill>
+                  <a:schemeClr val="tx1"/>
+                </a:solidFill>
+                <a:latin typeface="Arial" charset="0"/>
+              </a:defRPr>
+            </a:lvl6pPr>
+            <a:lvl7pPr marL="2971800" indent="-228600" eaLnBrk="0" fontAlgn="base" hangingPunct="0">
+              <a:spcBef>
+                <a:spcPct val="0"/>
+              </a:spcBef>
+              <a:spcAft>
+                <a:spcPct val="0"/>
+              </a:spcAft>
+              <a:defRPr b="1">
+                <a:solidFill>
+                  <a:schemeClr val="tx1"/>
+                </a:solidFill>
+                <a:latin typeface="Arial" charset="0"/>
+              </a:defRPr>
+            </a:lvl7pPr>
+            <a:lvl8pPr marL="3429000" indent="-228600" eaLnBrk="0" fontAlgn="base" hangingPunct="0">
+              <a:spcBef>
+                <a:spcPct val="0"/>
+              </a:spcBef>
+              <a:spcAft>
+                <a:spcPct val="0"/>
+              </a:spcAft>
+              <a:defRPr b="1">
+                <a:solidFill>
+                  <a:schemeClr val="tx1"/>
+                </a:solidFill>
+                <a:latin typeface="Arial" charset="0"/>
+              </a:defRPr>
+            </a:lvl8pPr>
+            <a:lvl9pPr marL="3886200" indent="-228600" eaLnBrk="0" fontAlgn="base" hangingPunct="0">
+              <a:spcBef>
+                <a:spcPct val="0"/>
+              </a:spcBef>
+              <a:spcAft>
+                <a:spcPct val="0"/>
+              </a:spcAft>
+              <a:defRPr b="1">
+                <a:solidFill>
+                  <a:schemeClr val="tx1"/>
+                </a:solidFill>
+                <a:latin typeface="Arial" charset="0"/>
+              </a:defRPr>
+            </a:lvl9pPr>
+          </a:lstStyle>
+          <a:p>
+            <a:pPr marL="0" lvl="1" eaLnBrk="1" hangingPunct="1"/>
+            <a:r>
+              <a:rPr lang="da-DK" sz="1200"/>
+              <a:t>*for a comprehensive list, </a:t>
+            </a:r>
+            <a:r>
+              <a:rPr lang="en-GB" sz="1200"/>
+              <a:t>see </a:t>
+            </a:r>
+            <a:r>
+              <a:rPr lang="en-GB" sz="1200">
+                <a:hlinkClick r:id="rId3"/>
+              </a:rPr>
+              <a:t>http://www.cs.au.dk/CPnets/intro/industrial.shtml</a:t>
+            </a:r>
+            <a:endParaRPr lang="da-DK" sz="1200"/>
           </a:p>
         </p:txBody>
       </p:sp>
     </p:spTree>
     <p:extLst>
       <p:ext uri="{BB962C8B-B14F-4D97-AF65-F5344CB8AC3E}">
-        <p14:creationId xmlns:p14="http://schemas.microsoft.com/office/powerpoint/2010/main" val="3300891990"/>
+        <p14:creationId xmlns:p14="http://schemas.microsoft.com/office/powerpoint/2010/main" val="3778081009"/>
       </p:ext>
     </p:extLst>
   </p:cSld>
   <p:clrMapOvr>
     <a:masterClrMapping/>
   </p:clrMapOvr>
+  <p:timing>
+    <p:tnLst>
+      <p:par>
+        <p:cTn id="1" dur="indefinite" restart="never" nodeType="tmRoot">
+          <p:childTnLst>
+            <p:seq concurrent="1" nextAc="seek">
+              <p:cTn id="2" dur="indefinite" nodeType="mainSeq">
+                <p:childTnLst>
+                  <p:par>
+                    <p:cTn id="3" fill="hold" nodeType="clickPar">
+                      <p:stCondLst>
+                        <p:cond delay="indefinite"/>
+                      </p:stCondLst>
+                      <p:childTnLst>
+                        <p:par>
+                          <p:cTn id="4" fill="hold" nodeType="withGroup">
+                            <p:stCondLst>
+                              <p:cond delay="0"/>
+                            </p:stCondLst>
+                            <p:childTnLst>
+                              <p:par>
+                                <p:cTn id="5" presetID="1" presetClass="entr" presetSubtype="0" fill="hold" nodeType="clickEffect" nodePh="1">
+                                  <p:stCondLst>
+                                    <p:cond delay="0"/>
+                                  </p:stCondLst>
+                                  <p:endCondLst>
+                                    <p:cond evt="begin" delay="0">
+                                      <p:tn val="5"/>
+                                    </p:cond>
+                                  </p:endCondLst>
+                                  <p:childTnLst>
+                                    <p:set>
+                                      <p:cBhvr>
+                                        <p:cTn id="6" dur="1" fill="hold">
+                                          <p:stCondLst>
+                                            <p:cond delay="0"/>
+                                          </p:stCondLst>
+                                        </p:cTn>
+                                        <p:tgtEl>
+                                          <p:spTgt spid="4">
+                                            <p:txEl>
+                                              <p:pRg st="0" end="0"/>
+                                            </p:txEl>
+                                          </p:spTgt>
+                                        </p:tgtEl>
+                                        <p:attrNameLst>
+                                          <p:attrName>style.visibility</p:attrName>
+                                        </p:attrNameLst>
+                                      </p:cBhvr>
+                                      <p:to>
+                                        <p:strVal val="visible"/>
+                                      </p:to>
+                                    </p:set>
+                                  </p:childTnLst>
+                                </p:cTn>
+                              </p:par>
+                            </p:childTnLst>
+                          </p:cTn>
+                        </p:par>
+                      </p:childTnLst>
+                    </p:cTn>
+                  </p:par>
+                  <p:par>
+                    <p:cTn id="7" fill="hold" nodeType="clickPar">
+                      <p:stCondLst>
+                        <p:cond delay="indefinite"/>
+                      </p:stCondLst>
+                      <p:childTnLst>
+                        <p:par>
+                          <p:cTn id="8" fill="hold" nodeType="withGroup">
+                            <p:stCondLst>
+                              <p:cond delay="0"/>
+                            </p:stCondLst>
+                            <p:childTnLst>
+                              <p:par>
+                                <p:cTn id="9" presetID="1" presetClass="entr" presetSubtype="0" fill="hold" grpId="0" nodeType="clickEffect">
+                                  <p:stCondLst>
+                                    <p:cond delay="0"/>
+                                  </p:stCondLst>
+                                  <p:childTnLst>
+                                    <p:set>
+                                      <p:cBhvr>
+                                        <p:cTn id="10" dur="1" fill="hold">
+                                          <p:stCondLst>
+                                            <p:cond delay="0"/>
+                                          </p:stCondLst>
+                                        </p:cTn>
+                                        <p:tgtEl>
+                                          <p:spTgt spid="5"/>
+                                        </p:tgtEl>
+                                        <p:attrNameLst>
+                                          <p:attrName>style.visibility</p:attrName>
+                                        </p:attrNameLst>
+                                      </p:cBhvr>
+                                      <p:to>
+                                        <p:strVal val="visible"/>
+                                      </p:to>
+                                    </p:set>
+                                  </p:childTnLst>
+                                </p:cTn>
+                              </p:par>
+                            </p:childTnLst>
+                          </p:cTn>
+                        </p:par>
+                      </p:childTnLst>
+                    </p:cTn>
+                  </p:par>
+                </p:childTnLst>
+              </p:cTn>
+              <p:prevCondLst>
+                <p:cond evt="onPrev" delay="0">
+                  <p:tgtEl>
+                    <p:sldTgt/>
+                  </p:tgtEl>
+                </p:cond>
+              </p:prevCondLst>
+              <p:nextCondLst>
+                <p:cond evt="onNext" delay="0">
+                  <p:tgtEl>
+                    <p:sldTgt/>
+                  </p:tgtEl>
+                </p:cond>
+              </p:nextCondLst>
+            </p:seq>
+          </p:childTnLst>
+        </p:cTn>
+      </p:par>
+    </p:tnLst>
+    <p:bldLst>
+      <p:bldP spid="5" grpId="0" animBg="1"/>
+    </p:bldLst>
+  </p:timing>
 </p:sld>
 </file>
 
@@ -5342,10 +6298,10 @@
           <a:lstStyle/>
           <a:p>
             <a:r>
-              <a:rPr lang="en-GB" smtClean="0"/>
+              <a:rPr lang="en-GB" dirty="0" smtClean="0"/>
               <a:t>IEFT RPL Protocol</a:t>
             </a:r>
-            <a:endParaRPr lang="en-GB"/>
+            <a:endParaRPr lang="en-GB" dirty="0"/>
           </a:p>
         </p:txBody>
       </p:sp>
@@ -5387,7 +6343,7 @@
         </p:nvSpPr>
         <p:spPr bwMode="auto">
           <a:xfrm>
-            <a:off x="639304" y="5157192"/>
+            <a:off x="639304" y="5240317"/>
             <a:ext cx="8706184" cy="864121"/>
           </a:xfrm>
           <a:prstGeom prst="rect">
@@ -5585,7 +6541,7 @@
           <a:p>
             <a:r>
               <a:rPr lang="en-GB" sz="2400" kern="0" dirty="0" smtClean="0"/>
-              <a:t>Supports a collection of sensor to establish a DODAG for data collection</a:t>
+              <a:t>Supports a collection of sensor to establish a DODAG for data collection.</a:t>
             </a:r>
             <a:endParaRPr lang="en-GB" sz="2400" kern="0" dirty="0"/>
           </a:p>
@@ -5614,8 +6570,8 @@
         </p:blipFill>
         <p:spPr bwMode="auto">
           <a:xfrm>
-            <a:off x="4554009" y="2356125"/>
-            <a:ext cx="4266991" cy="2464117"/>
+            <a:off x="4364009" y="2290425"/>
+            <a:ext cx="5001429" cy="2888243"/>
           </a:xfrm>
           <a:prstGeom prst="rect">
             <a:avLst/>
@@ -5668,7 +6624,7 @@
         </p:blipFill>
         <p:spPr bwMode="auto">
           <a:xfrm>
-            <a:off x="1997521" y="2743792"/>
+            <a:off x="1997521" y="2565667"/>
             <a:ext cx="2171700" cy="2076450"/>
           </a:xfrm>
           <a:prstGeom prst="rect">
@@ -5722,8 +6678,8 @@
         </p:blipFill>
         <p:spPr bwMode="auto">
           <a:xfrm>
-            <a:off x="0" y="2012841"/>
-            <a:ext cx="1943100" cy="1733551"/>
+            <a:off x="54421" y="2256253"/>
+            <a:ext cx="1617056" cy="1442668"/>
           </a:xfrm>
           <a:prstGeom prst="rect">
             <a:avLst/>
@@ -5748,8 +6704,8 @@
         </p:nvCxnSpPr>
         <p:spPr bwMode="auto">
           <a:xfrm>
-            <a:off x="1568624" y="3284984"/>
-            <a:ext cx="504056" cy="360040"/>
+            <a:off x="1521124" y="3307976"/>
+            <a:ext cx="587939" cy="144016"/>
           </a:xfrm>
           <a:prstGeom prst="line">
             <a:avLst/>
@@ -5757,11 +6713,11 @@
           <a:solidFill>
             <a:schemeClr val="accent1"/>
           </a:solidFill>
-          <a:ln w="9525" cap="flat" cmpd="sng" algn="ctr">
+          <a:ln w="25400" cap="flat" cmpd="sng" algn="ctr">
             <a:solidFill>
-              <a:schemeClr val="tx1"/>
+              <a:srgbClr val="0070C0"/>
             </a:solidFill>
-            <a:prstDash val="solid"/>
+            <a:prstDash val="sysDash"/>
             <a:round/>
             <a:headEnd type="none" w="med" len="med"/>
             <a:tailEnd type="none" w="med" len="med"/>
@@ -5792,8 +6748,8 @@
         </p:blipFill>
         <p:spPr bwMode="auto">
           <a:xfrm>
-            <a:off x="7519264" y="200515"/>
-            <a:ext cx="2133600" cy="1219201"/>
+            <a:off x="8023817" y="297031"/>
+            <a:ext cx="1365371" cy="780213"/>
           </a:xfrm>
           <a:prstGeom prst="rect">
             <a:avLst/>
@@ -5820,6 +6776,13 @@
   <p:clrMapOvr>
     <a:masterClrMapping/>
   </p:clrMapOvr>
+  <p:timing>
+    <p:tnLst>
+      <p:par>
+        <p:cTn id="1" dur="indefinite" restart="never" nodeType="tmRoot"/>
+      </p:par>
+    </p:tnLst>
+  </p:timing>
 </p:sld>
 </file>
 
@@ -5840,6 +6803,60 @@
           <a:chExt cx="0" cy="0"/>
         </a:xfrm>
       </p:grpSpPr>
+      <p:pic>
+        <p:nvPicPr>
+          <p:cNvPr id="5122" name="Picture 2"/>
+          <p:cNvPicPr>
+            <a:picLocks noChangeAspect="1" noChangeArrowheads="1"/>
+          </p:cNvPicPr>
+          <p:nvPr/>
+        </p:nvPicPr>
+        <p:blipFill>
+          <a:blip r:embed="rId2">
+            <a:extLst>
+              <a:ext uri="{28A0092B-C50C-407E-A947-70E740481C1C}">
+                <a14:useLocalDpi xmlns:a14="http://schemas.microsoft.com/office/drawing/2010/main" val="0"/>
+              </a:ext>
+            </a:extLst>
+          </a:blip>
+          <a:srcRect/>
+          <a:stretch>
+            <a:fillRect/>
+          </a:stretch>
+        </p:blipFill>
+        <p:spPr bwMode="auto">
+          <a:xfrm>
+            <a:off x="5437854" y="1628800"/>
+            <a:ext cx="3816424" cy="1836269"/>
+          </a:xfrm>
+          <a:prstGeom prst="rect">
+            <a:avLst/>
+          </a:prstGeom>
+          <a:noFill/>
+          <a:ln>
+            <a:noFill/>
+          </a:ln>
+          <a:extLst>
+            <a:ext uri="{909E8E84-426E-40DD-AFC4-6F175D3DCCD1}">
+              <a14:hiddenFill xmlns:a14="http://schemas.microsoft.com/office/drawing/2010/main">
+                <a:solidFill>
+                  <a:schemeClr val="accent1"/>
+                </a:solidFill>
+              </a14:hiddenFill>
+            </a:ext>
+            <a:ext uri="{91240B29-F687-4F45-9708-019B960494DF}">
+              <a14:hiddenLine xmlns:a14="http://schemas.microsoft.com/office/drawing/2010/main" w="9525">
+                <a:solidFill>
+                  <a:schemeClr val="tx1"/>
+                </a:solidFill>
+                <a:miter lim="800000"/>
+                <a:headEnd/>
+                <a:tailEnd/>
+              </a14:hiddenLine>
+            </a:ext>
+          </a:extLst>
+        </p:spPr>
+      </p:pic>
       <p:sp>
         <p:nvSpPr>
           <p:cNvPr id="2" name="Title 1"/>
@@ -5856,10 +6873,10 @@
           <a:lstStyle/>
           <a:p>
             <a:r>
-              <a:rPr lang="nb-NO" dirty="0" smtClean="0"/>
-              <a:t>CPN RPL Model</a:t>
-            </a:r>
-            <a:endParaRPr lang="nb-NO" dirty="0"/>
+              <a:rPr lang="en-GB" smtClean="0"/>
+              <a:t>RPL CPN Model</a:t>
+            </a:r>
+            <a:endParaRPr lang="en-GB"/>
           </a:p>
         </p:txBody>
       </p:sp>
@@ -5873,15 +6890,84 @@
             <p:ph idx="1"/>
           </p:nvPr>
         </p:nvSpPr>
-        <p:spPr/>
+        <p:spPr>
+          <a:xfrm>
+            <a:off x="495300" y="1189400"/>
+            <a:ext cx="8850188" cy="864121"/>
+          </a:xfrm>
+        </p:spPr>
         <p:txBody>
           <a:bodyPr/>
           <a:lstStyle/>
           <a:p>
-            <a:endParaRPr lang="nb-NO"/>
+            <a:r>
+              <a:rPr lang="en-GB" sz="2400" dirty="0" smtClean="0"/>
+              <a:t>A platform independent model specifying the operation of the RPL Protocol:</a:t>
+            </a:r>
+            <a:endParaRPr lang="en-GB" sz="2400" dirty="0"/>
           </a:p>
         </p:txBody>
       </p:sp>
+      <p:pic>
+        <p:nvPicPr>
+          <p:cNvPr id="4" name="Picture 3"/>
+          <p:cNvPicPr>
+            <a:picLocks noChangeAspect="1"/>
+          </p:cNvPicPr>
+          <p:nvPr/>
+        </p:nvPicPr>
+        <p:blipFill>
+          <a:blip r:embed="rId3" cstate="print">
+            <a:extLst>
+              <a:ext uri="{28A0092B-C50C-407E-A947-70E740481C1C}">
+                <a14:useLocalDpi xmlns:a14="http://schemas.microsoft.com/office/drawing/2010/main" val="0"/>
+              </a:ext>
+            </a:extLst>
+          </a:blip>
+          <a:stretch>
+            <a:fillRect/>
+          </a:stretch>
+        </p:blipFill>
+        <p:spPr>
+          <a:xfrm>
+            <a:off x="561271" y="2336524"/>
+            <a:ext cx="4015264" cy="3372224"/>
+          </a:xfrm>
+          <a:prstGeom prst="rect">
+            <a:avLst/>
+          </a:prstGeom>
+        </p:spPr>
+      </p:pic>
+      <p:pic>
+        <p:nvPicPr>
+          <p:cNvPr id="7" name="Picture 6"/>
+          <p:cNvPicPr>
+            <a:picLocks noChangeAspect="1"/>
+          </p:cNvPicPr>
+          <p:nvPr/>
+        </p:nvPicPr>
+        <p:blipFill>
+          <a:blip r:embed="rId4" cstate="print">
+            <a:extLst>
+              <a:ext uri="{28A0092B-C50C-407E-A947-70E740481C1C}">
+                <a14:useLocalDpi xmlns:a14="http://schemas.microsoft.com/office/drawing/2010/main" val="0"/>
+              </a:ext>
+            </a:extLst>
+          </a:blip>
+          <a:stretch>
+            <a:fillRect/>
+          </a:stretch>
+        </p:blipFill>
+        <p:spPr>
+          <a:xfrm>
+            <a:off x="4594476" y="3506309"/>
+            <a:ext cx="3483158" cy="2622612"/>
+          </a:xfrm>
+          <a:prstGeom prst="rect">
+            <a:avLst/>
+          </a:prstGeom>
+        </p:spPr>
+      </p:pic>
     </p:spTree>
     <p:extLst>
       <p:ext uri="{BB962C8B-B14F-4D97-AF65-F5344CB8AC3E}">
@@ -5892,6 +6978,13 @@
   <p:clrMapOvr>
     <a:masterClrMapping/>
   </p:clrMapOvr>
+  <p:timing>
+    <p:tnLst>
+      <p:par>
+        <p:cTn id="1" dur="indefinite" restart="never" nodeType="tmRoot"/>
+      </p:par>
+    </p:tnLst>
+  </p:timing>
 </p:sld>
 </file>
 
@@ -5912,63 +7005,9 @@
           <a:chExt cx="0" cy="0"/>
         </a:xfrm>
       </p:grpSpPr>
-      <p:sp>
-        <p:nvSpPr>
-          <p:cNvPr id="2" name="Title 1"/>
-          <p:cNvSpPr>
-            <a:spLocks noGrp="1"/>
-          </p:cNvSpPr>
-          <p:nvPr>
-            <p:ph type="title"/>
-          </p:nvPr>
-        </p:nvSpPr>
-        <p:spPr/>
-        <p:txBody>
-          <a:bodyPr/>
-          <a:lstStyle/>
-          <a:p>
-            <a:r>
-              <a:rPr lang="nb-NO" dirty="0" smtClean="0"/>
-              <a:t>Platform: </a:t>
-            </a:r>
-            <a:r>
-              <a:rPr lang="nb-NO" dirty="0" err="1" smtClean="0"/>
-              <a:t>TinyOS</a:t>
-            </a:r>
-            <a:r>
-              <a:rPr lang="nb-NO" dirty="0" smtClean="0"/>
-              <a:t> and </a:t>
-            </a:r>
-            <a:r>
-              <a:rPr lang="nb-NO" dirty="0" err="1" smtClean="0"/>
-              <a:t>nesC</a:t>
-            </a:r>
-            <a:endParaRPr lang="nb-NO" dirty="0"/>
-          </a:p>
-        </p:txBody>
-      </p:sp>
-      <p:sp>
-        <p:nvSpPr>
-          <p:cNvPr id="3" name="Content Placeholder 2"/>
-          <p:cNvSpPr>
-            <a:spLocks noGrp="1"/>
-          </p:cNvSpPr>
-          <p:nvPr>
-            <p:ph idx="1"/>
-          </p:nvPr>
-        </p:nvSpPr>
-        <p:spPr/>
-        <p:txBody>
-          <a:bodyPr/>
-          <a:lstStyle/>
-          <a:p>
-            <a:endParaRPr lang="nb-NO"/>
-          </a:p>
-        </p:txBody>
-      </p:sp>
       <p:pic>
         <p:nvPicPr>
-          <p:cNvPr id="3074" name="Picture 2" descr="http://www.tinyos.net/tos-jwall.jpg"/>
+          <p:cNvPr id="5" name="Picture 5" descr="http://www.cse.nd.edu/~cpoellab/teaching/cse40815/micaz.png"/>
           <p:cNvPicPr>
             <a:picLocks noChangeAspect="1" noChangeArrowheads="1"/>
           </p:cNvPicPr>
@@ -5989,8 +7028,8 @@
         </p:blipFill>
         <p:spPr bwMode="auto">
           <a:xfrm>
-            <a:off x="5817096" y="1988840"/>
-            <a:ext cx="3362325" cy="1285876"/>
+            <a:off x="7989211" y="1892207"/>
+            <a:ext cx="1617056" cy="1442668"/>
           </a:xfrm>
           <a:prstGeom prst="rect">
             <a:avLst/>
@@ -6007,6 +7046,371 @@
           </a:extLst>
         </p:spPr>
       </p:pic>
+      <p:sp>
+        <p:nvSpPr>
+          <p:cNvPr id="2" name="Title 1"/>
+          <p:cNvSpPr>
+            <a:spLocks noGrp="1"/>
+          </p:cNvSpPr>
+          <p:nvPr>
+            <p:ph type="title"/>
+          </p:nvPr>
+        </p:nvSpPr>
+        <p:spPr/>
+        <p:txBody>
+          <a:bodyPr/>
+          <a:lstStyle/>
+          <a:p>
+            <a:r>
+              <a:rPr lang="en-GB" smtClean="0"/>
+              <a:t>Platform: TinyOS and nesC</a:t>
+            </a:r>
+            <a:endParaRPr lang="en-GB"/>
+          </a:p>
+        </p:txBody>
+      </p:sp>
+      <p:sp>
+        <p:nvSpPr>
+          <p:cNvPr id="3" name="Content Placeholder 2"/>
+          <p:cNvSpPr>
+            <a:spLocks noGrp="1"/>
+          </p:cNvSpPr>
+          <p:nvPr>
+            <p:ph idx="1"/>
+          </p:nvPr>
+        </p:nvSpPr>
+        <p:spPr>
+          <a:xfrm>
+            <a:off x="488504" y="1412776"/>
+            <a:ext cx="9001000" cy="828092"/>
+          </a:xfrm>
+        </p:spPr>
+        <p:txBody>
+          <a:bodyPr/>
+          <a:lstStyle/>
+          <a:p>
+            <a:r>
+              <a:rPr lang="en-GB" sz="2400" dirty="0" smtClean="0"/>
+              <a:t>Operating system and programming language targeting constrained devices.</a:t>
+            </a:r>
+          </a:p>
+        </p:txBody>
+      </p:sp>
+      <p:pic>
+        <p:nvPicPr>
+          <p:cNvPr id="3074" name="Picture 2" descr="http://www.tinyos.net/tos-jwall.jpg"/>
+          <p:cNvPicPr>
+            <a:picLocks noChangeAspect="1" noChangeArrowheads="1"/>
+          </p:cNvPicPr>
+          <p:nvPr/>
+        </p:nvPicPr>
+        <p:blipFill>
+          <a:blip r:embed="rId3">
+            <a:extLst>
+              <a:ext uri="{28A0092B-C50C-407E-A947-70E740481C1C}">
+                <a14:useLocalDpi xmlns:a14="http://schemas.microsoft.com/office/drawing/2010/main" val="0"/>
+              </a:ext>
+            </a:extLst>
+          </a:blip>
+          <a:srcRect/>
+          <a:stretch>
+            <a:fillRect/>
+          </a:stretch>
+        </p:blipFill>
+        <p:spPr bwMode="auto">
+          <a:xfrm>
+            <a:off x="6513426" y="1989219"/>
+            <a:ext cx="1694585" cy="648072"/>
+          </a:xfrm>
+          <a:prstGeom prst="rect">
+            <a:avLst/>
+          </a:prstGeom>
+          <a:noFill/>
+          <a:extLst>
+            <a:ext uri="{909E8E84-426E-40DD-AFC4-6F175D3DCCD1}">
+              <a14:hiddenFill xmlns:a14="http://schemas.microsoft.com/office/drawing/2010/main">
+                <a:solidFill>
+                  <a:srgbClr val="FFFFFF"/>
+                </a:solidFill>
+              </a14:hiddenFill>
+            </a:ext>
+          </a:extLst>
+        </p:spPr>
+      </p:pic>
+      <p:pic>
+        <p:nvPicPr>
+          <p:cNvPr id="3076" name="Picture 4"/>
+          <p:cNvPicPr>
+            <a:picLocks noChangeAspect="1" noChangeArrowheads="1"/>
+          </p:cNvPicPr>
+          <p:nvPr/>
+        </p:nvPicPr>
+        <p:blipFill>
+          <a:blip r:embed="rId4">
+            <a:extLst>
+              <a:ext uri="{28A0092B-C50C-407E-A947-70E740481C1C}">
+                <a14:useLocalDpi xmlns:a14="http://schemas.microsoft.com/office/drawing/2010/main" val="0"/>
+              </a:ext>
+            </a:extLst>
+          </a:blip>
+          <a:srcRect/>
+          <a:stretch>
+            <a:fillRect/>
+          </a:stretch>
+        </p:blipFill>
+        <p:spPr bwMode="auto">
+          <a:xfrm>
+            <a:off x="861177" y="2289505"/>
+            <a:ext cx="5433777" cy="3871070"/>
+          </a:xfrm>
+          <a:prstGeom prst="rect">
+            <a:avLst/>
+          </a:prstGeom>
+          <a:noFill/>
+          <a:ln>
+            <a:noFill/>
+          </a:ln>
+          <a:extLst>
+            <a:ext uri="{909E8E84-426E-40DD-AFC4-6F175D3DCCD1}">
+              <a14:hiddenFill xmlns:a14="http://schemas.microsoft.com/office/drawing/2010/main">
+                <a:solidFill>
+                  <a:schemeClr val="accent1"/>
+                </a:solidFill>
+              </a14:hiddenFill>
+            </a:ext>
+            <a:ext uri="{91240B29-F687-4F45-9708-019B960494DF}">
+              <a14:hiddenLine xmlns:a14="http://schemas.microsoft.com/office/drawing/2010/main" w="9525">
+                <a:solidFill>
+                  <a:schemeClr val="tx1"/>
+                </a:solidFill>
+                <a:miter lim="800000"/>
+                <a:headEnd/>
+                <a:tailEnd/>
+              </a14:hiddenLine>
+            </a:ext>
+          </a:extLst>
+        </p:spPr>
+      </p:pic>
+      <p:sp>
+        <p:nvSpPr>
+          <p:cNvPr id="8" name="Content Placeholder 2"/>
+          <p:cNvSpPr txBox="1">
+            <a:spLocks/>
+          </p:cNvSpPr>
+          <p:nvPr/>
+        </p:nvSpPr>
+        <p:spPr bwMode="auto">
+          <a:xfrm>
+            <a:off x="5889104" y="3334874"/>
+            <a:ext cx="3600400" cy="2686413"/>
+          </a:xfrm>
+          <a:prstGeom prst="rect">
+            <a:avLst/>
+          </a:prstGeom>
+          <a:noFill/>
+          <a:ln w="9525">
+            <a:noFill/>
+            <a:miter lim="800000"/>
+            <a:headEnd/>
+            <a:tailEnd/>
+          </a:ln>
+        </p:spPr>
+        <p:txBody>
+          <a:bodyPr vert="horz" wrap="square" lIns="91440" tIns="45720" rIns="91440" bIns="45720" numCol="1" anchor="t" anchorCtr="0" compatLnSpc="1">
+            <a:prstTxWarp prst="textNoShape">
+              <a:avLst/>
+            </a:prstTxWarp>
+          </a:bodyPr>
+          <a:lstStyle>
+            <a:lvl1pPr marL="342900" indent="-342900" algn="l" rtl="0" eaLnBrk="0" fontAlgn="base" hangingPunct="0">
+              <a:spcBef>
+                <a:spcPct val="20000"/>
+              </a:spcBef>
+              <a:spcAft>
+                <a:spcPct val="0"/>
+              </a:spcAft>
+              <a:buClr>
+                <a:srgbClr val="FFC000"/>
+              </a:buClr>
+              <a:buFont typeface="Wingdings" pitchFamily="2" charset="2"/>
+              <a:buChar char="§"/>
+              <a:defRPr sz="2800" b="1">
+                <a:solidFill>
+                  <a:schemeClr val="tx1"/>
+                </a:solidFill>
+                <a:latin typeface="+mn-lt"/>
+                <a:ea typeface="+mn-ea"/>
+                <a:cs typeface="+mn-cs"/>
+              </a:defRPr>
+            </a:lvl1pPr>
+            <a:lvl2pPr marL="742950" indent="-285750" algn="l" rtl="0" eaLnBrk="0" fontAlgn="base" hangingPunct="0">
+              <a:spcBef>
+                <a:spcPct val="20000"/>
+              </a:spcBef>
+              <a:spcAft>
+                <a:spcPct val="0"/>
+              </a:spcAft>
+              <a:buClr>
+                <a:srgbClr val="FFC000"/>
+              </a:buClr>
+              <a:buFont typeface="Wingdings" pitchFamily="2" charset="2"/>
+              <a:buChar char="§"/>
+              <a:defRPr sz="2400">
+                <a:solidFill>
+                  <a:schemeClr val="tx1"/>
+                </a:solidFill>
+                <a:latin typeface="+mn-lt"/>
+              </a:defRPr>
+            </a:lvl2pPr>
+            <a:lvl3pPr marL="1143000" indent="-228600" algn="l" rtl="0" eaLnBrk="0" fontAlgn="base" hangingPunct="0">
+              <a:spcBef>
+                <a:spcPct val="20000"/>
+              </a:spcBef>
+              <a:spcAft>
+                <a:spcPct val="0"/>
+              </a:spcAft>
+              <a:buClr>
+                <a:srgbClr val="FFC000"/>
+              </a:buClr>
+              <a:buFont typeface="Wingdings" pitchFamily="2" charset="2"/>
+              <a:buChar char="§"/>
+              <a:defRPr sz="2000">
+                <a:solidFill>
+                  <a:schemeClr val="tx1"/>
+                </a:solidFill>
+                <a:latin typeface="+mn-lt"/>
+              </a:defRPr>
+            </a:lvl3pPr>
+            <a:lvl4pPr marL="1600200" indent="-228600" algn="l" rtl="0" eaLnBrk="0" fontAlgn="base" hangingPunct="0">
+              <a:spcBef>
+                <a:spcPct val="20000"/>
+              </a:spcBef>
+              <a:spcAft>
+                <a:spcPct val="0"/>
+              </a:spcAft>
+              <a:buClr>
+                <a:srgbClr val="FFC000"/>
+              </a:buClr>
+              <a:buFont typeface="Wingdings" pitchFamily="2" charset="2"/>
+              <a:buChar char="§"/>
+              <a:defRPr sz="1600">
+                <a:solidFill>
+                  <a:schemeClr val="tx1"/>
+                </a:solidFill>
+                <a:latin typeface="+mn-lt"/>
+              </a:defRPr>
+            </a:lvl4pPr>
+            <a:lvl5pPr marL="2057400" indent="-228600" algn="l" rtl="0" eaLnBrk="0" fontAlgn="base" hangingPunct="0">
+              <a:spcBef>
+                <a:spcPct val="20000"/>
+              </a:spcBef>
+              <a:spcAft>
+                <a:spcPct val="0"/>
+              </a:spcAft>
+              <a:buClr>
+                <a:srgbClr val="FFC000"/>
+              </a:buClr>
+              <a:buFont typeface="Wingdings" pitchFamily="2" charset="2"/>
+              <a:buChar char="§"/>
+              <a:defRPr sz="1600">
+                <a:solidFill>
+                  <a:schemeClr val="tx1"/>
+                </a:solidFill>
+                <a:latin typeface="+mn-lt"/>
+              </a:defRPr>
+            </a:lvl5pPr>
+            <a:lvl6pPr marL="2514600" indent="-228600" algn="l" rtl="0" fontAlgn="base">
+              <a:spcBef>
+                <a:spcPct val="20000"/>
+              </a:spcBef>
+              <a:spcAft>
+                <a:spcPct val="0"/>
+              </a:spcAft>
+              <a:buClr>
+                <a:srgbClr val="FF0000"/>
+              </a:buClr>
+              <a:buFont typeface="Wingdings" pitchFamily="2" charset="2"/>
+              <a:buChar char="§"/>
+              <a:defRPr sz="1600">
+                <a:solidFill>
+                  <a:schemeClr val="tx1"/>
+                </a:solidFill>
+                <a:latin typeface="+mn-lt"/>
+              </a:defRPr>
+            </a:lvl6pPr>
+            <a:lvl7pPr marL="2971800" indent="-228600" algn="l" rtl="0" fontAlgn="base">
+              <a:spcBef>
+                <a:spcPct val="20000"/>
+              </a:spcBef>
+              <a:spcAft>
+                <a:spcPct val="0"/>
+              </a:spcAft>
+              <a:buClr>
+                <a:srgbClr val="FF0000"/>
+              </a:buClr>
+              <a:buFont typeface="Wingdings" pitchFamily="2" charset="2"/>
+              <a:buChar char="§"/>
+              <a:defRPr sz="1600">
+                <a:solidFill>
+                  <a:schemeClr val="tx1"/>
+                </a:solidFill>
+                <a:latin typeface="+mn-lt"/>
+              </a:defRPr>
+            </a:lvl7pPr>
+            <a:lvl8pPr marL="3429000" indent="-228600" algn="l" rtl="0" fontAlgn="base">
+              <a:spcBef>
+                <a:spcPct val="20000"/>
+              </a:spcBef>
+              <a:spcAft>
+                <a:spcPct val="0"/>
+              </a:spcAft>
+              <a:buClr>
+                <a:srgbClr val="FF0000"/>
+              </a:buClr>
+              <a:buFont typeface="Wingdings" pitchFamily="2" charset="2"/>
+              <a:buChar char="§"/>
+              <a:defRPr sz="1600">
+                <a:solidFill>
+                  <a:schemeClr val="tx1"/>
+                </a:solidFill>
+                <a:latin typeface="+mn-lt"/>
+              </a:defRPr>
+            </a:lvl8pPr>
+            <a:lvl9pPr marL="3886200" indent="-228600" algn="l" rtl="0" fontAlgn="base">
+              <a:spcBef>
+                <a:spcPct val="20000"/>
+              </a:spcBef>
+              <a:spcAft>
+                <a:spcPct val="0"/>
+              </a:spcAft>
+              <a:buClr>
+                <a:srgbClr val="FF0000"/>
+              </a:buClr>
+              <a:buFont typeface="Wingdings" pitchFamily="2" charset="2"/>
+              <a:buChar char="§"/>
+              <a:defRPr sz="1600">
+                <a:solidFill>
+                  <a:schemeClr val="tx1"/>
+                </a:solidFill>
+                <a:latin typeface="+mn-lt"/>
+              </a:defRPr>
+            </a:lvl9pPr>
+          </a:lstStyle>
+          <a:p>
+            <a:r>
+              <a:rPr lang="en-GB" sz="1800" kern="0" dirty="0" smtClean="0"/>
+              <a:t>Application structured into component providing and using interfaces.</a:t>
+            </a:r>
+          </a:p>
+          <a:p>
+            <a:r>
+              <a:rPr lang="en-GB" sz="1800" kern="0" dirty="0" smtClean="0"/>
+              <a:t>Split-phase programming model based on command and events.</a:t>
+            </a:r>
+            <a:endParaRPr lang="en-GB" sz="1800" kern="0" dirty="0" smtClean="0"/>
+          </a:p>
+        </p:txBody>
+      </p:sp>
     </p:spTree>
     <p:extLst>
       <p:ext uri="{BB962C8B-B14F-4D97-AF65-F5344CB8AC3E}">
@@ -6017,6 +7421,13 @@
   <p:clrMapOvr>
     <a:masterClrMapping/>
   </p:clrMapOvr>
+  <p:timing>
+    <p:tnLst>
+      <p:par>
+        <p:cTn id="1" dur="indefinite" restart="never" nodeType="tmRoot"/>
+      </p:par>
+    </p:tnLst>
+  </p:timing>
 </p:sld>
 </file>
 
@@ -6053,18 +7464,10 @@
           <a:lstStyle/>
           <a:p>
             <a:r>
-              <a:rPr lang="nb-NO" dirty="0" err="1" smtClean="0"/>
-              <a:t>Refinement</a:t>
-            </a:r>
-            <a:r>
-              <a:rPr lang="nb-NO" dirty="0" smtClean="0"/>
-              <a:t> </a:t>
-            </a:r>
-            <a:r>
-              <a:rPr lang="nb-NO" dirty="0" err="1" smtClean="0"/>
-              <a:t>Methodology</a:t>
-            </a:r>
-            <a:endParaRPr lang="nb-NO" dirty="0"/>
+              <a:rPr lang="en-GB" smtClean="0"/>
+              <a:t>Refinement Methodology</a:t>
+            </a:r>
+            <a:endParaRPr lang="en-GB"/>
           </a:p>
         </p:txBody>
       </p:sp>
@@ -6078,12 +7481,136 @@
             <p:ph idx="1"/>
           </p:nvPr>
         </p:nvSpPr>
-        <p:spPr/>
+        <p:spPr>
+          <a:xfrm>
+            <a:off x="495300" y="1260649"/>
+            <a:ext cx="8922196" cy="3861675"/>
+          </a:xfrm>
+        </p:spPr>
         <p:txBody>
           <a:bodyPr/>
           <a:lstStyle/>
           <a:p>
-            <a:endParaRPr lang="nb-NO"/>
+            <a:r>
+              <a:rPr lang="en-GB" sz="2400" dirty="0" smtClean="0"/>
+              <a:t>A five step methodology for refining the model to be suited for code generation:</a:t>
+            </a:r>
+          </a:p>
+          <a:p>
+            <a:pPr marL="914400" lvl="1" indent="-457200">
+              <a:buFont typeface="+mj-lt"/>
+              <a:buAutoNum type="arabicPeriod"/>
+            </a:pPr>
+            <a:r>
+              <a:rPr lang="en-GB" sz="2000" b="1" dirty="0" smtClean="0">
+                <a:solidFill>
+                  <a:srgbClr val="0070C0"/>
+                </a:solidFill>
+              </a:rPr>
+              <a:t>Component architecture </a:t>
+            </a:r>
+            <a:r>
+              <a:rPr lang="en-GB" sz="2000" dirty="0" smtClean="0"/>
+              <a:t>identifying components and interfaces.</a:t>
+            </a:r>
+          </a:p>
+          <a:p>
+            <a:pPr marL="914400" lvl="1" indent="-457200">
+              <a:buFont typeface="+mj-lt"/>
+              <a:buAutoNum type="arabicPeriod"/>
+            </a:pPr>
+            <a:r>
+              <a:rPr lang="en-GB" sz="2000" b="1" dirty="0" smtClean="0">
+                <a:solidFill>
+                  <a:srgbClr val="0070C0"/>
+                </a:solidFill>
+              </a:rPr>
+              <a:t>Resolving interface conflicts </a:t>
+            </a:r>
+            <a:r>
+              <a:rPr lang="en-GB" sz="2000" dirty="0" smtClean="0"/>
+              <a:t>allowing multiple uses of interfaces. </a:t>
+            </a:r>
+          </a:p>
+          <a:p>
+            <a:pPr marL="914400" lvl="1" indent="-457200">
+              <a:buFont typeface="+mj-lt"/>
+              <a:buAutoNum type="arabicPeriod"/>
+            </a:pPr>
+            <a:r>
+              <a:rPr lang="en-GB" sz="2000" b="1" dirty="0" smtClean="0">
+                <a:solidFill>
+                  <a:srgbClr val="0070C0"/>
+                </a:solidFill>
+              </a:rPr>
+              <a:t>Component and interface signatures</a:t>
+            </a:r>
+            <a:r>
+              <a:rPr lang="en-GB" sz="2000" dirty="0" smtClean="0"/>
+              <a:t> identifying commands and events and associated types.</a:t>
+            </a:r>
+          </a:p>
+          <a:p>
+            <a:pPr marL="914400" lvl="1" indent="-457200">
+              <a:buFont typeface="+mj-lt"/>
+              <a:buAutoNum type="arabicPeriod"/>
+            </a:pPr>
+            <a:r>
+              <a:rPr lang="en-GB" sz="2000" b="1" dirty="0" smtClean="0">
+                <a:solidFill>
+                  <a:srgbClr val="0070C0"/>
+                </a:solidFill>
+              </a:rPr>
+              <a:t>Component classification </a:t>
+            </a:r>
+            <a:r>
+              <a:rPr lang="en-GB" sz="2000" dirty="0" smtClean="0"/>
+              <a:t>identifying components as timed, external, boot, and generic.</a:t>
+            </a:r>
+            <a:r>
+              <a:rPr lang="en-GB" sz="2000" dirty="0" smtClean="0">
+                <a:solidFill>
+                  <a:srgbClr val="0070C0"/>
+                </a:solidFill>
+              </a:rPr>
+              <a:t> </a:t>
+            </a:r>
+            <a:endParaRPr lang="en-GB" sz="2000" b="1" dirty="0" smtClean="0">
+              <a:solidFill>
+                <a:srgbClr val="0070C0"/>
+              </a:solidFill>
+            </a:endParaRPr>
+          </a:p>
+          <a:p>
+            <a:pPr marL="914400" lvl="1" indent="-457200">
+              <a:buFont typeface="+mj-lt"/>
+              <a:buAutoNum type="arabicPeriod"/>
+            </a:pPr>
+            <a:r>
+              <a:rPr lang="en-GB" sz="2000" b="1" dirty="0" smtClean="0">
+                <a:solidFill>
+                  <a:srgbClr val="0070C0"/>
+                </a:solidFill>
+              </a:rPr>
+              <a:t>Internal component behaviour </a:t>
+            </a:r>
+            <a:r>
+              <a:rPr lang="en-GB" sz="2000" dirty="0" smtClean="0"/>
+              <a:t>providing control flow oriented modelling of commands and events.</a:t>
+            </a:r>
+            <a:endParaRPr lang="en-GB" sz="2000" b="1" dirty="0" smtClean="0">
+              <a:solidFill>
+                <a:srgbClr val="0070C0"/>
+              </a:solidFill>
+            </a:endParaRPr>
+          </a:p>
+          <a:p>
+            <a:pPr marL="514350" indent="-457200"/>
+            <a:r>
+              <a:rPr lang="en-GB" sz="2400" dirty="0" smtClean="0"/>
+              <a:t>Each step add model details and pragmatic annotations to the CPN model elements.</a:t>
+            </a:r>
+            <a:endParaRPr lang="en-GB" sz="2400" dirty="0"/>
           </a:p>
         </p:txBody>
       </p:sp>
@@ -6097,6 +7624,13 @@
   <p:clrMapOvr>
     <a:masterClrMapping/>
   </p:clrMapOvr>
+  <p:timing>
+    <p:tnLst>
+      <p:par>
+        <p:cTn id="1" dur="indefinite" restart="never" nodeType="tmRoot"/>
+      </p:par>
+    </p:tnLst>
+  </p:timing>
 </p:sld>
 </file>
 
@@ -6133,10 +7667,10 @@
           <a:lstStyle/>
           <a:p>
             <a:r>
-              <a:rPr lang="nb-NO" dirty="0" err="1" smtClean="0"/>
+              <a:rPr lang="en-GB" smtClean="0"/>
               <a:t>Pragmatics</a:t>
             </a:r>
-            <a:endParaRPr lang="nb-NO" dirty="0"/>
+            <a:endParaRPr lang="en-GB"/>
           </a:p>
         </p:txBody>
       </p:sp>
@@ -6150,12 +7684,245 @@
             <p:ph idx="1"/>
           </p:nvPr>
         </p:nvSpPr>
-        <p:spPr/>
+        <p:spPr>
+          <a:xfrm>
+            <a:off x="542800" y="1260650"/>
+            <a:ext cx="8915400" cy="792113"/>
+          </a:xfrm>
+        </p:spPr>
         <p:txBody>
           <a:bodyPr/>
           <a:lstStyle/>
           <a:p>
-            <a:endParaRPr lang="nb-NO"/>
+            <a:r>
+              <a:rPr lang="en-GB" sz="2400" dirty="0" smtClean="0"/>
+              <a:t>Syntactical annotation added to the model in order to later direct the code generation.</a:t>
+            </a:r>
+          </a:p>
+          <a:p>
+            <a:endParaRPr lang="en-GB" sz="2400" dirty="0" smtClean="0"/>
+          </a:p>
+          <a:p>
+            <a:endParaRPr lang="en-GB" sz="2400" dirty="0"/>
+          </a:p>
+        </p:txBody>
+      </p:sp>
+      <p:sp>
+        <p:nvSpPr>
+          <p:cNvPr id="4" name="Content Placeholder 2"/>
+          <p:cNvSpPr txBox="1">
+            <a:spLocks/>
+          </p:cNvSpPr>
+          <p:nvPr/>
+        </p:nvSpPr>
+        <p:spPr bwMode="auto">
+          <a:xfrm>
+            <a:off x="540825" y="5252192"/>
+            <a:ext cx="8915400" cy="792113"/>
+          </a:xfrm>
+          <a:prstGeom prst="rect">
+            <a:avLst/>
+          </a:prstGeom>
+          <a:noFill/>
+          <a:ln w="9525">
+            <a:noFill/>
+            <a:miter lim="800000"/>
+            <a:headEnd/>
+            <a:tailEnd/>
+          </a:ln>
+        </p:spPr>
+        <p:txBody>
+          <a:bodyPr vert="horz" wrap="square" lIns="91440" tIns="45720" rIns="91440" bIns="45720" numCol="1" anchor="t" anchorCtr="0" compatLnSpc="1">
+            <a:prstTxWarp prst="textNoShape">
+              <a:avLst/>
+            </a:prstTxWarp>
+          </a:bodyPr>
+          <a:lstStyle>
+            <a:lvl1pPr marL="342900" indent="-342900" algn="l" rtl="0" eaLnBrk="0" fontAlgn="base" hangingPunct="0">
+              <a:spcBef>
+                <a:spcPct val="20000"/>
+              </a:spcBef>
+              <a:spcAft>
+                <a:spcPct val="0"/>
+              </a:spcAft>
+              <a:buClr>
+                <a:srgbClr val="FFC000"/>
+              </a:buClr>
+              <a:buFont typeface="Wingdings" pitchFamily="2" charset="2"/>
+              <a:buChar char="§"/>
+              <a:defRPr sz="2800" b="1">
+                <a:solidFill>
+                  <a:schemeClr val="tx1"/>
+                </a:solidFill>
+                <a:latin typeface="+mn-lt"/>
+                <a:ea typeface="+mn-ea"/>
+                <a:cs typeface="+mn-cs"/>
+              </a:defRPr>
+            </a:lvl1pPr>
+            <a:lvl2pPr marL="742950" indent="-285750" algn="l" rtl="0" eaLnBrk="0" fontAlgn="base" hangingPunct="0">
+              <a:spcBef>
+                <a:spcPct val="20000"/>
+              </a:spcBef>
+              <a:spcAft>
+                <a:spcPct val="0"/>
+              </a:spcAft>
+              <a:buClr>
+                <a:srgbClr val="FFC000"/>
+              </a:buClr>
+              <a:buFont typeface="Wingdings" pitchFamily="2" charset="2"/>
+              <a:buChar char="§"/>
+              <a:defRPr sz="2400">
+                <a:solidFill>
+                  <a:schemeClr val="tx1"/>
+                </a:solidFill>
+                <a:latin typeface="+mn-lt"/>
+              </a:defRPr>
+            </a:lvl2pPr>
+            <a:lvl3pPr marL="1143000" indent="-228600" algn="l" rtl="0" eaLnBrk="0" fontAlgn="base" hangingPunct="0">
+              <a:spcBef>
+                <a:spcPct val="20000"/>
+              </a:spcBef>
+              <a:spcAft>
+                <a:spcPct val="0"/>
+              </a:spcAft>
+              <a:buClr>
+                <a:srgbClr val="FFC000"/>
+              </a:buClr>
+              <a:buFont typeface="Wingdings" pitchFamily="2" charset="2"/>
+              <a:buChar char="§"/>
+              <a:defRPr sz="2000">
+                <a:solidFill>
+                  <a:schemeClr val="tx1"/>
+                </a:solidFill>
+                <a:latin typeface="+mn-lt"/>
+              </a:defRPr>
+            </a:lvl3pPr>
+            <a:lvl4pPr marL="1600200" indent="-228600" algn="l" rtl="0" eaLnBrk="0" fontAlgn="base" hangingPunct="0">
+              <a:spcBef>
+                <a:spcPct val="20000"/>
+              </a:spcBef>
+              <a:spcAft>
+                <a:spcPct val="0"/>
+              </a:spcAft>
+              <a:buClr>
+                <a:srgbClr val="FFC000"/>
+              </a:buClr>
+              <a:buFont typeface="Wingdings" pitchFamily="2" charset="2"/>
+              <a:buChar char="§"/>
+              <a:defRPr sz="1600">
+                <a:solidFill>
+                  <a:schemeClr val="tx1"/>
+                </a:solidFill>
+                <a:latin typeface="+mn-lt"/>
+              </a:defRPr>
+            </a:lvl4pPr>
+            <a:lvl5pPr marL="2057400" indent="-228600" algn="l" rtl="0" eaLnBrk="0" fontAlgn="base" hangingPunct="0">
+              <a:spcBef>
+                <a:spcPct val="20000"/>
+              </a:spcBef>
+              <a:spcAft>
+                <a:spcPct val="0"/>
+              </a:spcAft>
+              <a:buClr>
+                <a:srgbClr val="FFC000"/>
+              </a:buClr>
+              <a:buFont typeface="Wingdings" pitchFamily="2" charset="2"/>
+              <a:buChar char="§"/>
+              <a:defRPr sz="1600">
+                <a:solidFill>
+                  <a:schemeClr val="tx1"/>
+                </a:solidFill>
+                <a:latin typeface="+mn-lt"/>
+              </a:defRPr>
+            </a:lvl5pPr>
+            <a:lvl6pPr marL="2514600" indent="-228600" algn="l" rtl="0" fontAlgn="base">
+              <a:spcBef>
+                <a:spcPct val="20000"/>
+              </a:spcBef>
+              <a:spcAft>
+                <a:spcPct val="0"/>
+              </a:spcAft>
+              <a:buClr>
+                <a:srgbClr val="FF0000"/>
+              </a:buClr>
+              <a:buFont typeface="Wingdings" pitchFamily="2" charset="2"/>
+              <a:buChar char="§"/>
+              <a:defRPr sz="1600">
+                <a:solidFill>
+                  <a:schemeClr val="tx1"/>
+                </a:solidFill>
+                <a:latin typeface="+mn-lt"/>
+              </a:defRPr>
+            </a:lvl6pPr>
+            <a:lvl7pPr marL="2971800" indent="-228600" algn="l" rtl="0" fontAlgn="base">
+              <a:spcBef>
+                <a:spcPct val="20000"/>
+              </a:spcBef>
+              <a:spcAft>
+                <a:spcPct val="0"/>
+              </a:spcAft>
+              <a:buClr>
+                <a:srgbClr val="FF0000"/>
+              </a:buClr>
+              <a:buFont typeface="Wingdings" pitchFamily="2" charset="2"/>
+              <a:buChar char="§"/>
+              <a:defRPr sz="1600">
+                <a:solidFill>
+                  <a:schemeClr val="tx1"/>
+                </a:solidFill>
+                <a:latin typeface="+mn-lt"/>
+              </a:defRPr>
+            </a:lvl7pPr>
+            <a:lvl8pPr marL="3429000" indent="-228600" algn="l" rtl="0" fontAlgn="base">
+              <a:spcBef>
+                <a:spcPct val="20000"/>
+              </a:spcBef>
+              <a:spcAft>
+                <a:spcPct val="0"/>
+              </a:spcAft>
+              <a:buClr>
+                <a:srgbClr val="FF0000"/>
+              </a:buClr>
+              <a:buFont typeface="Wingdings" pitchFamily="2" charset="2"/>
+              <a:buChar char="§"/>
+              <a:defRPr sz="1600">
+                <a:solidFill>
+                  <a:schemeClr val="tx1"/>
+                </a:solidFill>
+                <a:latin typeface="+mn-lt"/>
+              </a:defRPr>
+            </a:lvl8pPr>
+            <a:lvl9pPr marL="3886200" indent="-228600" algn="l" rtl="0" fontAlgn="base">
+              <a:spcBef>
+                <a:spcPct val="20000"/>
+              </a:spcBef>
+              <a:spcAft>
+                <a:spcPct val="0"/>
+              </a:spcAft>
+              <a:buClr>
+                <a:srgbClr val="FF0000"/>
+              </a:buClr>
+              <a:buFont typeface="Wingdings" pitchFamily="2" charset="2"/>
+              <a:buChar char="§"/>
+              <a:defRPr sz="1600">
+                <a:solidFill>
+                  <a:schemeClr val="tx1"/>
+                </a:solidFill>
+                <a:latin typeface="+mn-lt"/>
+              </a:defRPr>
+            </a:lvl9pPr>
+          </a:lstStyle>
+          <a:p>
+            <a:r>
+              <a:rPr lang="en-GB" sz="2400" kern="0" dirty="0" smtClean="0"/>
+              <a:t>Allows for bridging the gap between platform independent models and target platform.</a:t>
+            </a:r>
+          </a:p>
+          <a:p>
+            <a:endParaRPr lang="en-GB" sz="2400" kern="0" dirty="0" smtClean="0"/>
+          </a:p>
+          <a:p>
+            <a:endParaRPr lang="en-GB" sz="2400" kern="0" dirty="0"/>
           </a:p>
         </p:txBody>
       </p:sp>
@@ -6205,14 +7972,14 @@
           <a:lstStyle/>
           <a:p>
             <a:r>
-              <a:rPr lang="nb-NO" dirty="0" err="1" smtClean="0"/>
+              <a:rPr lang="nb-NO" sz="3600" dirty="0" err="1" smtClean="0"/>
               <a:t>Step</a:t>
             </a:r>
             <a:r>
-              <a:rPr lang="nb-NO" dirty="0" smtClean="0"/>
-              <a:t> 1:</a:t>
-            </a:r>
-            <a:endParaRPr lang="nb-NO" dirty="0"/>
+              <a:rPr lang="nb-NO" sz="3600" dirty="0" smtClean="0"/>
+              <a:t> 1: Component Architecture</a:t>
+            </a:r>
+            <a:endParaRPr lang="nb-NO" sz="3600" dirty="0"/>
           </a:p>
         </p:txBody>
       </p:sp>

--- a/LMKPNSE2013.pptx
+++ b/LMKPNSE2013.pptx
@@ -383,7 +383,7 @@
     </p:spTree>
     <p:extLst>
       <p:ext uri="{BB962C8B-B14F-4D97-AF65-F5344CB8AC3E}">
-        <p14:creationId xmlns:p14="http://schemas.microsoft.com/office/powerpoint/2010/main" val="2357886184"/>
+        <p14:creationId xmlns:p14="http://schemas.microsoft.com/office/powerpoint/2010/main" xmlns="" val="2357886184"/>
       </p:ext>
     </p:extLst>
   </p:cSld>
@@ -718,7 +718,7 @@
     </p:spTree>
     <p:extLst>
       <p:ext uri="{BB962C8B-B14F-4D97-AF65-F5344CB8AC3E}">
-        <p14:creationId xmlns:p14="http://schemas.microsoft.com/office/powerpoint/2010/main" val="1263345508"/>
+        <p14:creationId xmlns:p14="http://schemas.microsoft.com/office/powerpoint/2010/main" xmlns="" val="1263345508"/>
       </p:ext>
     </p:extLst>
   </p:cSld>
@@ -1114,14 +1114,14 @@
           <a:ln/>
           <a:extLst>
             <a:ext uri="{909E8E84-426E-40DD-AFC4-6F175D3DCCD1}">
-              <a14:hiddenFill xmlns:a14="http://schemas.microsoft.com/office/drawing/2010/main">
+              <a14:hiddenFill xmlns:a14="http://schemas.microsoft.com/office/drawing/2010/main" xmlns="">
                 <a:solidFill>
                   <a:srgbClr val="FFFFFF"/>
                 </a:solidFill>
               </a14:hiddenFill>
             </a:ext>
             <a:ext uri="{91240B29-F687-4F45-9708-019B960494DF}">
-              <a14:hiddenLine xmlns:a14="http://schemas.microsoft.com/office/drawing/2010/main" w="9525">
+              <a14:hiddenLine xmlns:a14="http://schemas.microsoft.com/office/drawing/2010/main" xmlns="" w="9525">
                 <a:solidFill>
                   <a:srgbClr val="000000"/>
                 </a:solidFill>
@@ -1227,14 +1227,14 @@
           <a:ln/>
           <a:extLst>
             <a:ext uri="{909E8E84-426E-40DD-AFC4-6F175D3DCCD1}">
-              <a14:hiddenFill xmlns:a14="http://schemas.microsoft.com/office/drawing/2010/main">
+              <a14:hiddenFill xmlns:a14="http://schemas.microsoft.com/office/drawing/2010/main" xmlns="">
                 <a:solidFill>
                   <a:srgbClr val="FFFFFF"/>
                 </a:solidFill>
               </a14:hiddenFill>
             </a:ext>
             <a:ext uri="{91240B29-F687-4F45-9708-019B960494DF}">
-              <a14:hiddenLine xmlns:a14="http://schemas.microsoft.com/office/drawing/2010/main" w="9525">
+              <a14:hiddenLine xmlns:a14="http://schemas.microsoft.com/office/drawing/2010/main" xmlns="" w="9525">
                 <a:solidFill>
                   <a:srgbClr val="000000"/>
                 </a:solidFill>
@@ -3820,13 +3820,7 @@
               <a:rPr lang="da-DK" sz="1200" dirty="0" smtClean="0">
                 <a:latin typeface="Futura Medium" pitchFamily="34" charset="0"/>
               </a:rPr>
-              <a:t>PNSE’13 </a:t>
-            </a:r>
-            <a:r>
-              <a:rPr lang="da-DK" sz="1200" dirty="0" smtClean="0">
-                <a:latin typeface="Futura Medium" pitchFamily="34" charset="0"/>
-              </a:rPr>
-              <a:t>- </a:t>
+              <a:t>PNSE’13 - </a:t>
             </a:r>
             <a:fld id="{2172BAB7-89AB-4FF9-890C-298C821F484D}" type="slidenum">
               <a:rPr lang="da-DK" sz="1200">
@@ -4459,11 +4453,7 @@
             </a:r>
             <a:r>
               <a:rPr lang="en-GB" sz="2000" dirty="0" smtClean="0"/>
-              <a:t> and Lars </a:t>
-            </a:r>
-            <a:r>
-              <a:rPr lang="en-GB" sz="2000" dirty="0" smtClean="0"/>
-              <a:t>M. Kristensen</a:t>
+              <a:t> and Lars M. Kristensen</a:t>
             </a:r>
           </a:p>
           <a:p>
@@ -4485,15 +4475,7 @@
             </a:pPr>
             <a:r>
               <a:rPr lang="en-GB" sz="2000" dirty="0" smtClean="0"/>
-              <a:t>Bergen University </a:t>
-            </a:r>
-            <a:r>
-              <a:rPr lang="en-GB" sz="2000" dirty="0" smtClean="0"/>
-              <a:t>College of Applied Sciences, </a:t>
-            </a:r>
-            <a:r>
-              <a:rPr lang="en-GB" sz="2000" dirty="0" smtClean="0"/>
-              <a:t>NORWAY</a:t>
+              <a:t>Bergen University College of Applied Sciences, NORWAY</a:t>
             </a:r>
           </a:p>
           <a:p>
@@ -4542,7 +4524,7 @@
           <a:blip r:embed="rId5" cstate="print">
             <a:extLst>
               <a:ext uri="{28A0092B-C50C-407E-A947-70E740481C1C}">
-                <a14:useLocalDpi xmlns:a14="http://schemas.microsoft.com/office/drawing/2010/main" val="0"/>
+                <a14:useLocalDpi xmlns:a14="http://schemas.microsoft.com/office/drawing/2010/main" xmlns="" val="0"/>
               </a:ext>
             </a:extLst>
           </a:blip>
@@ -4569,10 +4551,10 @@
           <p:nvPr/>
         </p:nvPicPr>
         <p:blipFill>
-          <a:blip r:embed="rId6">
+          <a:blip r:embed="rId6" cstate="print">
             <a:extLst>
               <a:ext uri="{28A0092B-C50C-407E-A947-70E740481C1C}">
-                <a14:useLocalDpi xmlns:a14="http://schemas.microsoft.com/office/drawing/2010/main" val="0"/>
+                <a14:useLocalDpi xmlns:a14="http://schemas.microsoft.com/office/drawing/2010/main" xmlns="" val="0"/>
               </a:ext>
             </a:extLst>
           </a:blip>
@@ -4600,7 +4582,7 @@
           </a:ln>
           <a:extLst>
             <a:ext uri="{909E8E84-426E-40DD-AFC4-6F175D3DCCD1}">
-              <a14:hiddenFill xmlns:a14="http://schemas.microsoft.com/office/drawing/2010/main">
+              <a14:hiddenFill xmlns:a14="http://schemas.microsoft.com/office/drawing/2010/main" xmlns="">
                 <a:solidFill>
                   <a:schemeClr val="accent1"/>
                 </a:solidFill>
@@ -4628,7 +4610,7 @@
           <a:noFill/>
           <a:extLst>
             <a:ext uri="{909E8E84-426E-40DD-AFC4-6F175D3DCCD1}">
-              <a14:hiddenFill xmlns:a14="http://schemas.microsoft.com/office/drawing/2010/main">
+              <a14:hiddenFill xmlns:a14="http://schemas.microsoft.com/office/drawing/2010/main" xmlns="">
                 <a:solidFill>
                   <a:srgbClr val="FFFFFF"/>
                 </a:solidFill>
@@ -4667,7 +4649,7 @@
           <a:noFill/>
           <a:extLst>
             <a:ext uri="{909E8E84-426E-40DD-AFC4-6F175D3DCCD1}">
-              <a14:hiddenFill xmlns:a14="http://schemas.microsoft.com/office/drawing/2010/main">
+              <a14:hiddenFill xmlns:a14="http://schemas.microsoft.com/office/drawing/2010/main" xmlns="">
                 <a:solidFill>
                   <a:srgbClr val="FFFFFF"/>
                 </a:solidFill>
@@ -4706,7 +4688,7 @@
           <a:noFill/>
           <a:extLst>
             <a:ext uri="{909E8E84-426E-40DD-AFC4-6F175D3DCCD1}">
-              <a14:hiddenFill xmlns:a14="http://schemas.microsoft.com/office/drawing/2010/main">
+              <a14:hiddenFill xmlns:a14="http://schemas.microsoft.com/office/drawing/2010/main" xmlns="">
                 <a:solidFill>
                   <a:srgbClr val="FFFFFF"/>
                 </a:solidFill>
@@ -4735,10 +4717,10 @@
           <p:nvPr/>
         </p:nvPicPr>
         <p:blipFill>
-          <a:blip r:embed="rId7">
+          <a:blip r:embed="rId7" cstate="print">
             <a:extLst>
               <a:ext uri="{28A0092B-C50C-407E-A947-70E740481C1C}">
-                <a14:useLocalDpi xmlns:a14="http://schemas.microsoft.com/office/drawing/2010/main" val="0"/>
+                <a14:useLocalDpi xmlns:a14="http://schemas.microsoft.com/office/drawing/2010/main" xmlns="" val="0"/>
               </a:ext>
             </a:extLst>
           </a:blip>
@@ -4758,7 +4740,7 @@
           <a:noFill/>
           <a:extLst>
             <a:ext uri="{909E8E84-426E-40DD-AFC4-6F175D3DCCD1}">
-              <a14:hiddenFill xmlns:a14="http://schemas.microsoft.com/office/drawing/2010/main">
+              <a14:hiddenFill xmlns:a14="http://schemas.microsoft.com/office/drawing/2010/main" xmlns="">
                 <a:solidFill>
                   <a:srgbClr val="FFFFFF"/>
                 </a:solidFill>
@@ -4815,14 +4797,14 @@
           <a:lstStyle/>
           <a:p>
             <a:r>
-              <a:rPr lang="nb-NO" dirty="0" err="1" smtClean="0"/>
-              <a:t>Step</a:t>
-            </a:r>
-            <a:r>
-              <a:rPr lang="nb-NO" dirty="0" smtClean="0"/>
-              <a:t> 3:</a:t>
-            </a:r>
-            <a:endParaRPr lang="nb-NO" dirty="0"/>
+              <a:rPr lang="nb-NO" sz="3600" dirty="0" smtClean="0"/>
+              <a:t>Step 3</a:t>
+            </a:r>
+            <a:r>
+              <a:rPr lang="nb-NO" sz="3600" dirty="0" smtClean="0"/>
+              <a:t>: Interface Signatures</a:t>
+            </a:r>
+            <a:endParaRPr lang="nb-NO" sz="3600" dirty="0"/>
           </a:p>
         </p:txBody>
       </p:sp>
@@ -4836,25 +4818,139 @@
             <p:ph idx="1"/>
           </p:nvPr>
         </p:nvSpPr>
-        <p:spPr/>
+        <p:spPr>
+          <a:xfrm>
+            <a:off x="495300" y="1189400"/>
+            <a:ext cx="9066212" cy="943456"/>
+          </a:xfrm>
+        </p:spPr>
         <p:txBody>
           <a:bodyPr/>
           <a:lstStyle/>
           <a:p>
-            <a:endParaRPr lang="nb-NO"/>
+            <a:r>
+              <a:rPr lang="nb-NO" sz="2400" dirty="0" smtClean="0"/>
+              <a:t>Refines component level modules to explicitly specify commands and events:</a:t>
+            </a:r>
+            <a:endParaRPr lang="nb-NO" sz="2400" dirty="0"/>
           </a:p>
         </p:txBody>
       </p:sp>
+      <p:pic>
+        <p:nvPicPr>
+          <p:cNvPr id="3076" name="Picture 4"/>
+          <p:cNvPicPr>
+            <a:picLocks noChangeAspect="1" noChangeArrowheads="1"/>
+          </p:cNvPicPr>
+          <p:nvPr/>
+        </p:nvPicPr>
+        <p:blipFill>
+          <a:blip r:embed="rId2" cstate="print"/>
+          <a:srcRect/>
+          <a:stretch>
+            <a:fillRect/>
+          </a:stretch>
+        </p:blipFill>
+        <p:spPr bwMode="auto">
+          <a:xfrm>
+            <a:off x="416496" y="2111380"/>
+            <a:ext cx="4717531" cy="3981916"/>
+          </a:xfrm>
+          <a:prstGeom prst="rect">
+            <a:avLst/>
+          </a:prstGeom>
+          <a:noFill/>
+          <a:ln w="9525">
+            <a:noFill/>
+            <a:miter lim="800000"/>
+            <a:headEnd/>
+            <a:tailEnd/>
+          </a:ln>
+        </p:spPr>
+      </p:pic>
+      <p:pic>
+        <p:nvPicPr>
+          <p:cNvPr id="3075" name="Picture 3"/>
+          <p:cNvPicPr>
+            <a:picLocks noChangeAspect="1" noChangeArrowheads="1"/>
+          </p:cNvPicPr>
+          <p:nvPr/>
+        </p:nvPicPr>
+        <p:blipFill>
+          <a:blip r:embed="rId3" cstate="print"/>
+          <a:srcRect/>
+          <a:stretch>
+            <a:fillRect/>
+          </a:stretch>
+        </p:blipFill>
+        <p:spPr bwMode="auto">
+          <a:xfrm>
+            <a:off x="5123798" y="4149080"/>
+            <a:ext cx="3532369" cy="1944216"/>
+          </a:xfrm>
+          <a:prstGeom prst="rect">
+            <a:avLst/>
+          </a:prstGeom>
+          <a:noFill/>
+          <a:ln w="22225">
+            <a:solidFill>
+              <a:srgbClr val="0070C0"/>
+            </a:solidFill>
+            <a:miter lim="800000"/>
+            <a:headEnd/>
+            <a:tailEnd/>
+          </a:ln>
+        </p:spPr>
+      </p:pic>
+      <p:pic>
+        <p:nvPicPr>
+          <p:cNvPr id="3077" name="Picture 5"/>
+          <p:cNvPicPr>
+            <a:picLocks noChangeAspect="1" noChangeArrowheads="1"/>
+          </p:cNvPicPr>
+          <p:nvPr/>
+        </p:nvPicPr>
+        <p:blipFill>
+          <a:blip r:embed="rId4" cstate="print"/>
+          <a:srcRect/>
+          <a:stretch>
+            <a:fillRect/>
+          </a:stretch>
+        </p:blipFill>
+        <p:spPr bwMode="auto">
+          <a:xfrm>
+            <a:off x="4748851" y="2537364"/>
+            <a:ext cx="4431779" cy="1159266"/>
+          </a:xfrm>
+          <a:prstGeom prst="rect">
+            <a:avLst/>
+          </a:prstGeom>
+          <a:noFill/>
+          <a:ln w="9525">
+            <a:noFill/>
+            <a:miter lim="800000"/>
+            <a:headEnd/>
+            <a:tailEnd/>
+          </a:ln>
+        </p:spPr>
+      </p:pic>
     </p:spTree>
     <p:extLst>
       <p:ext uri="{BB962C8B-B14F-4D97-AF65-F5344CB8AC3E}">
-        <p14:creationId xmlns:p14="http://schemas.microsoft.com/office/powerpoint/2010/main" val="1301756450"/>
+        <p14:creationId xmlns:p14="http://schemas.microsoft.com/office/powerpoint/2010/main" xmlns="" val="1301756450"/>
       </p:ext>
     </p:extLst>
   </p:cSld>
   <p:clrMapOvr>
     <a:masterClrMapping/>
   </p:clrMapOvr>
+  <p:timing>
+    <p:tnLst>
+      <p:par>
+        <p:cTn id="1" dur="indefinite" restart="never" nodeType="tmRoot"/>
+      </p:par>
+    </p:tnLst>
+  </p:timing>
 </p:sld>
 </file>
 
@@ -4885,20 +4981,25 @@
             <p:ph type="title"/>
           </p:nvPr>
         </p:nvSpPr>
-        <p:spPr/>
+        <p:spPr>
+          <a:xfrm>
+            <a:off x="495300" y="274638"/>
+            <a:ext cx="9138220" cy="1143000"/>
+          </a:xfrm>
+        </p:spPr>
         <p:txBody>
           <a:bodyPr/>
           <a:lstStyle/>
           <a:p>
             <a:r>
-              <a:rPr lang="nb-NO" dirty="0" err="1" smtClean="0"/>
-              <a:t>Step</a:t>
-            </a:r>
-            <a:r>
-              <a:rPr lang="nb-NO" dirty="0" smtClean="0"/>
-              <a:t> 4:</a:t>
-            </a:r>
-            <a:endParaRPr lang="nb-NO" dirty="0"/>
+              <a:rPr lang="nb-NO" sz="3600" dirty="0" smtClean="0"/>
+              <a:t>Step 4</a:t>
+            </a:r>
+            <a:r>
+              <a:rPr lang="nb-NO" sz="3600" dirty="0" smtClean="0"/>
+              <a:t>: Component Classification</a:t>
+            </a:r>
+            <a:endParaRPr lang="nb-NO" sz="3600" dirty="0"/>
           </a:p>
         </p:txBody>
       </p:sp>
@@ -4912,25 +5013,143 @@
             <p:ph idx="1"/>
           </p:nvPr>
         </p:nvSpPr>
-        <p:spPr/>
+        <p:spPr>
+          <a:xfrm>
+            <a:off x="495300" y="1213150"/>
+            <a:ext cx="8850188" cy="824706"/>
+          </a:xfrm>
+        </p:spPr>
         <p:txBody>
           <a:bodyPr/>
           <a:lstStyle/>
           <a:p>
-            <a:endParaRPr lang="nb-NO"/>
+            <a:r>
+              <a:rPr lang="nb-NO" sz="2400" dirty="0" smtClean="0"/>
+              <a:t>Classifies</a:t>
+            </a:r>
+            <a:r>
+              <a:rPr lang="nb-NO" sz="2400" dirty="0" smtClean="0"/>
+              <a:t> components as boot-, timed-, dispatch-, external- and- regular components:</a:t>
+            </a:r>
+            <a:endParaRPr lang="nb-NO" sz="2400" dirty="0"/>
           </a:p>
         </p:txBody>
       </p:sp>
+      <p:pic>
+        <p:nvPicPr>
+          <p:cNvPr id="4098" name="Picture 2"/>
+          <p:cNvPicPr>
+            <a:picLocks noChangeAspect="1" noChangeArrowheads="1"/>
+          </p:cNvPicPr>
+          <p:nvPr/>
+        </p:nvPicPr>
+        <p:blipFill>
+          <a:blip r:embed="rId2" cstate="print"/>
+          <a:srcRect/>
+          <a:stretch>
+            <a:fillRect/>
+          </a:stretch>
+        </p:blipFill>
+        <p:spPr bwMode="auto">
+          <a:xfrm>
+            <a:off x="1207825" y="2132856"/>
+            <a:ext cx="4567365" cy="4032448"/>
+          </a:xfrm>
+          <a:prstGeom prst="rect">
+            <a:avLst/>
+          </a:prstGeom>
+          <a:noFill/>
+          <a:ln w="9525">
+            <a:noFill/>
+            <a:miter lim="800000"/>
+            <a:headEnd/>
+            <a:tailEnd/>
+          </a:ln>
+        </p:spPr>
+      </p:pic>
+      <p:pic>
+        <p:nvPicPr>
+          <p:cNvPr id="4099" name="Picture 3"/>
+          <p:cNvPicPr>
+            <a:picLocks noChangeAspect="1" noChangeArrowheads="1"/>
+          </p:cNvPicPr>
+          <p:nvPr/>
+        </p:nvPicPr>
+        <p:blipFill>
+          <a:blip r:embed="rId3" cstate="print"/>
+          <a:srcRect/>
+          <a:stretch>
+            <a:fillRect/>
+          </a:stretch>
+        </p:blipFill>
+        <p:spPr bwMode="auto">
+          <a:xfrm>
+            <a:off x="6914902" y="4641261"/>
+            <a:ext cx="2160240" cy="1568639"/>
+          </a:xfrm>
+          <a:prstGeom prst="rect">
+            <a:avLst/>
+          </a:prstGeom>
+          <a:noFill/>
+          <a:ln w="9525">
+            <a:noFill/>
+            <a:miter lim="800000"/>
+            <a:headEnd/>
+            <a:tailEnd/>
+          </a:ln>
+        </p:spPr>
+      </p:pic>
+      <p:pic>
+        <p:nvPicPr>
+          <p:cNvPr id="4100" name="Picture 4"/>
+          <p:cNvPicPr>
+            <a:picLocks noChangeAspect="1" noChangeArrowheads="1"/>
+          </p:cNvPicPr>
+          <p:nvPr/>
+        </p:nvPicPr>
+        <p:blipFill>
+          <a:blip r:embed="rId4" cstate="print"/>
+          <a:srcRect/>
+          <a:stretch>
+            <a:fillRect/>
+          </a:stretch>
+        </p:blipFill>
+        <p:spPr bwMode="auto">
+          <a:xfrm>
+            <a:off x="5763532" y="2328162"/>
+            <a:ext cx="2232248" cy="2224057"/>
+          </a:xfrm>
+          <a:prstGeom prst="rect">
+            <a:avLst/>
+          </a:prstGeom>
+          <a:noFill/>
+          <a:ln w="19050">
+            <a:solidFill>
+              <a:srgbClr val="0070C0"/>
+            </a:solidFill>
+            <a:miter lim="800000"/>
+            <a:headEnd/>
+            <a:tailEnd/>
+          </a:ln>
+        </p:spPr>
+      </p:pic>
     </p:spTree>
     <p:extLst>
       <p:ext uri="{BB962C8B-B14F-4D97-AF65-F5344CB8AC3E}">
-        <p14:creationId xmlns:p14="http://schemas.microsoft.com/office/powerpoint/2010/main" val="3602987336"/>
+        <p14:creationId xmlns:p14="http://schemas.microsoft.com/office/powerpoint/2010/main" xmlns="" val="3602987336"/>
       </p:ext>
     </p:extLst>
   </p:cSld>
   <p:clrMapOvr>
     <a:masterClrMapping/>
   </p:clrMapOvr>
+  <p:timing>
+    <p:tnLst>
+      <p:par>
+        <p:cTn id="1" dur="indefinite" restart="never" nodeType="tmRoot"/>
+      </p:par>
+    </p:tnLst>
+  </p:timing>
 </p:sld>
 </file>
 
@@ -4967,14 +5186,14 @@
           <a:lstStyle/>
           <a:p>
             <a:r>
-              <a:rPr lang="nb-NO" dirty="0" err="1" smtClean="0"/>
-              <a:t>Step</a:t>
-            </a:r>
-            <a:r>
-              <a:rPr lang="nb-NO" dirty="0" smtClean="0"/>
-              <a:t> 5:</a:t>
-            </a:r>
-            <a:endParaRPr lang="nb-NO" dirty="0"/>
+              <a:rPr lang="nb-NO" sz="3600" dirty="0" smtClean="0"/>
+              <a:t>Step 5</a:t>
+            </a:r>
+            <a:r>
+              <a:rPr lang="nb-NO" sz="3600" dirty="0" smtClean="0"/>
+              <a:t>: Internal Behaviour</a:t>
+            </a:r>
+            <a:endParaRPr lang="nb-NO" sz="3600" dirty="0"/>
           </a:p>
         </p:txBody>
       </p:sp>
@@ -4988,19 +5207,186 @@
             <p:ph idx="1"/>
           </p:nvPr>
         </p:nvSpPr>
-        <p:spPr/>
+        <p:spPr>
+          <a:xfrm>
+            <a:off x="495300" y="1189400"/>
+            <a:ext cx="8850188" cy="936129"/>
+          </a:xfrm>
+        </p:spPr>
         <p:txBody>
           <a:bodyPr/>
           <a:lstStyle/>
           <a:p>
-            <a:endParaRPr lang="nb-NO"/>
+            <a:r>
+              <a:rPr lang="nb-NO" sz="2400" dirty="0" smtClean="0"/>
+              <a:t>Makes explicit control flow and data access in commands and events:</a:t>
+            </a:r>
+            <a:endParaRPr lang="nb-NO" sz="2400" dirty="0"/>
+          </a:p>
+        </p:txBody>
+      </p:sp>
+      <p:pic>
+        <p:nvPicPr>
+          <p:cNvPr id="6" name="Picture 5" descr="ReceiveDIO.eps"/>
+          <p:cNvPicPr>
+            <a:picLocks noChangeAspect="1"/>
+          </p:cNvPicPr>
+          <p:nvPr/>
+        </p:nvPicPr>
+        <p:blipFill>
+          <a:blip r:embed="rId2" cstate="print"/>
+          <a:stretch>
+            <a:fillRect/>
+          </a:stretch>
+        </p:blipFill>
+        <p:spPr>
+          <a:xfrm>
+            <a:off x="992560" y="1988840"/>
+            <a:ext cx="4112157" cy="4176464"/>
+          </a:xfrm>
+          <a:prstGeom prst="rect">
+            <a:avLst/>
+          </a:prstGeom>
+        </p:spPr>
+      </p:pic>
+      <p:pic>
+        <p:nvPicPr>
+          <p:cNvPr id="5124" name="Picture 4"/>
+          <p:cNvPicPr>
+            <a:picLocks noChangeAspect="1" noChangeArrowheads="1"/>
+          </p:cNvPicPr>
+          <p:nvPr/>
+        </p:nvPicPr>
+        <p:blipFill>
+          <a:blip r:embed="rId3" cstate="print"/>
+          <a:srcRect/>
+          <a:stretch>
+            <a:fillRect/>
+          </a:stretch>
+        </p:blipFill>
+        <p:spPr bwMode="auto">
+          <a:xfrm>
+            <a:off x="5097016" y="2095715"/>
+            <a:ext cx="4457268" cy="2207740"/>
+          </a:xfrm>
+          <a:prstGeom prst="rect">
+            <a:avLst/>
+          </a:prstGeom>
+          <a:noFill/>
+          <a:ln w="9525">
+            <a:noFill/>
+            <a:miter lim="800000"/>
+            <a:headEnd/>
+            <a:tailEnd/>
+          </a:ln>
+        </p:spPr>
+      </p:pic>
+      <p:sp>
+        <p:nvSpPr>
+          <p:cNvPr id="8" name="Content Placeholder 2"/>
+          <p:cNvSpPr txBox="1">
+            <a:spLocks/>
+          </p:cNvSpPr>
+          <p:nvPr/>
+        </p:nvSpPr>
+        <p:spPr bwMode="auto">
+          <a:xfrm>
+            <a:off x="5241032" y="4471221"/>
+            <a:ext cx="4176464" cy="1057128"/>
+          </a:xfrm>
+          <a:prstGeom prst="rect">
+            <a:avLst/>
+          </a:prstGeom>
+          <a:noFill/>
+          <a:ln w="9525">
+            <a:noFill/>
+            <a:miter lim="800000"/>
+            <a:headEnd/>
+            <a:tailEnd/>
+          </a:ln>
+        </p:spPr>
+        <p:txBody>
+          <a:bodyPr vert="horz" wrap="square" lIns="91440" tIns="45720" rIns="91440" bIns="45720" numCol="1" anchor="t" anchorCtr="0" compatLnSpc="1">
+            <a:prstTxWarp prst="textNoShape">
+              <a:avLst/>
+            </a:prstTxWarp>
+          </a:bodyPr>
+          <a:lstStyle/>
+          <a:p>
+            <a:pPr marL="342900" marR="0" lvl="0" indent="-342900" algn="l" defTabSz="914400" rtl="0" eaLnBrk="0" fontAlgn="base" latinLnBrk="0" hangingPunct="0">
+              <a:lnSpc>
+                <a:spcPct val="100000"/>
+              </a:lnSpc>
+              <a:spcBef>
+                <a:spcPct val="20000"/>
+              </a:spcBef>
+              <a:spcAft>
+                <a:spcPct val="0"/>
+              </a:spcAft>
+              <a:buClr>
+                <a:srgbClr val="FFC000"/>
+              </a:buClr>
+              <a:buSzTx/>
+              <a:buFont typeface="Wingdings" pitchFamily="2" charset="2"/>
+              <a:buChar char="§"/>
+              <a:tabLst/>
+              <a:defRPr/>
+            </a:pPr>
+            <a:r>
+              <a:rPr kumimoji="0" lang="nb-NO" sz="1600" b="1" i="0" u="none" strike="noStrike" kern="0" cap="none" spc="0" normalizeH="0" baseline="0" noProof="0" dirty="0" smtClean="0">
+                <a:ln>
+                  <a:noFill/>
+                </a:ln>
+                <a:solidFill>
+                  <a:schemeClr val="tx1"/>
+                </a:solidFill>
+                <a:effectLst/>
+                <a:uLnTx/>
+                <a:uFillTx/>
+                <a:latin typeface="+mn-lt"/>
+                <a:ea typeface="+mn-ea"/>
+                <a:cs typeface="+mn-cs"/>
+              </a:rPr>
+              <a:t>Code generation</a:t>
+            </a:r>
+            <a:r>
+              <a:rPr kumimoji="0" lang="nb-NO" sz="1600" b="1" i="0" u="none" strike="noStrike" kern="0" cap="none" spc="0" normalizeH="0" noProof="0" dirty="0" smtClean="0">
+                <a:ln>
+                  <a:noFill/>
+                </a:ln>
+                <a:solidFill>
+                  <a:schemeClr val="tx1"/>
+                </a:solidFill>
+                <a:effectLst/>
+                <a:uLnTx/>
+                <a:uFillTx/>
+                <a:latin typeface="+mn-lt"/>
+                <a:ea typeface="+mn-ea"/>
+                <a:cs typeface="+mn-cs"/>
+              </a:rPr>
+              <a:t> at event and command level performed based on mathing of structural patterns.</a:t>
+            </a:r>
+            <a:endParaRPr kumimoji="0" lang="nb-NO" sz="1600" b="1" i="0" u="none" strike="noStrike" kern="0" cap="none" spc="0" normalizeH="0" baseline="0" noProof="0" dirty="0">
+              <a:ln>
+                <a:noFill/>
+              </a:ln>
+              <a:solidFill>
+                <a:schemeClr val="tx1"/>
+              </a:solidFill>
+              <a:effectLst/>
+              <a:uLnTx/>
+              <a:uFillTx/>
+              <a:latin typeface="+mn-lt"/>
+              <a:ea typeface="+mn-ea"/>
+              <a:cs typeface="+mn-cs"/>
+            </a:endParaRPr>
           </a:p>
         </p:txBody>
       </p:sp>
     </p:spTree>
     <p:extLst>
       <p:ext uri="{BB962C8B-B14F-4D97-AF65-F5344CB8AC3E}">
-        <p14:creationId xmlns:p14="http://schemas.microsoft.com/office/powerpoint/2010/main" val="859814498"/>
+        <p14:creationId xmlns:p14="http://schemas.microsoft.com/office/powerpoint/2010/main" xmlns="" val="859814498"/>
       </p:ext>
     </p:extLst>
   </p:cSld>
@@ -5325,10 +5711,10 @@
           <p:nvPr/>
         </p:nvPicPr>
         <p:blipFill>
-          <a:blip r:embed="rId2">
+          <a:blip r:embed="rId2" cstate="print">
             <a:extLst>
               <a:ext uri="{28A0092B-C50C-407E-A947-70E740481C1C}">
-                <a14:useLocalDpi xmlns:a14="http://schemas.microsoft.com/office/drawing/2010/main" val="0"/>
+                <a14:useLocalDpi xmlns:a14="http://schemas.microsoft.com/office/drawing/2010/main" xmlns="" val="0"/>
               </a:ext>
             </a:extLst>
           </a:blip>
@@ -5351,14 +5737,14 @@
           </a:ln>
           <a:extLst>
             <a:ext uri="{909E8E84-426E-40DD-AFC4-6F175D3DCCD1}">
-              <a14:hiddenFill xmlns:a14="http://schemas.microsoft.com/office/drawing/2010/main">
+              <a14:hiddenFill xmlns:a14="http://schemas.microsoft.com/office/drawing/2010/main" xmlns="">
                 <a:solidFill>
                   <a:schemeClr val="accent1"/>
                 </a:solidFill>
               </a14:hiddenFill>
             </a:ext>
             <a:ext uri="{91240B29-F687-4F45-9708-019B960494DF}">
-              <a14:hiddenLine xmlns:a14="http://schemas.microsoft.com/office/drawing/2010/main" w="9525">
+              <a14:hiddenLine xmlns:a14="http://schemas.microsoft.com/office/drawing/2010/main" xmlns="" w="9525">
                 <a:solidFill>
                   <a:schemeClr val="tx1"/>
                 </a:solidFill>
@@ -5587,7 +5973,7 @@
     </p:spTree>
     <p:extLst>
       <p:ext uri="{BB962C8B-B14F-4D97-AF65-F5344CB8AC3E}">
-        <p14:creationId xmlns:p14="http://schemas.microsoft.com/office/powerpoint/2010/main" val="1985777221"/>
+        <p14:creationId xmlns:p14="http://schemas.microsoft.com/office/powerpoint/2010/main" xmlns="" val="1985777221"/>
       </p:ext>
     </p:extLst>
   </p:cSld>
@@ -5637,26 +6023,18 @@
           <a:lstStyle/>
           <a:p>
             <a:r>
-              <a:rPr lang="nb-NO" dirty="0" err="1" smtClean="0"/>
+              <a:rPr lang="en-GB" smtClean="0"/>
               <a:t>Conclusion</a:t>
             </a:r>
             <a:r>
-              <a:rPr lang="nb-NO" dirty="0" smtClean="0"/>
-              <a:t> and </a:t>
-            </a:r>
-            <a:r>
-              <a:rPr lang="nb-NO" dirty="0" err="1" smtClean="0"/>
-              <a:t>Future</a:t>
-            </a:r>
-            <a:r>
-              <a:rPr lang="nb-NO" dirty="0" smtClean="0"/>
-              <a:t> </a:t>
-            </a:r>
-            <a:r>
-              <a:rPr lang="nb-NO" dirty="0" err="1" smtClean="0"/>
+              <a:rPr lang="en-GB" smtClean="0"/>
+              <a:t> and Future </a:t>
+            </a:r>
+            <a:r>
+              <a:rPr lang="en-GB" smtClean="0"/>
               <a:t>Work</a:t>
             </a:r>
-            <a:endParaRPr lang="nb-NO" dirty="0"/>
+            <a:endParaRPr lang="en-GB"/>
           </a:p>
         </p:txBody>
       </p:sp>
@@ -5670,19 +6048,80 @@
             <p:ph idx="1"/>
           </p:nvPr>
         </p:nvSpPr>
-        <p:spPr/>
+        <p:spPr>
+          <a:xfrm>
+            <a:off x="495300" y="1320025"/>
+            <a:ext cx="8922196" cy="3671888"/>
+          </a:xfrm>
+        </p:spPr>
         <p:txBody>
           <a:bodyPr/>
           <a:lstStyle/>
           <a:p>
-            <a:endParaRPr lang="nb-NO"/>
+            <a:r>
+              <a:rPr lang="en-GB" sz="2400" dirty="0" smtClean="0"/>
+              <a:t>A semi-automatic approach to code generation for the </a:t>
+            </a:r>
+            <a:r>
+              <a:rPr lang="en-GB" sz="2400" dirty="0" err="1" smtClean="0"/>
+              <a:t>TinyOS</a:t>
+            </a:r>
+            <a:r>
+              <a:rPr lang="en-GB" sz="2400" dirty="0" smtClean="0"/>
+              <a:t> Platform:</a:t>
+            </a:r>
+          </a:p>
+          <a:p>
+            <a:pPr lvl="1"/>
+            <a:r>
+              <a:rPr lang="en-GB" sz="2000" dirty="0" smtClean="0"/>
+              <a:t>A five step methodology refining the model to a level of detail matching the target platform. </a:t>
+            </a:r>
+          </a:p>
+          <a:p>
+            <a:pPr lvl="1"/>
+            <a:r>
+              <a:rPr lang="en-GB" sz="2000" dirty="0" smtClean="0"/>
+              <a:t>Pragmatics used to relate CPN model construct and elements to target platform via code generation templates.</a:t>
+            </a:r>
+          </a:p>
+          <a:p>
+            <a:r>
+              <a:rPr lang="en-GB" sz="2400" dirty="0" smtClean="0"/>
+              <a:t>The approach has been validated on the IETF RPL routing protocol for sensor networks.</a:t>
+            </a:r>
+          </a:p>
+          <a:p>
+            <a:r>
+              <a:rPr lang="en-GB" sz="2400" dirty="0" smtClean="0">
+                <a:solidFill>
+                  <a:srgbClr val="0070C0"/>
+                </a:solidFill>
+              </a:rPr>
+              <a:t>Future work - formalisation and verification:</a:t>
+            </a:r>
+          </a:p>
+          <a:p>
+            <a:pPr lvl="1"/>
+            <a:r>
+              <a:rPr lang="en-GB" sz="2000" dirty="0" smtClean="0"/>
+              <a:t>Formalisation of meta-models and transformation steps for the suggested refinement methodology.</a:t>
+            </a:r>
+          </a:p>
+          <a:p>
+            <a:pPr lvl="1"/>
+            <a:r>
+              <a:rPr lang="en-GB" sz="2000" dirty="0" smtClean="0"/>
+              <a:t>Explore the application of model checking techniques for verification of refined models and generated code. </a:t>
+            </a:r>
+            <a:endParaRPr lang="en-GB" sz="2000" dirty="0"/>
           </a:p>
         </p:txBody>
       </p:sp>
     </p:spTree>
     <p:extLst>
       <p:ext uri="{BB962C8B-B14F-4D97-AF65-F5344CB8AC3E}">
-        <p14:creationId xmlns:p14="http://schemas.microsoft.com/office/powerpoint/2010/main" val="1108063821"/>
+        <p14:creationId xmlns:p14="http://schemas.microsoft.com/office/powerpoint/2010/main" xmlns="" val="1108063821"/>
       </p:ext>
     </p:extLst>
   </p:cSld>
@@ -5741,7 +6180,6 @@
               <a:rPr lang="en-GB" dirty="0" smtClean="0"/>
               <a:t>Motivation</a:t>
             </a:r>
-            <a:endParaRPr lang="en-GB" dirty="0" smtClean="0"/>
           </a:p>
         </p:txBody>
       </p:sp>
@@ -5757,8 +6195,8 @@
         </p:nvSpPr>
         <p:spPr>
           <a:xfrm>
-            <a:off x="495300" y="1261813"/>
-            <a:ext cx="8997826" cy="4494435"/>
+            <a:off x="471550" y="1261813"/>
+            <a:ext cx="9410700" cy="4494435"/>
           </a:xfrm>
         </p:spPr>
         <p:txBody>
@@ -5768,7 +6206,19 @@
             <a:pPr eaLnBrk="1" hangingPunct="1"/>
             <a:r>
               <a:rPr lang="en-GB" sz="2400" dirty="0" smtClean="0"/>
-              <a:t>CPNs have been widely used for modelling and validation of </a:t>
+              <a:t>Coloured Petri Nets has been </a:t>
+            </a:r>
+            <a:r>
+              <a:rPr lang="en-GB" sz="2400" dirty="0" smtClean="0"/>
+              <a:t>widely used for modelling and </a:t>
+            </a:r>
+            <a:r>
+              <a:rPr lang="en-GB" sz="2400" dirty="0" smtClean="0"/>
+              <a:t>verification </a:t>
+            </a:r>
+            <a:r>
+              <a:rPr lang="en-GB" sz="2400" dirty="0" smtClean="0"/>
+              <a:t>of </a:t>
             </a:r>
             <a:r>
               <a:rPr lang="en-GB" sz="2400" dirty="0" smtClean="0">
@@ -5776,7 +6226,7 @@
                   <a:srgbClr val="0070C0"/>
                 </a:solidFill>
               </a:rPr>
-              <a:t>concurrent software systems</a:t>
+              <a:t>concurrent systems</a:t>
             </a:r>
             <a:r>
               <a:rPr lang="en-GB" sz="2400" dirty="0" smtClean="0"/>
@@ -5788,8 +6238,32 @@
               <a:defRPr/>
             </a:pPr>
             <a:r>
+              <a:rPr lang="en-GB" sz="2400" dirty="0" smtClean="0"/>
+              <a:t>It is desirable </a:t>
+            </a:r>
+            <a:r>
               <a:rPr lang="en-GB" sz="2400" dirty="0"/>
-              <a:t>Desirable to leverage modelling and analysis effort by means of a</a:t>
+              <a:t>to leverage </a:t>
+            </a:r>
+            <a:r>
+              <a:rPr lang="en-GB" sz="2400" dirty="0" smtClean="0"/>
+              <a:t>the modelling </a:t>
+            </a:r>
+            <a:r>
+              <a:rPr lang="en-GB" sz="2400" dirty="0"/>
+              <a:t>and analysis </a:t>
+            </a:r>
+            <a:r>
+              <a:rPr lang="en-GB" sz="2400" dirty="0" smtClean="0"/>
+              <a:t>efforts in </a:t>
+            </a:r>
+            <a:r>
+              <a:rPr lang="en-GB" sz="2400" dirty="0" smtClean="0">
+                <a:solidFill>
+                  <a:srgbClr val="0070C0"/>
+                </a:solidFill>
+              </a:rPr>
+              <a:t>automated </a:t>
             </a:r>
             <a:r>
               <a:rPr lang="en-GB" sz="2400" dirty="0">
@@ -5797,11 +6271,19 @@
                   <a:srgbClr val="0070C0"/>
                 </a:solidFill>
               </a:rPr>
-              <a:t>utomatic code generation</a:t>
+              <a:t>code </a:t>
+            </a:r>
+            <a:r>
+              <a:rPr lang="en-GB" sz="2400" dirty="0" smtClean="0">
+                <a:solidFill>
+                  <a:srgbClr val="0070C0"/>
+                </a:solidFill>
+              </a:rPr>
+              <a:t>generation</a:t>
             </a:r>
             <a:r>
               <a:rPr lang="en-GB" sz="2400" dirty="0"/>
-              <a:t>:</a:t>
+              <a:t>.</a:t>
             </a:r>
             <a:endParaRPr lang="en-GB" sz="2400" dirty="0">
               <a:solidFill>
@@ -5810,63 +6292,41 @@
             </a:endParaRPr>
           </a:p>
           <a:p>
-            <a:pPr marL="800100" lvl="1" indent="-342900">
-              <a:defRPr/>
-            </a:pPr>
-            <a:r>
-              <a:rPr lang="en-GB" sz="2000" dirty="0">
-                <a:solidFill>
-                  <a:srgbClr val="0070C0"/>
-                </a:solidFill>
-              </a:rPr>
-              <a:t>Simulation-based:</a:t>
-            </a:r>
-            <a:r>
-              <a:rPr lang="en-GB" sz="2000" dirty="0"/>
-              <a:t> the model simulator is embedded directly in the implementation.</a:t>
-            </a:r>
-          </a:p>
-          <a:p>
-            <a:pPr marL="800100" lvl="1" indent="-342900">
-              <a:defRPr/>
-            </a:pPr>
-            <a:r>
-              <a:rPr lang="en-GB" sz="2000" dirty="0">
-                <a:solidFill>
-                  <a:srgbClr val="0070C0"/>
-                </a:solidFill>
-              </a:rPr>
-              <a:t>State space-based: </a:t>
-            </a:r>
-            <a:r>
-              <a:rPr lang="en-GB" sz="2000" dirty="0"/>
-              <a:t>the state space of the model is computed and used as a basis for implementation.</a:t>
-            </a:r>
-          </a:p>
-          <a:p>
-            <a:pPr marL="800100" lvl="1" indent="-342900">
-              <a:defRPr/>
-            </a:pPr>
-            <a:r>
-              <a:rPr lang="en-GB" sz="2000" dirty="0">
-                <a:solidFill>
-                  <a:srgbClr val="0070C0"/>
-                </a:solidFill>
-              </a:rPr>
-              <a:t>Structure-based</a:t>
-            </a:r>
-            <a:r>
-              <a:rPr lang="en-GB" sz="2000" dirty="0"/>
-              <a:t>: structural analysis of the model for translation into programming language constructs.</a:t>
-            </a:r>
-          </a:p>
-          <a:p>
             <a:pPr eaLnBrk="1" hangingPunct="1"/>
             <a:r>
               <a:rPr lang="en-GB" sz="2400" dirty="0" smtClean="0"/>
-              <a:t>CPN models are platform-independent and too abstract to be used directly for code generation.</a:t>
-            </a:r>
-            <a:endParaRPr lang="en-GB" sz="2400" dirty="0" smtClean="0"/>
+              <a:t>Limited work has been done investigating automatic </a:t>
+            </a:r>
+            <a:r>
+              <a:rPr lang="en-GB" sz="2400" dirty="0" smtClean="0"/>
+              <a:t>code generation from CPN models.</a:t>
+            </a:r>
+          </a:p>
+          <a:p>
+            <a:pPr eaLnBrk="1" hangingPunct="1"/>
+            <a:r>
+              <a:rPr lang="en-GB" sz="2400" dirty="0" smtClean="0"/>
+              <a:t>Challenges in using CPN models for code generation purposes:</a:t>
+            </a:r>
+          </a:p>
+          <a:p>
+            <a:pPr lvl="1" eaLnBrk="1" hangingPunct="1"/>
+            <a:r>
+              <a:rPr lang="en-GB" sz="2000" dirty="0" smtClean="0"/>
+              <a:t>CPN models constructed for specification and verification are often at a too high-level of abstraction.</a:t>
+            </a:r>
+          </a:p>
+          <a:p>
+            <a:pPr lvl="1" eaLnBrk="1" hangingPunct="1"/>
+            <a:r>
+              <a:rPr lang="en-GB" sz="2000" dirty="0" smtClean="0"/>
+              <a:t>CPN models are target </a:t>
+            </a:r>
+            <a:r>
+              <a:rPr lang="en-GB" sz="2000" dirty="0" smtClean="0"/>
+              <a:t>platform-independent and without any obvious mapping from model element to target code </a:t>
+            </a:r>
+            <a:endParaRPr lang="en-GB" sz="2000" dirty="0" smtClean="0"/>
           </a:p>
         </p:txBody>
       </p:sp>
@@ -5917,49 +6377,6 @@
       </p:sp>
       <p:sp>
         <p:nvSpPr>
-          <p:cNvPr id="5" name="Oval 4"/>
-          <p:cNvSpPr>
-            <a:spLocks noChangeArrowheads="1"/>
-          </p:cNvSpPr>
-          <p:nvPr/>
-        </p:nvSpPr>
-        <p:spPr bwMode="auto">
-          <a:xfrm>
-            <a:off x="1052215" y="4128369"/>
-            <a:ext cx="2857500" cy="503237"/>
-          </a:xfrm>
-          <a:prstGeom prst="ellipse">
-            <a:avLst/>
-          </a:prstGeom>
-          <a:noFill/>
-          <a:ln w="57150" algn="ctr">
-            <a:solidFill>
-              <a:srgbClr val="FF0000"/>
-            </a:solidFill>
-            <a:round/>
-            <a:headEnd/>
-            <a:tailEnd/>
-          </a:ln>
-          <a:extLst>
-            <a:ext uri="{909E8E84-426E-40DD-AFC4-6F175D3DCCD1}">
-              <a14:hiddenFill xmlns:a14="http://schemas.microsoft.com/office/drawing/2010/main">
-                <a:solidFill>
-                  <a:srgbClr val="FFFFFF"/>
-                </a:solidFill>
-              </a14:hiddenFill>
-            </a:ext>
-          </a:extLst>
-        </p:spPr>
-        <p:txBody>
-          <a:bodyPr/>
-          <a:lstStyle/>
-          <a:p>
-            <a:endParaRPr lang="en-GB"/>
-          </a:p>
-        </p:txBody>
-      </p:sp>
-      <p:sp>
-        <p:nvSpPr>
           <p:cNvPr id="4102" name="TextBox 5"/>
           <p:cNvSpPr txBox="1">
             <a:spLocks noChangeArrowheads="1"/>
@@ -5980,14 +6397,14 @@
           </a:ln>
           <a:extLst>
             <a:ext uri="{909E8E84-426E-40DD-AFC4-6F175D3DCCD1}">
-              <a14:hiddenFill xmlns:a14="http://schemas.microsoft.com/office/drawing/2010/main">
+              <a14:hiddenFill xmlns:a14="http://schemas.microsoft.com/office/drawing/2010/main" xmlns="">
                 <a:solidFill>
                   <a:srgbClr val="FFFFFF"/>
                 </a:solidFill>
               </a14:hiddenFill>
             </a:ext>
             <a:ext uri="{91240B29-F687-4F45-9708-019B960494DF}">
-              <a14:hiddenLine xmlns:a14="http://schemas.microsoft.com/office/drawing/2010/main" w="9525">
+              <a14:hiddenLine xmlns:a14="http://schemas.microsoft.com/office/drawing/2010/main" xmlns="" w="9525">
                 <a:solidFill>
                   <a:srgbClr val="000000"/>
                 </a:solidFill>
@@ -6123,7 +6540,7 @@
     </p:spTree>
     <p:extLst>
       <p:ext uri="{BB962C8B-B14F-4D97-AF65-F5344CB8AC3E}">
-        <p14:creationId xmlns:p14="http://schemas.microsoft.com/office/powerpoint/2010/main" val="3778081009"/>
+        <p14:creationId xmlns:p14="http://schemas.microsoft.com/office/powerpoint/2010/main" xmlns="" val="3778081009"/>
       </p:ext>
     </p:extLst>
   </p:cSld>
@@ -6192,51 +6609,6 @@
                       </p:childTnLst>
                     </p:cTn>
                   </p:par>
-                  <p:par>
-                    <p:cTn id="7" fill="hold" nodeType="clickPar">
-                      <p:stCondLst>
-                        <p:cond delay="indefinite"/>
-                      </p:stCondLst>
-                      <p:childTnLst>
-                        <p:par>
-                          <p:cTn id="8" fill="hold" nodeType="withGroup">
-                            <p:stCondLst>
-                              <p:cond delay="0"/>
-                            </p:stCondLst>
-                            <p:childTnLst>
-                              <p:par>
-                                <p:cTn id="9" presetID="1" presetClass="entr" presetSubtype="0" fill="hold" grpId="0" nodeType="clickEffect">
-                                  <p:stCondLst>
-                                    <p:cond delay="0"/>
-                                  </p:stCondLst>
-                                  <p:childTnLst>
-                                    <p:set>
-                                      <p:cBhvr>
-                                        <p:cTn id="10" dur="1" fill="hold">
-                                          <p:stCondLst>
-                                            <p:cond delay="0"/>
-                                          </p:stCondLst>
-                                        </p:cTn>
-                                        <p:tgtEl>
-                                          <p:spTgt spid="5"/>
-                                        </p:tgtEl>
-                                        <p:attrNameLst>
-                                          <p:attrName>style.visibility</p:attrName>
-                                        </p:attrNameLst>
-                                      </p:cBhvr>
-                                      <p:to>
-                                        <p:strVal val="visible"/>
-                                      </p:to>
-                                    </p:set>
-                                  </p:childTnLst>
-                                </p:cTn>
-                              </p:par>
-                            </p:childTnLst>
-                          </p:cTn>
-                        </p:par>
-                      </p:childTnLst>
-                    </p:cTn>
-                  </p:par>
                 </p:childTnLst>
               </p:cTn>
               <p:prevCondLst>
@@ -6258,9 +6630,6 @@
         </p:cTn>
       </p:par>
     </p:tnLst>
-    <p:bldLst>
-      <p:bldP spid="5" grpId="0" animBg="1"/>
-    </p:bldLst>
   </p:timing>
 </p:sld>
 </file>
@@ -6292,7 +6661,12 @@
             <p:ph type="title"/>
           </p:nvPr>
         </p:nvSpPr>
-        <p:spPr/>
+        <p:spPr>
+          <a:xfrm>
+            <a:off x="495300" y="274638"/>
+            <a:ext cx="8915400" cy="1143000"/>
+          </a:xfrm>
+        </p:spPr>
         <p:txBody>
           <a:bodyPr/>
           <a:lstStyle/>
@@ -6343,7 +6717,7 @@
         </p:nvSpPr>
         <p:spPr bwMode="auto">
           <a:xfrm>
-            <a:off x="639304" y="5240317"/>
+            <a:off x="495300" y="5240317"/>
             <a:ext cx="8706184" cy="864121"/>
           </a:xfrm>
           <a:prstGeom prst="rect">
@@ -6541,7 +6915,11 @@
           <a:p>
             <a:r>
               <a:rPr lang="en-GB" sz="2400" kern="0" dirty="0" smtClean="0"/>
-              <a:t>Supports a collection of sensor to establish a DODAG for data collection.</a:t>
+              <a:t>Supports a collection of sensor to establish a DODAG for data </a:t>
+            </a:r>
+            <a:r>
+              <a:rPr lang="en-GB" sz="2400" kern="0" dirty="0" smtClean="0"/>
+              <a:t>collection purposes.</a:t>
             </a:r>
             <a:endParaRPr lang="en-GB" sz="2400" kern="0" dirty="0"/>
           </a:p>
@@ -6556,10 +6934,10 @@
           <p:nvPr/>
         </p:nvPicPr>
         <p:blipFill>
-          <a:blip r:embed="rId2">
+          <a:blip r:embed="rId2" cstate="print">
             <a:extLst>
               <a:ext uri="{28A0092B-C50C-407E-A947-70E740481C1C}">
-                <a14:useLocalDpi xmlns:a14="http://schemas.microsoft.com/office/drawing/2010/main" val="0"/>
+                <a14:useLocalDpi xmlns:a14="http://schemas.microsoft.com/office/drawing/2010/main" xmlns="" val="0"/>
               </a:ext>
             </a:extLst>
           </a:blip>
@@ -6582,14 +6960,14 @@
           </a:ln>
           <a:extLst>
             <a:ext uri="{909E8E84-426E-40DD-AFC4-6F175D3DCCD1}">
-              <a14:hiddenFill xmlns:a14="http://schemas.microsoft.com/office/drawing/2010/main">
+              <a14:hiddenFill xmlns:a14="http://schemas.microsoft.com/office/drawing/2010/main" xmlns="">
                 <a:solidFill>
                   <a:schemeClr val="accent1"/>
                 </a:solidFill>
               </a14:hiddenFill>
             </a:ext>
             <a:ext uri="{91240B29-F687-4F45-9708-019B960494DF}">
-              <a14:hiddenLine xmlns:a14="http://schemas.microsoft.com/office/drawing/2010/main" w="9525">
+              <a14:hiddenLine xmlns:a14="http://schemas.microsoft.com/office/drawing/2010/main" xmlns="" w="9525">
                 <a:solidFill>
                   <a:schemeClr val="tx1"/>
                 </a:solidFill>
@@ -6610,10 +6988,10 @@
           <p:nvPr/>
         </p:nvPicPr>
         <p:blipFill>
-          <a:blip r:embed="rId3">
+          <a:blip r:embed="rId3" cstate="print">
             <a:extLst>
               <a:ext uri="{28A0092B-C50C-407E-A947-70E740481C1C}">
-                <a14:useLocalDpi xmlns:a14="http://schemas.microsoft.com/office/drawing/2010/main" val="0"/>
+                <a14:useLocalDpi xmlns:a14="http://schemas.microsoft.com/office/drawing/2010/main" xmlns="" val="0"/>
               </a:ext>
             </a:extLst>
           </a:blip>
@@ -6636,14 +7014,14 @@
           </a:ln>
           <a:extLst>
             <a:ext uri="{909E8E84-426E-40DD-AFC4-6F175D3DCCD1}">
-              <a14:hiddenFill xmlns:a14="http://schemas.microsoft.com/office/drawing/2010/main">
+              <a14:hiddenFill xmlns:a14="http://schemas.microsoft.com/office/drawing/2010/main" xmlns="">
                 <a:solidFill>
                   <a:schemeClr val="accent1"/>
                 </a:solidFill>
               </a14:hiddenFill>
             </a:ext>
             <a:ext uri="{91240B29-F687-4F45-9708-019B960494DF}">
-              <a14:hiddenLine xmlns:a14="http://schemas.microsoft.com/office/drawing/2010/main" w="9525">
+              <a14:hiddenLine xmlns:a14="http://schemas.microsoft.com/office/drawing/2010/main" xmlns="" w="9525">
                 <a:solidFill>
                   <a:schemeClr val="tx1"/>
                 </a:solidFill>
@@ -6664,10 +7042,10 @@
           <p:nvPr/>
         </p:nvPicPr>
         <p:blipFill>
-          <a:blip r:embed="rId4">
+          <a:blip r:embed="rId4" cstate="print">
             <a:extLst>
               <a:ext uri="{28A0092B-C50C-407E-A947-70E740481C1C}">
-                <a14:useLocalDpi xmlns:a14="http://schemas.microsoft.com/office/drawing/2010/main" val="0"/>
+                <a14:useLocalDpi xmlns:a14="http://schemas.microsoft.com/office/drawing/2010/main" xmlns="" val="0"/>
               </a:ext>
             </a:extLst>
           </a:blip>
@@ -6687,7 +7065,7 @@
           <a:noFill/>
           <a:extLst>
             <a:ext uri="{909E8E84-426E-40DD-AFC4-6F175D3DCCD1}">
-              <a14:hiddenFill xmlns:a14="http://schemas.microsoft.com/office/drawing/2010/main">
+              <a14:hiddenFill xmlns:a14="http://schemas.microsoft.com/office/drawing/2010/main" xmlns="">
                 <a:solidFill>
                   <a:srgbClr val="FFFFFF"/>
                 </a:solidFill>
@@ -6734,10 +7112,10 @@
           <p:nvPr/>
         </p:nvPicPr>
         <p:blipFill>
-          <a:blip r:embed="rId5">
+          <a:blip r:embed="rId5" cstate="print">
             <a:extLst>
               <a:ext uri="{28A0092B-C50C-407E-A947-70E740481C1C}">
-                <a14:useLocalDpi xmlns:a14="http://schemas.microsoft.com/office/drawing/2010/main" val="0"/>
+                <a14:useLocalDpi xmlns:a14="http://schemas.microsoft.com/office/drawing/2010/main" xmlns="" val="0"/>
               </a:ext>
             </a:extLst>
           </a:blip>
@@ -6757,7 +7135,7 @@
           <a:noFill/>
           <a:extLst>
             <a:ext uri="{909E8E84-426E-40DD-AFC4-6F175D3DCCD1}">
-              <a14:hiddenFill xmlns:a14="http://schemas.microsoft.com/office/drawing/2010/main">
+              <a14:hiddenFill xmlns:a14="http://schemas.microsoft.com/office/drawing/2010/main" xmlns="">
                 <a:solidFill>
                   <a:srgbClr val="FFFFFF"/>
                 </a:solidFill>
@@ -6769,7 +7147,7 @@
     </p:spTree>
     <p:extLst>
       <p:ext uri="{BB962C8B-B14F-4D97-AF65-F5344CB8AC3E}">
-        <p14:creationId xmlns:p14="http://schemas.microsoft.com/office/powerpoint/2010/main" val="490103762"/>
+        <p14:creationId xmlns:p14="http://schemas.microsoft.com/office/powerpoint/2010/main" xmlns="" val="490103762"/>
       </p:ext>
     </p:extLst>
   </p:cSld>
@@ -6812,10 +7190,10 @@
           <p:nvPr/>
         </p:nvPicPr>
         <p:blipFill>
-          <a:blip r:embed="rId2">
+          <a:blip r:embed="rId2" cstate="print">
             <a:extLst>
               <a:ext uri="{28A0092B-C50C-407E-A947-70E740481C1C}">
-                <a14:useLocalDpi xmlns:a14="http://schemas.microsoft.com/office/drawing/2010/main" val="0"/>
+                <a14:useLocalDpi xmlns:a14="http://schemas.microsoft.com/office/drawing/2010/main" xmlns="" val="0"/>
               </a:ext>
             </a:extLst>
           </a:blip>
@@ -6826,7 +7204,7 @@
         </p:blipFill>
         <p:spPr bwMode="auto">
           <a:xfrm>
-            <a:off x="5437854" y="1628800"/>
+            <a:off x="5437854" y="1735675"/>
             <a:ext cx="3816424" cy="1836269"/>
           </a:xfrm>
           <a:prstGeom prst="rect">
@@ -6838,14 +7216,14 @@
           </a:ln>
           <a:extLst>
             <a:ext uri="{909E8E84-426E-40DD-AFC4-6F175D3DCCD1}">
-              <a14:hiddenFill xmlns:a14="http://schemas.microsoft.com/office/drawing/2010/main">
+              <a14:hiddenFill xmlns:a14="http://schemas.microsoft.com/office/drawing/2010/main" xmlns="">
                 <a:solidFill>
                   <a:schemeClr val="accent1"/>
                 </a:solidFill>
               </a14:hiddenFill>
             </a:ext>
             <a:ext uri="{91240B29-F687-4F45-9708-019B960494DF}">
-              <a14:hiddenLine xmlns:a14="http://schemas.microsoft.com/office/drawing/2010/main" w="9525">
+              <a14:hiddenLine xmlns:a14="http://schemas.microsoft.com/office/drawing/2010/main" xmlns="" w="9525">
                 <a:solidFill>
                   <a:schemeClr val="tx1"/>
                 </a:solidFill>
@@ -6920,7 +7298,7 @@
           <a:blip r:embed="rId3" cstate="print">
             <a:extLst>
               <a:ext uri="{28A0092B-C50C-407E-A947-70E740481C1C}">
-                <a14:useLocalDpi xmlns:a14="http://schemas.microsoft.com/office/drawing/2010/main" val="0"/>
+                <a14:useLocalDpi xmlns:a14="http://schemas.microsoft.com/office/drawing/2010/main" xmlns="" val="0"/>
               </a:ext>
             </a:extLst>
           </a:blip>
@@ -6936,6 +7314,11 @@
           <a:prstGeom prst="rect">
             <a:avLst/>
           </a:prstGeom>
+          <a:ln w="28575">
+            <a:solidFill>
+              <a:srgbClr val="003399"/>
+            </a:solidFill>
+          </a:ln>
         </p:spPr>
       </p:pic>
       <p:pic>
@@ -6950,7 +7333,7 @@
           <a:blip r:embed="rId4" cstate="print">
             <a:extLst>
               <a:ext uri="{28A0092B-C50C-407E-A947-70E740481C1C}">
-                <a14:useLocalDpi xmlns:a14="http://schemas.microsoft.com/office/drawing/2010/main" val="0"/>
+                <a14:useLocalDpi xmlns:a14="http://schemas.microsoft.com/office/drawing/2010/main" xmlns="" val="0"/>
               </a:ext>
             </a:extLst>
           </a:blip>
@@ -6960,18 +7343,81 @@
         </p:blipFill>
         <p:spPr>
           <a:xfrm>
-            <a:off x="4594476" y="3506309"/>
-            <a:ext cx="3483158" cy="2622612"/>
+            <a:off x="5372415" y="3741540"/>
+            <a:ext cx="3180985" cy="2395093"/>
           </a:xfrm>
           <a:prstGeom prst="rect">
             <a:avLst/>
           </a:prstGeom>
+          <a:ln w="28575">
+            <a:solidFill>
+              <a:srgbClr val="003399"/>
+            </a:solidFill>
+          </a:ln>
         </p:spPr>
       </p:pic>
+      <p:cxnSp>
+        <p:nvCxnSpPr>
+          <p:cNvPr id="11" name="Straight Connector 10"/>
+          <p:cNvCxnSpPr/>
+          <p:nvPr/>
+        </p:nvCxnSpPr>
+        <p:spPr bwMode="auto">
+          <a:xfrm flipH="1">
+            <a:off x="4581085" y="1988840"/>
+            <a:ext cx="1944216" cy="504056"/>
+          </a:xfrm>
+          <a:prstGeom prst="line">
+            <a:avLst/>
+          </a:prstGeom>
+          <a:solidFill>
+            <a:schemeClr val="accent1"/>
+          </a:solidFill>
+          <a:ln w="25400" cap="flat" cmpd="sng" algn="ctr">
+            <a:solidFill>
+              <a:srgbClr val="C00000"/>
+            </a:solidFill>
+            <a:prstDash val="sysDash"/>
+            <a:round/>
+            <a:headEnd type="none" w="med" len="med"/>
+            <a:tailEnd type="none" w="med" len="med"/>
+          </a:ln>
+          <a:effectLst/>
+        </p:spPr>
+      </p:cxnSp>
+      <p:cxnSp>
+        <p:nvCxnSpPr>
+          <p:cNvPr id="12" name="Straight Connector 11"/>
+          <p:cNvCxnSpPr/>
+          <p:nvPr/>
+        </p:nvCxnSpPr>
+        <p:spPr bwMode="auto">
+          <a:xfrm flipH="1" flipV="1">
+            <a:off x="7413147" y="3189226"/>
+            <a:ext cx="564189" cy="527806"/>
+          </a:xfrm>
+          <a:prstGeom prst="line">
+            <a:avLst/>
+          </a:prstGeom>
+          <a:solidFill>
+            <a:schemeClr val="accent1"/>
+          </a:solidFill>
+          <a:ln w="25400" cap="flat" cmpd="sng" algn="ctr">
+            <a:solidFill>
+              <a:srgbClr val="C00000"/>
+            </a:solidFill>
+            <a:prstDash val="sysDash"/>
+            <a:round/>
+            <a:headEnd type="none" w="med" len="med"/>
+            <a:tailEnd type="none" w="med" len="med"/>
+          </a:ln>
+          <a:effectLst/>
+        </p:spPr>
+      </p:cxnSp>
     </p:spTree>
     <p:extLst>
       <p:ext uri="{BB962C8B-B14F-4D97-AF65-F5344CB8AC3E}">
-        <p14:creationId xmlns:p14="http://schemas.microsoft.com/office/powerpoint/2010/main" val="638769845"/>
+        <p14:creationId xmlns:p14="http://schemas.microsoft.com/office/powerpoint/2010/main" xmlns="" val="638769845"/>
       </p:ext>
     </p:extLst>
   </p:cSld>
@@ -7014,10 +7460,10 @@
           <p:nvPr/>
         </p:nvPicPr>
         <p:blipFill>
-          <a:blip r:embed="rId2">
+          <a:blip r:embed="rId2" cstate="print">
             <a:extLst>
               <a:ext uri="{28A0092B-C50C-407E-A947-70E740481C1C}">
-                <a14:useLocalDpi xmlns:a14="http://schemas.microsoft.com/office/drawing/2010/main" val="0"/>
+                <a14:useLocalDpi xmlns:a14="http://schemas.microsoft.com/office/drawing/2010/main" xmlns="" val="0"/>
               </a:ext>
             </a:extLst>
           </a:blip>
@@ -7028,7 +7474,7 @@
         </p:blipFill>
         <p:spPr bwMode="auto">
           <a:xfrm>
-            <a:off x="7989211" y="1892207"/>
+            <a:off x="6177136" y="2025981"/>
             <a:ext cx="1617056" cy="1442668"/>
           </a:xfrm>
           <a:prstGeom prst="rect">
@@ -7037,7 +7483,7 @@
           <a:noFill/>
           <a:extLst>
             <a:ext uri="{909E8E84-426E-40DD-AFC4-6F175D3DCCD1}">
-              <a14:hiddenFill xmlns:a14="http://schemas.microsoft.com/office/drawing/2010/main">
+              <a14:hiddenFill xmlns:a14="http://schemas.microsoft.com/office/drawing/2010/main" xmlns="">
                 <a:solidFill>
                   <a:srgbClr val="FFFFFF"/>
                 </a:solidFill>
@@ -7081,7 +7527,7 @@
         </p:nvSpPr>
         <p:spPr>
           <a:xfrm>
-            <a:off x="488504" y="1412776"/>
+            <a:off x="488504" y="1329651"/>
             <a:ext cx="9001000" cy="828092"/>
           </a:xfrm>
         </p:spPr>
@@ -7091,7 +7537,15 @@
           <a:p>
             <a:r>
               <a:rPr lang="en-GB" sz="2400" dirty="0" smtClean="0"/>
-              <a:t>Operating system and programming language targeting constrained devices.</a:t>
+              <a:t>Operating system and programming language targeting </a:t>
+            </a:r>
+            <a:r>
+              <a:rPr lang="en-GB" sz="2400" dirty="0" smtClean="0"/>
+              <a:t>resource constrained </a:t>
+            </a:r>
+            <a:r>
+              <a:rPr lang="en-GB" sz="2400" dirty="0" smtClean="0"/>
+              <a:t>devices.</a:t>
             </a:r>
           </a:p>
         </p:txBody>
@@ -7105,10 +7559,10 @@
           <p:nvPr/>
         </p:nvPicPr>
         <p:blipFill>
-          <a:blip r:embed="rId3">
+          <a:blip r:embed="rId3" cstate="print">
             <a:extLst>
               <a:ext uri="{28A0092B-C50C-407E-A947-70E740481C1C}">
-                <a14:useLocalDpi xmlns:a14="http://schemas.microsoft.com/office/drawing/2010/main" val="0"/>
+                <a14:useLocalDpi xmlns:a14="http://schemas.microsoft.com/office/drawing/2010/main" xmlns="" val="0"/>
               </a:ext>
             </a:extLst>
           </a:blip>
@@ -7119,7 +7573,7 @@
         </p:blipFill>
         <p:spPr bwMode="auto">
           <a:xfrm>
-            <a:off x="6513426" y="1989219"/>
+            <a:off x="7784304" y="2240489"/>
             <a:ext cx="1694585" cy="648072"/>
           </a:xfrm>
           <a:prstGeom prst="rect">
@@ -7128,7 +7582,7 @@
           <a:noFill/>
           <a:extLst>
             <a:ext uri="{909E8E84-426E-40DD-AFC4-6F175D3DCCD1}">
-              <a14:hiddenFill xmlns:a14="http://schemas.microsoft.com/office/drawing/2010/main">
+              <a14:hiddenFill xmlns:a14="http://schemas.microsoft.com/office/drawing/2010/main" xmlns="">
                 <a:solidFill>
                   <a:srgbClr val="FFFFFF"/>
                 </a:solidFill>
@@ -7146,10 +7600,10 @@
           <p:nvPr/>
         </p:nvPicPr>
         <p:blipFill>
-          <a:blip r:embed="rId4">
+          <a:blip r:embed="rId4" cstate="print">
             <a:extLst>
               <a:ext uri="{28A0092B-C50C-407E-A947-70E740481C1C}">
-                <a14:useLocalDpi xmlns:a14="http://schemas.microsoft.com/office/drawing/2010/main" val="0"/>
+                <a14:useLocalDpi xmlns:a14="http://schemas.microsoft.com/office/drawing/2010/main" xmlns="" val="0"/>
               </a:ext>
             </a:extLst>
           </a:blip>
@@ -7160,7 +7614,7 @@
         </p:blipFill>
         <p:spPr bwMode="auto">
           <a:xfrm>
-            <a:off x="861177" y="2289505"/>
+            <a:off x="683052" y="2242005"/>
             <a:ext cx="5433777" cy="3871070"/>
           </a:xfrm>
           <a:prstGeom prst="rect">
@@ -7172,14 +7626,14 @@
           </a:ln>
           <a:extLst>
             <a:ext uri="{909E8E84-426E-40DD-AFC4-6F175D3DCCD1}">
-              <a14:hiddenFill xmlns:a14="http://schemas.microsoft.com/office/drawing/2010/main">
+              <a14:hiddenFill xmlns:a14="http://schemas.microsoft.com/office/drawing/2010/main" xmlns="">
                 <a:solidFill>
                   <a:schemeClr val="accent1"/>
                 </a:solidFill>
               </a14:hiddenFill>
             </a:ext>
             <a:ext uri="{91240B29-F687-4F45-9708-019B960494DF}">
-              <a14:hiddenLine xmlns:a14="http://schemas.microsoft.com/office/drawing/2010/main" w="9525">
+              <a14:hiddenLine xmlns:a14="http://schemas.microsoft.com/office/drawing/2010/main" xmlns="" w="9525">
                 <a:solidFill>
                   <a:schemeClr val="tx1"/>
                 </a:solidFill>
@@ -7201,8 +7655,8 @@
         </p:nvSpPr>
         <p:spPr bwMode="auto">
           <a:xfrm>
-            <a:off x="5889104" y="3334874"/>
-            <a:ext cx="3600400" cy="2686413"/>
+            <a:off x="5960354" y="3560500"/>
+            <a:ext cx="3744416" cy="2398382"/>
           </a:xfrm>
           <a:prstGeom prst="rect">
             <a:avLst/>
@@ -7398,23 +7852,122 @@
           </a:lstStyle>
           <a:p>
             <a:r>
-              <a:rPr lang="en-GB" sz="1800" kern="0" dirty="0" smtClean="0"/>
-              <a:t>Application structured into component providing and using interfaces.</a:t>
-            </a:r>
-          </a:p>
-          <a:p>
-            <a:r>
-              <a:rPr lang="en-GB" sz="1800" kern="0" dirty="0" smtClean="0"/>
-              <a:t>Split-phase programming model based on command and events.</a:t>
-            </a:r>
-            <a:endParaRPr lang="en-GB" sz="1800" kern="0" dirty="0" smtClean="0"/>
+              <a:rPr lang="en-GB" sz="1600" kern="0" dirty="0" smtClean="0"/>
+              <a:t>Applications are </a:t>
+            </a:r>
+            <a:r>
+              <a:rPr lang="en-GB" sz="1600" kern="0" dirty="0" smtClean="0"/>
+              <a:t>structured into </a:t>
+            </a:r>
+            <a:r>
+              <a:rPr lang="en-GB" sz="1600" kern="0" dirty="0" smtClean="0">
+                <a:solidFill>
+                  <a:srgbClr val="0070C0"/>
+                </a:solidFill>
+              </a:rPr>
+              <a:t>components</a:t>
+            </a:r>
+            <a:r>
+              <a:rPr lang="en-GB" sz="1600" kern="0" dirty="0" smtClean="0"/>
+              <a:t> </a:t>
+            </a:r>
+            <a:r>
+              <a:rPr lang="en-GB" sz="1600" kern="0" dirty="0" smtClean="0"/>
+              <a:t>providing and using </a:t>
+            </a:r>
+            <a:r>
+              <a:rPr lang="en-GB" sz="1600" kern="0" dirty="0" smtClean="0">
+                <a:solidFill>
+                  <a:srgbClr val="0070C0"/>
+                </a:solidFill>
+              </a:rPr>
+              <a:t>interfaces</a:t>
+            </a:r>
+            <a:r>
+              <a:rPr lang="en-GB" sz="1600" kern="0" dirty="0" smtClean="0"/>
+              <a:t>.</a:t>
+            </a:r>
+          </a:p>
+          <a:p>
+            <a:r>
+              <a:rPr lang="en-GB" sz="1600" kern="0" dirty="0" smtClean="0"/>
+              <a:t>Component are wired into a </a:t>
+            </a:r>
+            <a:r>
+              <a:rPr lang="en-GB" sz="1600" kern="0" dirty="0" smtClean="0">
+                <a:solidFill>
+                  <a:srgbClr val="0070C0"/>
+                </a:solidFill>
+              </a:rPr>
+              <a:t>configuration</a:t>
+            </a:r>
+            <a:r>
+              <a:rPr lang="en-GB" sz="1600" kern="0" dirty="0" smtClean="0"/>
+              <a:t> constituting an application.</a:t>
+            </a:r>
+            <a:endParaRPr lang="en-GB" sz="1600" kern="0" dirty="0" smtClean="0"/>
+          </a:p>
+          <a:p>
+            <a:r>
+              <a:rPr lang="en-GB" sz="1600" kern="0" dirty="0" smtClean="0"/>
+              <a:t>Split-phase programming model based on </a:t>
+            </a:r>
+            <a:r>
+              <a:rPr lang="en-GB" sz="1600" kern="0" dirty="0" smtClean="0">
+                <a:solidFill>
+                  <a:srgbClr val="0070C0"/>
+                </a:solidFill>
+              </a:rPr>
+              <a:t>commands</a:t>
+            </a:r>
+            <a:r>
+              <a:rPr lang="en-GB" sz="1600" kern="0" dirty="0" smtClean="0"/>
+              <a:t>, </a:t>
+            </a:r>
+            <a:r>
+              <a:rPr lang="en-GB" sz="1600" kern="0" dirty="0" smtClean="0">
+                <a:solidFill>
+                  <a:srgbClr val="0070C0"/>
+                </a:solidFill>
+              </a:rPr>
+              <a:t>events</a:t>
+            </a:r>
+            <a:r>
+              <a:rPr lang="en-GB" sz="1600" kern="0" dirty="0" smtClean="0"/>
+              <a:t>, </a:t>
+            </a:r>
+            <a:r>
+              <a:rPr lang="en-GB" sz="1600" kern="0" dirty="0" smtClean="0">
+                <a:solidFill>
+                  <a:srgbClr val="0070C0"/>
+                </a:solidFill>
+              </a:rPr>
+              <a:t>call</a:t>
+            </a:r>
+            <a:r>
+              <a:rPr lang="en-GB" sz="1600" kern="0" dirty="0" smtClean="0"/>
+              <a:t>, and </a:t>
+            </a:r>
+            <a:r>
+              <a:rPr lang="en-GB" sz="1600" kern="0" dirty="0" smtClean="0">
+                <a:solidFill>
+                  <a:srgbClr val="0070C0"/>
+                </a:solidFill>
+              </a:rPr>
+              <a:t>signal</a:t>
+            </a:r>
+            <a:r>
+              <a:rPr lang="en-GB" sz="1600" kern="0" dirty="0" smtClean="0"/>
+              <a:t>.</a:t>
+            </a:r>
+            <a:endParaRPr lang="en-GB" sz="1600" kern="0" dirty="0" smtClean="0"/>
           </a:p>
         </p:txBody>
       </p:sp>
     </p:spTree>
     <p:extLst>
       <p:ext uri="{BB962C8B-B14F-4D97-AF65-F5344CB8AC3E}">
-        <p14:creationId xmlns:p14="http://schemas.microsoft.com/office/powerpoint/2010/main" val="2515049478"/>
+        <p14:creationId xmlns:p14="http://schemas.microsoft.com/office/powerpoint/2010/main" xmlns="" val="2515049478"/>
       </p:ext>
     </p:extLst>
   </p:cSld>
@@ -7484,7 +8037,7 @@
         <p:spPr>
           <a:xfrm>
             <a:off x="495300" y="1260649"/>
-            <a:ext cx="8922196" cy="3861675"/>
+            <a:ext cx="9138220" cy="3861675"/>
           </a:xfrm>
         </p:spPr>
         <p:txBody>
@@ -7493,7 +8046,23 @@
           <a:p>
             <a:r>
               <a:rPr lang="en-GB" sz="2400" dirty="0" smtClean="0"/>
-              <a:t>A five step methodology for refining the model to be suited for code generation:</a:t>
+              <a:t>A five step methodology for refining the model to </a:t>
+            </a:r>
+            <a:r>
+              <a:rPr lang="en-GB" sz="2400" dirty="0" smtClean="0"/>
+              <a:t>an abstraction lev</a:t>
+            </a:r>
+            <a:r>
+              <a:rPr lang="en-GB" sz="2400" dirty="0" smtClean="0"/>
+              <a:t>el </a:t>
+            </a:r>
+            <a:r>
+              <a:rPr lang="en-GB" sz="2400" dirty="0" smtClean="0"/>
+              <a:t>suited </a:t>
+            </a:r>
+            <a:r>
+              <a:rPr lang="en-GB" sz="2400" dirty="0" smtClean="0"/>
+              <a:t>for code generation:</a:t>
             </a:r>
           </a:p>
           <a:p>
@@ -7511,8 +8080,13 @@
             </a:r>
             <a:r>
               <a:rPr lang="en-GB" sz="2000" dirty="0" smtClean="0"/>
-              <a:t>identifying components and interfaces.</a:t>
-            </a:r>
+              <a:t>identifying components and </a:t>
+            </a:r>
+            <a:r>
+              <a:rPr lang="en-GB" sz="2000" dirty="0" smtClean="0"/>
+              <a:t>interfaces and determining a configuration.</a:t>
+            </a:r>
+            <a:endParaRPr lang="en-GB" sz="2000" dirty="0" smtClean="0"/>
           </a:p>
           <a:p>
             <a:pPr marL="914400" lvl="1" indent="-457200">
@@ -7529,8 +8103,29 @@
             </a:r>
             <a:r>
               <a:rPr lang="en-GB" sz="2000" dirty="0" smtClean="0"/>
-              <a:t>allowing multiple uses of interfaces. </a:t>
-            </a:r>
+              <a:t>allowing </a:t>
+            </a:r>
+            <a:r>
+              <a:rPr lang="en-GB" sz="2000" dirty="0" smtClean="0"/>
+              <a:t>use </a:t>
+            </a:r>
+            <a:r>
+              <a:rPr lang="en-GB" sz="2000" dirty="0" smtClean="0"/>
+              <a:t>of </a:t>
+            </a:r>
+            <a:r>
+              <a:rPr lang="en-GB" sz="2000" dirty="0" smtClean="0"/>
+              <a:t>an interface</a:t>
+            </a:r>
+            <a:r>
+              <a:rPr lang="en-GB" sz="2000" dirty="0" smtClean="0"/>
+              <a:t> in multiple components.</a:t>
+            </a:r>
+            <a:r>
+              <a:rPr lang="en-GB" sz="2000" dirty="0" smtClean="0"/>
+              <a:t> </a:t>
+            </a:r>
+            <a:endParaRPr lang="en-GB" sz="2000" dirty="0" smtClean="0"/>
           </a:p>
           <a:p>
             <a:pPr marL="914400" lvl="1" indent="-457200">
@@ -7565,7 +8160,27 @@
             </a:r>
             <a:r>
               <a:rPr lang="en-GB" sz="2000" dirty="0" smtClean="0"/>
-              <a:t>identifying components as timed, external, boot, and generic.</a:t>
+              <a:t>specifying</a:t>
+            </a:r>
+            <a:r>
+              <a:rPr lang="en-GB" sz="2000" dirty="0" smtClean="0"/>
+              <a:t> </a:t>
+            </a:r>
+            <a:r>
+              <a:rPr lang="en-GB" sz="2000" dirty="0" smtClean="0"/>
+              <a:t>components as </a:t>
+            </a:r>
+            <a:r>
+              <a:rPr lang="en-GB" sz="2000" dirty="0" smtClean="0"/>
+              <a:t>boot-, dispatch-, external-, timed-, </a:t>
+            </a:r>
+            <a:r>
+              <a:rPr lang="en-GB" sz="2000" dirty="0" smtClean="0"/>
+              <a:t>and </a:t>
+            </a:r>
+            <a:r>
+              <a:rPr lang="en-GB" sz="2000" dirty="0" smtClean="0"/>
+              <a:t>regular components.</a:t>
             </a:r>
             <a:r>
               <a:rPr lang="en-GB" sz="2000" dirty="0" smtClean="0">
@@ -7608,7 +8223,27 @@
             <a:pPr marL="514350" indent="-457200"/>
             <a:r>
               <a:rPr lang="en-GB" sz="2400" dirty="0" smtClean="0"/>
-              <a:t>Each step add model details and pragmatic annotations to the CPN model elements.</a:t>
+              <a:t>Each step </a:t>
+            </a:r>
+            <a:r>
+              <a:rPr lang="en-GB" sz="2400" dirty="0" smtClean="0"/>
+              <a:t>adds </a:t>
+            </a:r>
+            <a:r>
+              <a:rPr lang="en-GB" sz="2400" dirty="0" smtClean="0"/>
+              <a:t>model details and </a:t>
+            </a:r>
+            <a:r>
+              <a:rPr lang="en-GB" sz="2400" dirty="0" smtClean="0">
+                <a:solidFill>
+                  <a:srgbClr val="0070C0"/>
+                </a:solidFill>
+              </a:rPr>
+              <a:t>pragmatic annotations</a:t>
+            </a:r>
+            <a:r>
+              <a:rPr lang="en-GB" sz="2400" dirty="0" smtClean="0"/>
+              <a:t> to the CPN model elements.</a:t>
             </a:r>
             <a:endParaRPr lang="en-GB" sz="2400" dirty="0"/>
           </a:p>
@@ -7617,7 +8252,7 @@
     </p:spTree>
     <p:extLst>
       <p:ext uri="{BB962C8B-B14F-4D97-AF65-F5344CB8AC3E}">
-        <p14:creationId xmlns:p14="http://schemas.microsoft.com/office/powerpoint/2010/main" val="909708012"/>
+        <p14:creationId xmlns:p14="http://schemas.microsoft.com/office/powerpoint/2010/main" xmlns="" val="909708012"/>
       </p:ext>
     </p:extLst>
   </p:cSld>
@@ -7661,16 +8296,21 @@
             <p:ph type="title"/>
           </p:nvPr>
         </p:nvSpPr>
-        <p:spPr/>
+        <p:spPr>
+          <a:xfrm>
+            <a:off x="495300" y="120263"/>
+            <a:ext cx="8915400" cy="1143000"/>
+          </a:xfrm>
+        </p:spPr>
         <p:txBody>
           <a:bodyPr/>
           <a:lstStyle/>
           <a:p>
             <a:r>
-              <a:rPr lang="en-GB" smtClean="0"/>
-              <a:t>Pragmatics</a:t>
-            </a:r>
-            <a:endParaRPr lang="en-GB"/>
+              <a:rPr lang="en-GB" dirty="0" smtClean="0"/>
+              <a:t>Pragmatic Annotations</a:t>
+            </a:r>
+            <a:endParaRPr lang="en-GB" dirty="0"/>
           </a:p>
         </p:txBody>
       </p:sp>
@@ -7686,8 +8326,8 @@
         </p:nvSpPr>
         <p:spPr>
           <a:xfrm>
-            <a:off x="542800" y="1260650"/>
-            <a:ext cx="8915400" cy="792113"/>
+            <a:off x="6465168" y="1743760"/>
+            <a:ext cx="3168352" cy="3024336"/>
           </a:xfrm>
         </p:spPr>
         <p:txBody>
@@ -7695,15 +8335,109 @@
           <a:lstStyle/>
           <a:p>
             <a:r>
-              <a:rPr lang="en-GB" sz="2400" dirty="0" smtClean="0"/>
-              <a:t>Syntactical annotation added to the model in order to later direct the code generation.</a:t>
-            </a:r>
-          </a:p>
-          <a:p>
-            <a:endParaRPr lang="en-GB" sz="2400" dirty="0" smtClean="0"/>
-          </a:p>
-          <a:p>
-            <a:endParaRPr lang="en-GB" sz="2400" dirty="0"/>
+              <a:rPr lang="en-GB" sz="1600" dirty="0" smtClean="0">
+                <a:solidFill>
+                  <a:srgbClr val="0070C0"/>
+                </a:solidFill>
+              </a:rPr>
+              <a:t>Syntactical </a:t>
+            </a:r>
+            <a:r>
+              <a:rPr lang="en-GB" sz="1600" dirty="0" smtClean="0">
+                <a:solidFill>
+                  <a:srgbClr val="0070C0"/>
+                </a:solidFill>
+              </a:rPr>
+              <a:t>annotations </a:t>
+            </a:r>
+            <a:r>
+              <a:rPr lang="en-GB" sz="1600" dirty="0" smtClean="0"/>
+              <a:t>added to </a:t>
+            </a:r>
+            <a:r>
+              <a:rPr lang="en-GB" sz="1600" dirty="0" smtClean="0"/>
+              <a:t>CPN </a:t>
+            </a:r>
+            <a:r>
+              <a:rPr lang="en-GB" sz="1600" dirty="0" smtClean="0"/>
+              <a:t>model</a:t>
+            </a:r>
+            <a:r>
+              <a:rPr lang="en-GB" sz="1600" dirty="0" smtClean="0"/>
+              <a:t> </a:t>
+            </a:r>
+            <a:r>
+              <a:rPr lang="en-GB" sz="1600" dirty="0" smtClean="0"/>
+              <a:t>elements.</a:t>
+            </a:r>
+          </a:p>
+          <a:p>
+            <a:r>
+              <a:rPr lang="en-GB" sz="1600" dirty="0" smtClean="0"/>
+              <a:t>Adds </a:t>
+            </a:r>
+            <a:r>
+              <a:rPr lang="en-GB" sz="1600" dirty="0" smtClean="0">
+                <a:solidFill>
+                  <a:srgbClr val="0070C0"/>
+                </a:solidFill>
+              </a:rPr>
+              <a:t>platform dependent elements </a:t>
+            </a:r>
+            <a:r>
+              <a:rPr lang="en-GB" sz="1600" dirty="0" smtClean="0"/>
+              <a:t>to the CPN model.</a:t>
+            </a:r>
+          </a:p>
+          <a:p>
+            <a:r>
+              <a:rPr lang="en-GB" sz="1600" dirty="0" smtClean="0"/>
+              <a:t>Used </a:t>
+            </a:r>
+            <a:r>
+              <a:rPr lang="en-GB" sz="1600" dirty="0" smtClean="0"/>
+              <a:t>to direct </a:t>
+            </a:r>
+            <a:r>
+              <a:rPr lang="en-GB" sz="1600" dirty="0" smtClean="0"/>
+              <a:t>the code </a:t>
+            </a:r>
+            <a:r>
+              <a:rPr lang="en-GB" sz="1600" dirty="0" smtClean="0"/>
+              <a:t>generation via binding to </a:t>
+            </a:r>
+            <a:r>
+              <a:rPr lang="en-GB" sz="1600" dirty="0" smtClean="0">
+                <a:solidFill>
+                  <a:srgbClr val="0070C0"/>
+                </a:solidFill>
+              </a:rPr>
+              <a:t>code generation templates</a:t>
+            </a:r>
+            <a:r>
+              <a:rPr lang="en-GB" sz="1600" dirty="0" smtClean="0"/>
+              <a:t>.</a:t>
+            </a:r>
+          </a:p>
+          <a:p>
+            <a:r>
+              <a:rPr lang="en-GB" sz="1600" dirty="0" smtClean="0"/>
+              <a:t>Bridges the gap between the a platform independent model and the target platform</a:t>
+            </a:r>
+            <a:r>
+              <a:rPr lang="en-GB" sz="1600" dirty="0" smtClean="0"/>
+              <a:t>.</a:t>
+            </a:r>
+            <a:endParaRPr lang="en-GB" sz="1600" dirty="0" smtClean="0"/>
+          </a:p>
+          <a:p>
+            <a:endParaRPr lang="en-GB" sz="1600" dirty="0" smtClean="0"/>
+          </a:p>
+          <a:p>
+            <a:endParaRPr lang="en-GB" sz="1600" dirty="0" smtClean="0"/>
+          </a:p>
+          <a:p>
+            <a:endParaRPr lang="en-GB" sz="1600" dirty="0"/>
           </a:p>
         </p:txBody>
       </p:sp>
@@ -7717,8 +8451,8 @@
         </p:nvSpPr>
         <p:spPr bwMode="auto">
           <a:xfrm>
-            <a:off x="540825" y="5252192"/>
-            <a:ext cx="8915400" cy="792113"/>
+            <a:off x="6465168" y="3861048"/>
+            <a:ext cx="3096344" cy="1152128"/>
           </a:xfrm>
           <a:prstGeom prst="rect">
             <a:avLst/>
@@ -7913,29 +8647,54 @@
             </a:lvl9pPr>
           </a:lstStyle>
           <a:p>
-            <a:r>
-              <a:rPr lang="en-GB" sz="2400" kern="0" dirty="0" smtClean="0"/>
-              <a:t>Allows for bridging the gap between platform independent models and target platform.</a:t>
-            </a:r>
-          </a:p>
-          <a:p>
-            <a:endParaRPr lang="en-GB" sz="2400" kern="0" dirty="0" smtClean="0"/>
-          </a:p>
-          <a:p>
-            <a:endParaRPr lang="en-GB" sz="2400" kern="0" dirty="0"/>
+            <a:endParaRPr lang="en-GB" sz="1600" kern="0" dirty="0" smtClean="0"/>
+          </a:p>
+          <a:p>
+            <a:endParaRPr lang="en-GB" sz="1600" kern="0" dirty="0"/>
           </a:p>
         </p:txBody>
       </p:sp>
+      <p:pic>
+        <p:nvPicPr>
+          <p:cNvPr id="9" name="Picture 8" descr="RPLProtocolPragms.eps"/>
+          <p:cNvPicPr>
+            <a:picLocks noChangeAspect="1"/>
+          </p:cNvPicPr>
+          <p:nvPr/>
+        </p:nvPicPr>
+        <p:blipFill>
+          <a:blip r:embed="rId2" cstate="print"/>
+          <a:stretch>
+            <a:fillRect/>
+          </a:stretch>
+        </p:blipFill>
+        <p:spPr>
+          <a:xfrm>
+            <a:off x="238371" y="1051978"/>
+            <a:ext cx="6466572" cy="4926221"/>
+          </a:xfrm>
+          <a:prstGeom prst="rect">
+            <a:avLst/>
+          </a:prstGeom>
+        </p:spPr>
+      </p:pic>
     </p:spTree>
     <p:extLst>
       <p:ext uri="{BB962C8B-B14F-4D97-AF65-F5344CB8AC3E}">
-        <p14:creationId xmlns:p14="http://schemas.microsoft.com/office/powerpoint/2010/main" val="1204242304"/>
+        <p14:creationId xmlns:p14="http://schemas.microsoft.com/office/powerpoint/2010/main" xmlns="" val="1204242304"/>
       </p:ext>
     </p:extLst>
   </p:cSld>
   <p:clrMapOvr>
     <a:masterClrMapping/>
   </p:clrMapOvr>
+  <p:timing>
+    <p:tnLst>
+      <p:par>
+        <p:cTn id="1" dur="indefinite" restart="never" nodeType="tmRoot"/>
+      </p:par>
+    </p:tnLst>
+  </p:timing>
 </p:sld>
 </file>
 
@@ -7993,25 +8752,105 @@
             <p:ph idx="1"/>
           </p:nvPr>
         </p:nvSpPr>
-        <p:spPr/>
+        <p:spPr>
+          <a:xfrm>
+            <a:off x="495300" y="1236900"/>
+            <a:ext cx="8915400" cy="3671888"/>
+          </a:xfrm>
+        </p:spPr>
         <p:txBody>
           <a:bodyPr/>
           <a:lstStyle/>
           <a:p>
-            <a:endParaRPr lang="nb-NO"/>
+            <a:r>
+              <a:rPr lang="nb-NO" sz="2400" dirty="0" smtClean="0"/>
+              <a:t>Identifies components and interfaces used and provided at the top-level of the CPN model:</a:t>
+            </a:r>
+            <a:endParaRPr lang="nb-NO" sz="2400" dirty="0"/>
           </a:p>
         </p:txBody>
       </p:sp>
+      <p:pic>
+        <p:nvPicPr>
+          <p:cNvPr id="1027" name="Picture 3"/>
+          <p:cNvPicPr>
+            <a:picLocks noChangeAspect="1" noChangeArrowheads="1"/>
+          </p:cNvPicPr>
+          <p:nvPr/>
+        </p:nvPicPr>
+        <p:blipFill>
+          <a:blip r:embed="rId2" cstate="print"/>
+          <a:srcRect/>
+          <a:stretch>
+            <a:fillRect/>
+          </a:stretch>
+        </p:blipFill>
+        <p:spPr bwMode="auto">
+          <a:xfrm>
+            <a:off x="910951" y="2048973"/>
+            <a:ext cx="4497098" cy="4176464"/>
+          </a:xfrm>
+          <a:prstGeom prst="rect">
+            <a:avLst/>
+          </a:prstGeom>
+          <a:noFill/>
+          <a:ln w="9525">
+            <a:noFill/>
+            <a:miter lim="800000"/>
+            <a:headEnd/>
+            <a:tailEnd/>
+          </a:ln>
+        </p:spPr>
+      </p:pic>
+      <p:pic>
+        <p:nvPicPr>
+          <p:cNvPr id="1028" name="Picture 4"/>
+          <p:cNvPicPr>
+            <a:picLocks noChangeAspect="1" noChangeArrowheads="1"/>
+          </p:cNvPicPr>
+          <p:nvPr/>
+        </p:nvPicPr>
+        <p:blipFill>
+          <a:blip r:embed="rId3" cstate="print"/>
+          <a:srcRect/>
+          <a:stretch>
+            <a:fillRect/>
+          </a:stretch>
+        </p:blipFill>
+        <p:spPr bwMode="auto">
+          <a:xfrm>
+            <a:off x="5359782" y="2828428"/>
+            <a:ext cx="4182466" cy="2232248"/>
+          </a:xfrm>
+          <a:prstGeom prst="rect">
+            <a:avLst/>
+          </a:prstGeom>
+          <a:noFill/>
+          <a:ln w="9525">
+            <a:noFill/>
+            <a:miter lim="800000"/>
+            <a:headEnd/>
+            <a:tailEnd/>
+          </a:ln>
+        </p:spPr>
+      </p:pic>
     </p:spTree>
     <p:extLst>
       <p:ext uri="{BB962C8B-B14F-4D97-AF65-F5344CB8AC3E}">
-        <p14:creationId xmlns:p14="http://schemas.microsoft.com/office/powerpoint/2010/main" val="3300285584"/>
+        <p14:creationId xmlns:p14="http://schemas.microsoft.com/office/powerpoint/2010/main" xmlns="" val="3300285584"/>
       </p:ext>
     </p:extLst>
   </p:cSld>
   <p:clrMapOvr>
     <a:masterClrMapping/>
   </p:clrMapOvr>
+  <p:timing>
+    <p:tnLst>
+      <p:par>
+        <p:cTn id="1" dur="indefinite" restart="never" nodeType="tmRoot"/>
+      </p:par>
+    </p:tnLst>
+  </p:timing>
 </p:sld>
 </file>
 
@@ -8048,14 +8887,14 @@
           <a:lstStyle/>
           <a:p>
             <a:r>
-              <a:rPr lang="nb-NO" dirty="0" err="1" smtClean="0"/>
-              <a:t>Step</a:t>
-            </a:r>
-            <a:r>
-              <a:rPr lang="nb-NO" dirty="0" smtClean="0"/>
-              <a:t> 2:</a:t>
-            </a:r>
-            <a:endParaRPr lang="nb-NO" dirty="0"/>
+              <a:rPr lang="nb-NO" sz="3600" dirty="0" smtClean="0"/>
+              <a:t>Step 2</a:t>
+            </a:r>
+            <a:r>
+              <a:rPr lang="nb-NO" sz="3600" dirty="0" smtClean="0"/>
+              <a:t>: Interface Conflicts</a:t>
+            </a:r>
+            <a:endParaRPr lang="nb-NO" sz="3600" dirty="0"/>
           </a:p>
         </p:txBody>
       </p:sp>
@@ -8069,25 +8908,105 @@
             <p:ph idx="1"/>
           </p:nvPr>
         </p:nvSpPr>
-        <p:spPr/>
+        <p:spPr>
+          <a:xfrm>
+            <a:off x="495300" y="1236900"/>
+            <a:ext cx="8915400" cy="3671888"/>
+          </a:xfrm>
+        </p:spPr>
         <p:txBody>
           <a:bodyPr/>
           <a:lstStyle/>
           <a:p>
-            <a:endParaRPr lang="nb-NO"/>
+            <a:r>
+              <a:rPr lang="nb-NO" sz="2400" dirty="0" smtClean="0"/>
+              <a:t>Introduces local names for components providing the same interface: </a:t>
+            </a:r>
+            <a:endParaRPr lang="nb-NO" sz="2400" dirty="0"/>
           </a:p>
         </p:txBody>
       </p:sp>
+      <p:pic>
+        <p:nvPicPr>
+          <p:cNvPr id="2050" name="Picture 2"/>
+          <p:cNvPicPr>
+            <a:picLocks noChangeAspect="1" noChangeArrowheads="1"/>
+          </p:cNvPicPr>
+          <p:nvPr/>
+        </p:nvPicPr>
+        <p:blipFill>
+          <a:blip r:embed="rId2" cstate="print"/>
+          <a:srcRect/>
+          <a:stretch>
+            <a:fillRect/>
+          </a:stretch>
+        </p:blipFill>
+        <p:spPr bwMode="auto">
+          <a:xfrm>
+            <a:off x="4880234" y="3189226"/>
+            <a:ext cx="4951919" cy="2088232"/>
+          </a:xfrm>
+          <a:prstGeom prst="rect">
+            <a:avLst/>
+          </a:prstGeom>
+          <a:noFill/>
+          <a:ln w="9525">
+            <a:noFill/>
+            <a:miter lim="800000"/>
+            <a:headEnd/>
+            <a:tailEnd/>
+          </a:ln>
+        </p:spPr>
+      </p:pic>
+      <p:pic>
+        <p:nvPicPr>
+          <p:cNvPr id="2051" name="Picture 3"/>
+          <p:cNvPicPr>
+            <a:picLocks noChangeAspect="1" noChangeArrowheads="1"/>
+          </p:cNvPicPr>
+          <p:nvPr/>
+        </p:nvPicPr>
+        <p:blipFill>
+          <a:blip r:embed="rId3" cstate="print"/>
+          <a:srcRect/>
+          <a:stretch>
+            <a:fillRect/>
+          </a:stretch>
+        </p:blipFill>
+        <p:spPr bwMode="auto">
+          <a:xfrm>
+            <a:off x="272480" y="2276872"/>
+            <a:ext cx="4608512" cy="3833906"/>
+          </a:xfrm>
+          <a:prstGeom prst="rect">
+            <a:avLst/>
+          </a:prstGeom>
+          <a:noFill/>
+          <a:ln w="9525">
+            <a:noFill/>
+            <a:miter lim="800000"/>
+            <a:headEnd/>
+            <a:tailEnd/>
+          </a:ln>
+        </p:spPr>
+      </p:pic>
     </p:spTree>
     <p:extLst>
       <p:ext uri="{BB962C8B-B14F-4D97-AF65-F5344CB8AC3E}">
-        <p14:creationId xmlns:p14="http://schemas.microsoft.com/office/powerpoint/2010/main" val="4087012934"/>
+        <p14:creationId xmlns:p14="http://schemas.microsoft.com/office/powerpoint/2010/main" xmlns="" val="4087012934"/>
       </p:ext>
     </p:extLst>
   </p:cSld>
   <p:clrMapOvr>
     <a:masterClrMapping/>
   </p:clrMapOvr>
+  <p:timing>
+    <p:tnLst>
+      <p:par>
+        <p:cTn id="1" dur="indefinite" restart="never" nodeType="tmRoot"/>
+      </p:par>
+    </p:tnLst>
+  </p:timing>
 </p:sld>
 </file>
 

--- a/LMKPNSE2013.pptx
+++ b/LMKPNSE2013.pptx
@@ -5,10 +5,10 @@
     <p:sldMasterId id="2147483648" r:id="rId1"/>
   </p:sldMasterIdLst>
   <p:notesMasterIdLst>
-    <p:notesMasterId r:id="rId16"/>
+    <p:notesMasterId r:id="rId18"/>
   </p:notesMasterIdLst>
   <p:handoutMasterIdLst>
-    <p:handoutMasterId r:id="rId17"/>
+    <p:handoutMasterId r:id="rId19"/>
   </p:handoutMasterIdLst>
   <p:sldIdLst>
     <p:sldId id="276" r:id="rId2"/>
@@ -25,6 +25,8 @@
     <p:sldId id="285" r:id="rId13"/>
     <p:sldId id="287" r:id="rId14"/>
     <p:sldId id="290" r:id="rId15"/>
+    <p:sldId id="292" r:id="rId16"/>
+    <p:sldId id="293" r:id="rId17"/>
   </p:sldIdLst>
   <p:sldSz cx="9906000" cy="6858000" type="A4"/>
   <p:notesSz cx="6811963" cy="9942513"/>
@@ -4390,7 +4392,7 @@
         </p:nvSpPr>
         <p:spPr>
           <a:xfrm>
-            <a:off x="657195" y="764704"/>
+            <a:off x="716569" y="515329"/>
             <a:ext cx="8966800" cy="1736830"/>
           </a:xfrm>
         </p:spPr>
@@ -4426,7 +4428,7 @@
         </p:nvSpPr>
         <p:spPr>
           <a:xfrm>
-            <a:off x="657194" y="4585959"/>
+            <a:off x="716569" y="4918459"/>
             <a:ext cx="8760302" cy="1226548"/>
           </a:xfrm>
         </p:spPr>
@@ -4440,19 +4442,19 @@
               </a:spcBef>
             </a:pPr>
             <a:r>
-              <a:rPr lang="en-GB" sz="2000" dirty="0" err="1" smtClean="0"/>
+              <a:rPr lang="en-GB" sz="1800" dirty="0" err="1" smtClean="0"/>
               <a:t>Vegard</a:t>
             </a:r>
             <a:r>
-              <a:rPr lang="en-GB" sz="2000" dirty="0" smtClean="0"/>
+              <a:rPr lang="en-GB" sz="1800" dirty="0" smtClean="0"/>
               <a:t> </a:t>
             </a:r>
             <a:r>
-              <a:rPr lang="en-GB" sz="2000" dirty="0" err="1" smtClean="0"/>
+              <a:rPr lang="en-GB" sz="1800" dirty="0" err="1" smtClean="0"/>
               <a:t>Veiset</a:t>
             </a:r>
             <a:r>
-              <a:rPr lang="en-GB" sz="2000" dirty="0" smtClean="0"/>
+              <a:rPr lang="en-GB" sz="1800" dirty="0" smtClean="0"/>
               <a:t> and Lars M. Kristensen</a:t>
             </a:r>
           </a:p>
@@ -4463,7 +4465,7 @@
               </a:spcBef>
             </a:pPr>
             <a:r>
-              <a:rPr lang="en-GB" sz="2000" dirty="0" smtClean="0"/>
+              <a:rPr lang="en-GB" sz="1800" dirty="0" smtClean="0"/>
               <a:t>Department of Computing</a:t>
             </a:r>
           </a:p>
@@ -4474,7 +4476,7 @@
               </a:spcBef>
             </a:pPr>
             <a:r>
-              <a:rPr lang="en-GB" sz="2000" dirty="0" smtClean="0"/>
+              <a:rPr lang="en-GB" sz="1800" dirty="0" smtClean="0"/>
               <a:t>Bergen University College of Applied Sciences, NORWAY</a:t>
             </a:r>
           </a:p>
@@ -4485,30 +4487,30 @@
               </a:spcBef>
             </a:pPr>
             <a:r>
-              <a:rPr lang="en-GB" sz="1600" dirty="0" smtClean="0"/>
+              <a:rPr lang="en-GB" sz="1400" dirty="0" smtClean="0"/>
               <a:t>Email: </a:t>
             </a:r>
             <a:r>
-              <a:rPr lang="en-GB" sz="1600" dirty="0" smtClean="0">
+              <a:rPr lang="en-GB" sz="1400" dirty="0" smtClean="0">
                 <a:hlinkClick r:id="rId3"/>
               </a:rPr>
               <a:t>vegard.veiset@stud.hib.no</a:t>
             </a:r>
             <a:r>
-              <a:rPr lang="en-GB" sz="1600" dirty="0" smtClean="0"/>
+              <a:rPr lang="en-GB" sz="1400" dirty="0" smtClean="0"/>
               <a:t> / </a:t>
             </a:r>
             <a:r>
-              <a:rPr lang="en-GB" sz="1600" dirty="0" smtClean="0">
+              <a:rPr lang="en-GB" sz="1400" dirty="0" smtClean="0">
                 <a:hlinkClick r:id="rId4"/>
               </a:rPr>
               <a:t>lmkr@hib.no</a:t>
             </a:r>
             <a:r>
-              <a:rPr lang="en-GB" sz="1600" dirty="0" smtClean="0"/>
+              <a:rPr lang="en-GB" sz="1400" dirty="0" smtClean="0"/>
               <a:t> </a:t>
             </a:r>
-            <a:endParaRPr lang="en-GB" sz="2000" dirty="0"/>
+            <a:endParaRPr lang="en-GB" sz="1800" dirty="0"/>
           </a:p>
         </p:txBody>
       </p:sp>
@@ -4534,8 +4536,8 @@
         </p:blipFill>
         <p:spPr>
           <a:xfrm>
-            <a:off x="1007467" y="2613162"/>
-            <a:ext cx="1876783" cy="1705200"/>
+            <a:off x="1192920" y="2527763"/>
+            <a:ext cx="2165990" cy="1967966"/>
           </a:xfrm>
           <a:prstGeom prst="rect">
             <a:avLst/>
@@ -4565,8 +4567,8 @@
         </p:blipFill>
         <p:spPr bwMode="auto">
           <a:xfrm>
-            <a:off x="3751856" y="2873603"/>
-            <a:ext cx="3042472" cy="1250211"/>
+            <a:off x="4448945" y="3426727"/>
+            <a:ext cx="2218856" cy="911771"/>
           </a:xfrm>
           <a:prstGeom prst="rect">
             <a:avLst/>
@@ -4731,8 +4733,8 @@
         </p:blipFill>
         <p:spPr bwMode="auto">
           <a:xfrm>
-            <a:off x="7545288" y="2921103"/>
-            <a:ext cx="1928813" cy="1095375"/>
+            <a:off x="7545288" y="2909229"/>
+            <a:ext cx="1759673" cy="999320"/>
           </a:xfrm>
           <a:prstGeom prst="rect">
             <a:avLst/>
@@ -4749,6 +4751,136 @@
           </a:extLst>
         </p:spPr>
       </p:pic>
+      <p:pic>
+        <p:nvPicPr>
+          <p:cNvPr id="10" name="Picture 4"/>
+          <p:cNvPicPr>
+            <a:picLocks noChangeAspect="1" noChangeArrowheads="1"/>
+          </p:cNvPicPr>
+          <p:nvPr/>
+        </p:nvPicPr>
+        <p:blipFill>
+          <a:blip r:embed="rId8" cstate="print"/>
+          <a:srcRect/>
+          <a:stretch>
+            <a:fillRect/>
+          </a:stretch>
+        </p:blipFill>
+        <p:spPr bwMode="auto">
+          <a:xfrm>
+            <a:off x="4050247" y="2611647"/>
+            <a:ext cx="1935955" cy="1033250"/>
+          </a:xfrm>
+          <a:prstGeom prst="rect">
+            <a:avLst/>
+          </a:prstGeom>
+          <a:noFill/>
+          <a:ln w="12700">
+            <a:solidFill>
+              <a:srgbClr val="0070C0"/>
+            </a:solidFill>
+            <a:miter lim="800000"/>
+            <a:headEnd/>
+            <a:tailEnd/>
+          </a:ln>
+        </p:spPr>
+      </p:pic>
+      <p:cxnSp>
+        <p:nvCxnSpPr>
+          <p:cNvPr id="12" name="Straight Arrow Connector 11"/>
+          <p:cNvCxnSpPr/>
+          <p:nvPr/>
+        </p:nvCxnSpPr>
+        <p:spPr bwMode="auto">
+          <a:xfrm flipV="1">
+            <a:off x="3296816" y="3501008"/>
+            <a:ext cx="648072" cy="10738"/>
+          </a:xfrm>
+          <a:prstGeom prst="straightConnector1">
+            <a:avLst/>
+          </a:prstGeom>
+          <a:solidFill>
+            <a:schemeClr val="accent1"/>
+          </a:solidFill>
+          <a:ln w="25400" cap="flat" cmpd="sng" algn="ctr">
+            <a:solidFill>
+              <a:srgbClr val="C00000"/>
+            </a:solidFill>
+            <a:prstDash val="sysDash"/>
+            <a:round/>
+            <a:headEnd type="none" w="med" len="med"/>
+            <a:tailEnd type="arrow"/>
+          </a:ln>
+          <a:effectLst/>
+        </p:spPr>
+      </p:cxnSp>
+      <p:cxnSp>
+        <p:nvCxnSpPr>
+          <p:cNvPr id="19" name="Straight Arrow Connector 18"/>
+          <p:cNvCxnSpPr/>
+          <p:nvPr/>
+        </p:nvCxnSpPr>
+        <p:spPr bwMode="auto">
+          <a:xfrm flipV="1">
+            <a:off x="6788825" y="3501008"/>
+            <a:ext cx="648072" cy="10738"/>
+          </a:xfrm>
+          <a:prstGeom prst="straightConnector1">
+            <a:avLst/>
+          </a:prstGeom>
+          <a:solidFill>
+            <a:schemeClr val="accent1"/>
+          </a:solidFill>
+          <a:ln w="25400" cap="flat" cmpd="sng" algn="ctr">
+            <a:solidFill>
+              <a:srgbClr val="C00000"/>
+            </a:solidFill>
+            <a:prstDash val="sysDash"/>
+            <a:round/>
+            <a:headEnd type="none" w="med" len="med"/>
+            <a:tailEnd type="arrow"/>
+          </a:ln>
+          <a:effectLst/>
+        </p:spPr>
+      </p:cxnSp>
+      <p:sp>
+        <p:nvSpPr>
+          <p:cNvPr id="20" name="TextBox 19"/>
+          <p:cNvSpPr txBox="1"/>
+          <p:nvPr/>
+        </p:nvSpPr>
+        <p:spPr>
+          <a:xfrm>
+            <a:off x="3464582" y="3069718"/>
+            <a:ext cx="432048" cy="461665"/>
+          </a:xfrm>
+          <a:prstGeom prst="rect">
+            <a:avLst/>
+          </a:prstGeom>
+          <a:noFill/>
+        </p:spPr>
+        <p:txBody>
+          <a:bodyPr wrap="square" rtlCol="0">
+            <a:spAutoFit/>
+          </a:bodyPr>
+          <a:lstStyle/>
+          <a:p>
+            <a:r>
+              <a:rPr lang="da-DK" sz="2400" dirty="0" smtClean="0">
+                <a:solidFill>
+                  <a:srgbClr val="C00000"/>
+                </a:solidFill>
+              </a:rPr>
+              <a:t>?</a:t>
+            </a:r>
+            <a:endParaRPr lang="da-DK" sz="2400" dirty="0">
+              <a:solidFill>
+                <a:srgbClr val="C00000"/>
+              </a:solidFill>
+            </a:endParaRPr>
+          </a:p>
+        </p:txBody>
+      </p:sp>
     </p:spTree>
   </p:cSld>
   <p:clrMapOvr>
@@ -5219,7 +5351,7 @@
           <a:p>
             <a:r>
               <a:rPr lang="nb-NO" sz="2400" dirty="0" smtClean="0"/>
-              <a:t>Makes explicit control flow and data access in commands and events:</a:t>
+              <a:t>Makes explicit control flow and data access in command and event implementation:</a:t>
             </a:r>
             <a:endParaRPr lang="nb-NO" sz="2400" dirty="0"/>
           </a:p>
@@ -5241,7 +5373,7 @@
         </p:blipFill>
         <p:spPr>
           <a:xfrm>
-            <a:off x="992560" y="1988840"/>
+            <a:off x="909435" y="1988840"/>
             <a:ext cx="4112157" cy="4176464"/>
           </a:xfrm>
           <a:prstGeom prst="rect">
@@ -6060,7 +6192,19 @@
           <a:p>
             <a:r>
               <a:rPr lang="en-GB" sz="2400" dirty="0" smtClean="0"/>
-              <a:t>A semi-automatic approach to code generation for the </a:t>
+              <a:t>A </a:t>
+            </a:r>
+            <a:r>
+              <a:rPr lang="en-GB" sz="2400" dirty="0" smtClean="0">
+                <a:solidFill>
+                  <a:srgbClr val="C00000"/>
+                </a:solidFill>
+              </a:rPr>
+              <a:t>semi-automatic approach to code generation </a:t>
+            </a:r>
+            <a:r>
+              <a:rPr lang="en-GB" sz="2400" dirty="0" smtClean="0"/>
+              <a:t>for the </a:t>
             </a:r>
             <a:r>
               <a:rPr lang="en-GB" sz="2400" dirty="0" err="1" smtClean="0"/>
@@ -6088,7 +6232,19 @@
           <a:p>
             <a:r>
               <a:rPr lang="en-GB" sz="2400" dirty="0" smtClean="0"/>
-              <a:t>The approach has been validated on the IETF RPL routing protocol for sensor networks.</a:t>
+              <a:t>The </a:t>
+            </a:r>
+            <a:r>
+              <a:rPr lang="en-GB" sz="2400" dirty="0" smtClean="0">
+                <a:solidFill>
+                  <a:srgbClr val="C00000"/>
+                </a:solidFill>
+              </a:rPr>
+              <a:t>approach has been validated </a:t>
+            </a:r>
+            <a:r>
+              <a:rPr lang="en-GB" sz="2400" dirty="0" smtClean="0"/>
+              <a:t>on the IETF RPL routing protocol for sensor networks.</a:t>
             </a:r>
           </a:p>
           <a:p>
@@ -6124,6 +6280,514 @@
         <p14:creationId xmlns:p14="http://schemas.microsoft.com/office/powerpoint/2010/main" xmlns="" val="1108063821"/>
       </p:ext>
     </p:extLst>
+  </p:cSld>
+  <p:clrMapOvr>
+    <a:masterClrMapping/>
+  </p:clrMapOvr>
+  <p:timing>
+    <p:tnLst>
+      <p:par>
+        <p:cTn id="1" dur="indefinite" restart="never" nodeType="tmRoot"/>
+      </p:par>
+    </p:tnLst>
+  </p:timing>
+</p:sld>
+</file>
+
+<file path=ppt/slides/slide15.xml><?xml version="1.0" encoding="utf-8"?>
+<p:sld xmlns:a="http://schemas.openxmlformats.org/drawingml/2006/main" xmlns:r="http://schemas.openxmlformats.org/officeDocument/2006/relationships" xmlns:p="http://schemas.openxmlformats.org/presentationml/2006/main">
+  <p:cSld>
+    <p:spTree>
+      <p:nvGrpSpPr>
+        <p:cNvPr id="1" name=""/>
+        <p:cNvGrpSpPr/>
+        <p:nvPr/>
+      </p:nvGrpSpPr>
+      <p:grpSpPr>
+        <a:xfrm>
+          <a:off x="0" y="0"/>
+          <a:ext cx="0" cy="0"/>
+          <a:chOff x="0" y="0"/>
+          <a:chExt cx="0" cy="0"/>
+        </a:xfrm>
+      </p:grpSpPr>
+      <p:sp>
+        <p:nvSpPr>
+          <p:cNvPr id="2" name="Title 1"/>
+          <p:cNvSpPr>
+            <a:spLocks noGrp="1"/>
+          </p:cNvSpPr>
+          <p:nvPr>
+            <p:ph type="title"/>
+          </p:nvPr>
+        </p:nvSpPr>
+        <p:spPr/>
+        <p:txBody>
+          <a:bodyPr/>
+          <a:lstStyle/>
+          <a:p>
+            <a:r>
+              <a:rPr lang="da-DK" dirty="0" smtClean="0"/>
+              <a:t>References</a:t>
+            </a:r>
+            <a:endParaRPr lang="da-DK" dirty="0"/>
+          </a:p>
+        </p:txBody>
+      </p:sp>
+      <p:sp>
+        <p:nvSpPr>
+          <p:cNvPr id="3" name="Content Placeholder 2"/>
+          <p:cNvSpPr>
+            <a:spLocks noGrp="1"/>
+          </p:cNvSpPr>
+          <p:nvPr>
+            <p:ph idx="1"/>
+          </p:nvPr>
+        </p:nvSpPr>
+        <p:spPr>
+          <a:xfrm>
+            <a:off x="495300" y="1284400"/>
+            <a:ext cx="8850188" cy="4713138"/>
+          </a:xfrm>
+        </p:spPr>
+        <p:txBody>
+          <a:bodyPr/>
+          <a:lstStyle/>
+          <a:p>
+            <a:r>
+              <a:rPr lang="en-US" sz="1600" dirty="0" smtClean="0"/>
+              <a:t>T. Winter et. al. RPL: IPv6 Routing Protocol for Low-Power and </a:t>
+            </a:r>
+            <a:r>
+              <a:rPr lang="en-US" sz="1600" dirty="0" err="1" smtClean="0"/>
+              <a:t>Lossy</a:t>
+            </a:r>
+            <a:r>
+              <a:rPr lang="en-US" sz="1600" dirty="0" smtClean="0"/>
+              <a:t> </a:t>
+            </a:r>
+            <a:r>
+              <a:rPr lang="en-US" sz="1600" dirty="0" smtClean="0"/>
+              <a:t>Networks. </a:t>
+            </a:r>
+            <a:r>
+              <a:rPr lang="da-DK" sz="1600" dirty="0" smtClean="0"/>
+              <a:t>RFC </a:t>
+            </a:r>
+            <a:r>
+              <a:rPr lang="da-DK" sz="1600" dirty="0" smtClean="0"/>
+              <a:t>6550, 2012. Internet Engineering </a:t>
+            </a:r>
+            <a:r>
+              <a:rPr lang="da-DK" sz="1600" dirty="0" err="1" smtClean="0"/>
+              <a:t>Task</a:t>
+            </a:r>
+            <a:r>
+              <a:rPr lang="da-DK" sz="1600" dirty="0" smtClean="0"/>
+              <a:t> Force. </a:t>
+            </a:r>
+            <a:r>
+              <a:rPr lang="da-DK" sz="1600" dirty="0" smtClean="0">
+                <a:hlinkClick r:id="rId2"/>
+              </a:rPr>
+              <a:t>http://</a:t>
+            </a:r>
+            <a:r>
+              <a:rPr lang="da-DK" sz="1600" dirty="0" smtClean="0">
+                <a:hlinkClick r:id="rId2"/>
+              </a:rPr>
+              <a:t>tools.ietf.org/html/rfc6553</a:t>
+            </a:r>
+            <a:r>
+              <a:rPr lang="da-DK" sz="1600" dirty="0" smtClean="0"/>
+              <a:t> </a:t>
+            </a:r>
+            <a:endParaRPr lang="da-DK" sz="1600" dirty="0" smtClean="0"/>
+          </a:p>
+          <a:p>
+            <a:r>
+              <a:rPr lang="en-US" sz="1600" dirty="0" smtClean="0"/>
+              <a:t>K</a:t>
+            </a:r>
+            <a:r>
+              <a:rPr lang="en-US" sz="1600" dirty="0" smtClean="0"/>
+              <a:t>. Jensen, L.M. </a:t>
+            </a:r>
+            <a:r>
+              <a:rPr lang="en-US" sz="1600" dirty="0" err="1" smtClean="0"/>
+              <a:t>Kristensen</a:t>
+            </a:r>
+            <a:r>
+              <a:rPr lang="en-US" sz="1600" dirty="0" smtClean="0"/>
+              <a:t>, and L. Wells. </a:t>
+            </a:r>
+            <a:r>
+              <a:rPr lang="en-US" sz="1600" dirty="0" err="1" smtClean="0"/>
+              <a:t>Coloured</a:t>
+            </a:r>
+            <a:r>
+              <a:rPr lang="en-US" sz="1600" dirty="0" smtClean="0"/>
+              <a:t> Petri Nets and CPN Tools </a:t>
+            </a:r>
+            <a:r>
+              <a:rPr lang="en-US" sz="1600" dirty="0" smtClean="0"/>
+              <a:t>for </a:t>
+            </a:r>
+            <a:r>
+              <a:rPr lang="en-US" sz="1600" dirty="0" err="1" smtClean="0"/>
+              <a:t>Modelling</a:t>
+            </a:r>
+            <a:r>
+              <a:rPr lang="en-US" sz="1600" dirty="0" smtClean="0"/>
+              <a:t> </a:t>
+            </a:r>
+            <a:r>
+              <a:rPr lang="en-US" sz="1600" dirty="0" smtClean="0"/>
+              <a:t>and Validation of Concurrent Systems. </a:t>
+            </a:r>
+            <a:r>
+              <a:rPr lang="en-US" sz="1600" i="1" dirty="0" smtClean="0"/>
+              <a:t>International Journal on </a:t>
+            </a:r>
+            <a:r>
+              <a:rPr lang="en-US" sz="1600" i="1" dirty="0" smtClean="0"/>
+              <a:t>Software Tools </a:t>
+            </a:r>
+            <a:r>
+              <a:rPr lang="en-US" sz="1600" i="1" dirty="0" smtClean="0"/>
+              <a:t>for Technology Transfer, 9(3-4):213–254, 2007.</a:t>
+            </a:r>
+          </a:p>
+          <a:p>
+            <a:r>
+              <a:rPr lang="en-US" sz="1600" dirty="0" smtClean="0"/>
+              <a:t>P</a:t>
+            </a:r>
+            <a:r>
+              <a:rPr lang="en-US" sz="1600" dirty="0" smtClean="0"/>
+              <a:t>. Levis. </a:t>
+            </a:r>
+            <a:r>
+              <a:rPr lang="en-US" sz="1600" i="1" dirty="0" err="1" smtClean="0"/>
+              <a:t>TinyOS</a:t>
+            </a:r>
+            <a:r>
+              <a:rPr lang="en-US" sz="1600" i="1" dirty="0" smtClean="0"/>
+              <a:t> Programming. Cambridge University Press, 2009</a:t>
+            </a:r>
+            <a:r>
+              <a:rPr lang="en-US" sz="1600" i="1" dirty="0" smtClean="0"/>
+              <a:t>. </a:t>
+            </a:r>
+            <a:r>
+              <a:rPr lang="en-US" sz="1600" i="1" dirty="0" smtClean="0">
+                <a:hlinkClick r:id="rId3"/>
+              </a:rPr>
+              <a:t>www.tinyos.net</a:t>
+            </a:r>
+            <a:r>
+              <a:rPr lang="en-US" sz="1600" i="1" dirty="0" smtClean="0"/>
+              <a:t> </a:t>
+            </a:r>
+            <a:endParaRPr lang="en-US" sz="1600" i="1" dirty="0" smtClean="0"/>
+          </a:p>
+          <a:p>
+            <a:r>
+              <a:rPr lang="da-DK" sz="1600" dirty="0" smtClean="0"/>
+              <a:t>K.I.F. Simonsen, L.M. Kristensen, and E. </a:t>
+            </a:r>
+            <a:r>
+              <a:rPr lang="da-DK" sz="1600" dirty="0" err="1" smtClean="0"/>
+              <a:t>Kindler</a:t>
+            </a:r>
+            <a:r>
+              <a:rPr lang="da-DK" sz="1600" dirty="0" smtClean="0"/>
+              <a:t>. </a:t>
+            </a:r>
+            <a:br>
+              <a:rPr lang="da-DK" sz="1600" dirty="0" smtClean="0"/>
+            </a:br>
+            <a:r>
+              <a:rPr lang="da-DK" sz="1600" dirty="0" err="1" smtClean="0"/>
+              <a:t>Code</a:t>
+            </a:r>
+            <a:r>
+              <a:rPr lang="da-DK" sz="1600" dirty="0" smtClean="0"/>
+              <a:t> Generation for </a:t>
+            </a:r>
+            <a:r>
+              <a:rPr lang="da-DK" sz="1600" dirty="0" err="1" smtClean="0"/>
+              <a:t>Protocol</a:t>
+            </a:r>
+            <a:r>
+              <a:rPr lang="da-DK" sz="1600" dirty="0" smtClean="0"/>
+              <a:t> Software from CPN models </a:t>
+            </a:r>
+            <a:r>
+              <a:rPr lang="da-DK" sz="1600" dirty="0" err="1" smtClean="0"/>
+              <a:t>Annotated</a:t>
+            </a:r>
+            <a:r>
+              <a:rPr lang="da-DK" sz="1600" dirty="0" smtClean="0"/>
+              <a:t> </a:t>
+            </a:r>
+            <a:r>
+              <a:rPr lang="da-DK" sz="1600" dirty="0" err="1" smtClean="0"/>
+              <a:t>with</a:t>
+            </a:r>
+            <a:r>
+              <a:rPr lang="da-DK" sz="1600" dirty="0" smtClean="0"/>
+              <a:t> </a:t>
+            </a:r>
+            <a:r>
+              <a:rPr lang="da-DK" sz="1600" dirty="0" err="1" smtClean="0"/>
+              <a:t>Pragmatics</a:t>
+            </a:r>
+            <a:r>
+              <a:rPr lang="da-DK" sz="1600" dirty="0" smtClean="0"/>
+              <a:t>. </a:t>
+            </a:r>
+            <a:r>
+              <a:rPr lang="da-DK" sz="1600" dirty="0" err="1" smtClean="0"/>
+              <a:t>Technical</a:t>
+            </a:r>
+            <a:r>
+              <a:rPr lang="da-DK" sz="1600" dirty="0" smtClean="0"/>
+              <a:t> </a:t>
+            </a:r>
+            <a:r>
+              <a:rPr lang="da-DK" sz="1600" dirty="0" err="1" smtClean="0"/>
+              <a:t>Report</a:t>
+            </a:r>
+            <a:r>
+              <a:rPr lang="da-DK" sz="1600" dirty="0" smtClean="0"/>
+              <a:t> </a:t>
+            </a:r>
+            <a:r>
+              <a:rPr lang="da-DK" sz="1600" dirty="0" err="1" smtClean="0"/>
+              <a:t>IMM-Technical</a:t>
+            </a:r>
+            <a:r>
+              <a:rPr lang="da-DK" sz="1600" dirty="0" smtClean="0"/>
+              <a:t> Reports-2013-01, </a:t>
+            </a:r>
+            <a:r>
+              <a:rPr lang="da-DK" sz="1600" dirty="0" err="1" smtClean="0"/>
+              <a:t>Technical</a:t>
+            </a:r>
+            <a:r>
+              <a:rPr lang="da-DK" sz="1600" dirty="0" smtClean="0"/>
+              <a:t> </a:t>
+            </a:r>
+            <a:r>
+              <a:rPr lang="da-DK" sz="1600" dirty="0" err="1" smtClean="0"/>
+              <a:t>University</a:t>
+            </a:r>
+            <a:r>
+              <a:rPr lang="da-DK" sz="1600" dirty="0" smtClean="0"/>
+              <a:t> of Denmark, DTU </a:t>
+            </a:r>
+            <a:r>
+              <a:rPr lang="da-DK" sz="1600" dirty="0" err="1" smtClean="0"/>
+              <a:t>Informatics</a:t>
+            </a:r>
+            <a:r>
+              <a:rPr lang="da-DK" sz="1600" dirty="0" smtClean="0"/>
+              <a:t>, </a:t>
+            </a:r>
+            <a:r>
+              <a:rPr lang="da-DK" sz="1600" dirty="0" err="1" smtClean="0"/>
+              <a:t>January</a:t>
+            </a:r>
+            <a:r>
+              <a:rPr lang="da-DK" sz="1600" dirty="0" smtClean="0"/>
+              <a:t> 2013. </a:t>
+            </a:r>
+          </a:p>
+          <a:p>
+            <a:r>
+              <a:rPr lang="en-US" sz="1600" dirty="0" smtClean="0"/>
+              <a:t>V</a:t>
+            </a:r>
+            <a:r>
+              <a:rPr lang="en-US" sz="1600" dirty="0" smtClean="0"/>
+              <a:t>. </a:t>
+            </a:r>
+            <a:r>
+              <a:rPr lang="en-US" sz="1600" dirty="0" err="1" smtClean="0"/>
+              <a:t>Veiset</a:t>
+            </a:r>
+            <a:r>
+              <a:rPr lang="en-US" sz="1600" dirty="0" smtClean="0"/>
+              <a:t>. An Approach to Semi-Automatic Code Generation for the </a:t>
+            </a:r>
+            <a:r>
+              <a:rPr lang="en-US" sz="1600" dirty="0" err="1" smtClean="0"/>
+              <a:t>TinyOS</a:t>
+            </a:r>
+            <a:r>
+              <a:rPr lang="en-US" sz="1600" dirty="0" smtClean="0"/>
+              <a:t> </a:t>
+            </a:r>
+            <a:r>
+              <a:rPr lang="en-US" sz="1600" dirty="0" smtClean="0"/>
+              <a:t>Platform using </a:t>
+            </a:r>
+            <a:r>
+              <a:rPr lang="en-US" sz="1600" dirty="0" err="1" smtClean="0"/>
+              <a:t>Coloured</a:t>
+            </a:r>
+            <a:r>
+              <a:rPr lang="en-US" sz="1600" dirty="0" smtClean="0"/>
+              <a:t> Petri Nets. Master’s </a:t>
+            </a:r>
+            <a:r>
+              <a:rPr lang="en-US" sz="1600" dirty="0" smtClean="0"/>
+              <a:t>thesis in software engineering, </a:t>
+            </a:r>
+            <a:r>
+              <a:rPr lang="en-US" sz="1600" dirty="0" smtClean="0"/>
+              <a:t>Bergen University </a:t>
+            </a:r>
+            <a:r>
+              <a:rPr lang="en-US" sz="1600" dirty="0" smtClean="0"/>
+              <a:t>College of Applied Sciences, </a:t>
+            </a:r>
+            <a:r>
+              <a:rPr lang="en-US" sz="1600" dirty="0" smtClean="0"/>
+              <a:t>2013.</a:t>
+            </a:r>
+          </a:p>
+          <a:p>
+            <a:r>
+              <a:rPr lang="en-US" sz="1600" dirty="0" smtClean="0"/>
+              <a:t>M</a:t>
+            </a:r>
+            <a:r>
+              <a:rPr lang="en-US" sz="1600" dirty="0" smtClean="0"/>
+              <a:t>. </a:t>
+            </a:r>
+            <a:r>
+              <a:rPr lang="en-US" sz="1600" dirty="0" err="1" smtClean="0"/>
+              <a:t>Westergaard</a:t>
+            </a:r>
+            <a:r>
+              <a:rPr lang="en-US" sz="1600" dirty="0" smtClean="0"/>
+              <a:t>. Access/CPN 2.0: A High-Level Interface to CPN Models. In </a:t>
+            </a:r>
+            <a:r>
+              <a:rPr lang="en-US" sz="1600" i="1" dirty="0" smtClean="0"/>
+              <a:t>Proc. of </a:t>
+            </a:r>
+            <a:r>
+              <a:rPr lang="en-US" sz="1600" i="1" dirty="0" smtClean="0"/>
+              <a:t>ICATPN’11, volume 6709 of LNCS, pages 328–337. Springer, 2011.</a:t>
+            </a:r>
+            <a:endParaRPr lang="da-DK" sz="1600" dirty="0"/>
+          </a:p>
+        </p:txBody>
+      </p:sp>
+    </p:spTree>
+  </p:cSld>
+  <p:clrMapOvr>
+    <a:masterClrMapping/>
+  </p:clrMapOvr>
+  <p:timing>
+    <p:tnLst>
+      <p:par>
+        <p:cTn id="1" dur="indefinite" restart="never" nodeType="tmRoot"/>
+      </p:par>
+    </p:tnLst>
+  </p:timing>
+</p:sld>
+</file>
+
+<file path=ppt/slides/slide16.xml><?xml version="1.0" encoding="utf-8"?>
+<p:sld xmlns:a="http://schemas.openxmlformats.org/drawingml/2006/main" xmlns:r="http://schemas.openxmlformats.org/officeDocument/2006/relationships" xmlns:p="http://schemas.openxmlformats.org/presentationml/2006/main">
+  <p:cSld>
+    <p:spTree>
+      <p:nvGrpSpPr>
+        <p:cNvPr id="1" name=""/>
+        <p:cNvGrpSpPr/>
+        <p:nvPr/>
+      </p:nvGrpSpPr>
+      <p:grpSpPr>
+        <a:xfrm>
+          <a:off x="0" y="0"/>
+          <a:ext cx="0" cy="0"/>
+          <a:chOff x="0" y="0"/>
+          <a:chExt cx="0" cy="0"/>
+        </a:xfrm>
+      </p:grpSpPr>
+      <p:sp>
+        <p:nvSpPr>
+          <p:cNvPr id="2" name="Title 1"/>
+          <p:cNvSpPr>
+            <a:spLocks noGrp="1"/>
+          </p:cNvSpPr>
+          <p:nvPr>
+            <p:ph type="title"/>
+          </p:nvPr>
+        </p:nvSpPr>
+        <p:spPr/>
+        <p:txBody>
+          <a:bodyPr/>
+          <a:lstStyle/>
+          <a:p>
+            <a:r>
+              <a:rPr lang="da-DK" dirty="0" smtClean="0"/>
+              <a:t>Poster Link</a:t>
+            </a:r>
+            <a:endParaRPr lang="da-DK" dirty="0"/>
+          </a:p>
+        </p:txBody>
+      </p:sp>
+      <p:sp>
+        <p:nvSpPr>
+          <p:cNvPr id="3" name="Content Placeholder 2"/>
+          <p:cNvSpPr>
+            <a:spLocks noGrp="1"/>
+          </p:cNvSpPr>
+          <p:nvPr>
+            <p:ph idx="1"/>
+          </p:nvPr>
+        </p:nvSpPr>
+        <p:spPr/>
+        <p:txBody>
+          <a:bodyPr/>
+          <a:lstStyle/>
+          <a:p>
+            <a:endParaRPr lang="da-DK"/>
+          </a:p>
+        </p:txBody>
+      </p:sp>
+      <p:pic>
+        <p:nvPicPr>
+          <p:cNvPr id="6146" name="Picture 2" descr="http://qrfree.kaywa.com/?l=1&amp;s=8&amp;d=http%3A%2F%2Fwww.hib.no%2Fansatte%2Flmkr%2Fpnseposter.pdf"/>
+          <p:cNvPicPr>
+            <a:picLocks noChangeAspect="1" noChangeArrowheads="1"/>
+          </p:cNvPicPr>
+          <p:nvPr/>
+        </p:nvPicPr>
+        <p:blipFill>
+          <a:blip r:embed="rId2" cstate="print"/>
+          <a:srcRect/>
+          <a:stretch>
+            <a:fillRect/>
+          </a:stretch>
+        </p:blipFill>
+        <p:spPr bwMode="auto">
+          <a:xfrm>
+            <a:off x="3512840" y="1628800"/>
+            <a:ext cx="2667000" cy="2667000"/>
+          </a:xfrm>
+          <a:prstGeom prst="rect">
+            <a:avLst/>
+          </a:prstGeom>
+          <a:noFill/>
+        </p:spPr>
+      </p:pic>
+    </p:spTree>
   </p:cSld>
   <p:clrMapOvr>
     <a:masterClrMapping/>
@@ -6195,7 +6859,7 @@
         </p:nvSpPr>
         <p:spPr>
           <a:xfrm>
-            <a:off x="471550" y="1261813"/>
+            <a:off x="471550" y="1190563"/>
             <a:ext cx="9410700" cy="4494435"/>
           </a:xfrm>
         </p:spPr>
@@ -6206,11 +6870,19 @@
             <a:pPr eaLnBrk="1" hangingPunct="1"/>
             <a:r>
               <a:rPr lang="en-GB" sz="2400" dirty="0" smtClean="0"/>
-              <a:t>Coloured Petri Nets has been </a:t>
+              <a:t>Coloured Petri Nets (</a:t>
+            </a:r>
+            <a:r>
+              <a:rPr lang="en-GB" sz="2400" dirty="0" err="1" smtClean="0"/>
+              <a:t>CPNs</a:t>
             </a:r>
             <a:r>
               <a:rPr lang="en-GB" sz="2400" dirty="0" smtClean="0"/>
-              <a:t>widely used for modelling and </a:t>
+              <a:t>) widely </a:t>
+            </a:r>
+            <a:r>
+              <a:rPr lang="en-GB" sz="2400" dirty="0" smtClean="0"/>
+              <a:t>used for modelling and </a:t>
             </a:r>
             <a:r>
               <a:rPr lang="en-GB" sz="2400" dirty="0" smtClean="0"/>
@@ -6255,7 +6927,7 @@
             </a:r>
             <a:r>
               <a:rPr lang="en-GB" sz="2400" dirty="0" smtClean="0"/>
-              <a:t>efforts in </a:t>
+              <a:t>efforts for </a:t>
             </a:r>
             <a:r>
               <a:rPr lang="en-GB" sz="2400" dirty="0" smtClean="0">
@@ -6292,10 +6964,14 @@
             </a:endParaRPr>
           </a:p>
           <a:p>
-            <a:pPr eaLnBrk="1" hangingPunct="1"/>
+            <a:pPr eaLnBrk="1" hangingPunct="1">
+              <a:spcBef>
+                <a:spcPts val="1200"/>
+              </a:spcBef>
+            </a:pPr>
             <a:r>
               <a:rPr lang="en-GB" sz="2400" dirty="0" smtClean="0"/>
-              <a:t>Limited work has been done investigating automatic </a:t>
+              <a:t>Limited work investigating automated </a:t>
             </a:r>
             <a:r>
               <a:rPr lang="en-GB" sz="2400" dirty="0" smtClean="0"/>
@@ -6303,10 +6979,18 @@
             </a:r>
           </a:p>
           <a:p>
-            <a:pPr eaLnBrk="1" hangingPunct="1"/>
-            <a:r>
-              <a:rPr lang="en-GB" sz="2400" dirty="0" smtClean="0"/>
-              <a:t>Challenges in using CPN models for code generation purposes:</a:t>
+            <a:pPr eaLnBrk="1" hangingPunct="1">
+              <a:spcBef>
+                <a:spcPts val="1200"/>
+              </a:spcBef>
+            </a:pPr>
+            <a:r>
+              <a:rPr lang="en-GB" sz="2400" dirty="0" smtClean="0">
+                <a:solidFill>
+                  <a:srgbClr val="C00000"/>
+                </a:solidFill>
+              </a:rPr>
+              <a:t>Challenges in using CPN models for code automated code generation purposes:</a:t>
             </a:r>
           </a:p>
           <a:p>
@@ -6385,7 +7069,7 @@
         </p:nvSpPr>
         <p:spPr bwMode="auto">
           <a:xfrm>
-            <a:off x="1352550" y="5926138"/>
+            <a:off x="1293175" y="5973638"/>
             <a:ext cx="7200900" cy="276225"/>
           </a:xfrm>
           <a:prstGeom prst="rect">
@@ -6651,6 +7335,47 @@
           <a:chExt cx="0" cy="0"/>
         </a:xfrm>
       </p:grpSpPr>
+      <p:pic>
+        <p:nvPicPr>
+          <p:cNvPr id="2053" name="Picture 5" descr="http://www.cse.nd.edu/~cpoellab/teaching/cse40815/micaz.png"/>
+          <p:cNvPicPr>
+            <a:picLocks noChangeAspect="1" noChangeArrowheads="1"/>
+          </p:cNvPicPr>
+          <p:nvPr/>
+        </p:nvPicPr>
+        <p:blipFill>
+          <a:blip r:embed="rId2" cstate="print">
+            <a:extLst>
+              <a:ext uri="{28A0092B-C50C-407E-A947-70E740481C1C}">
+                <a14:useLocalDpi xmlns:a14="http://schemas.microsoft.com/office/drawing/2010/main" xmlns="" val="0"/>
+              </a:ext>
+            </a:extLst>
+          </a:blip>
+          <a:srcRect/>
+          <a:stretch>
+            <a:fillRect/>
+          </a:stretch>
+        </p:blipFill>
+        <p:spPr bwMode="auto">
+          <a:xfrm>
+            <a:off x="1770499" y="3897431"/>
+            <a:ext cx="1617056" cy="1442668"/>
+          </a:xfrm>
+          <a:prstGeom prst="rect">
+            <a:avLst/>
+          </a:prstGeom>
+          <a:noFill/>
+          <a:extLst>
+            <a:ext uri="{909E8E84-426E-40DD-AFC4-6F175D3DCCD1}">
+              <a14:hiddenFill xmlns:a14="http://schemas.microsoft.com/office/drawing/2010/main" xmlns="">
+                <a:solidFill>
+                  <a:srgbClr val="FFFFFF"/>
+                </a:solidFill>
+              </a14:hiddenFill>
+            </a:ext>
+          </a:extLst>
+        </p:spPr>
+      </p:pic>
       <p:sp>
         <p:nvSpPr>
           <p:cNvPr id="2" name="Title 1"/>
@@ -6701,7 +7426,35 @@
           <a:p>
             <a:r>
               <a:rPr lang="en-GB" sz="2400" dirty="0" smtClean="0"/>
-              <a:t>Routing protocol for sensor networks currently developed by the IETF:</a:t>
+              <a:t>Routing protocol for </a:t>
+            </a:r>
+            <a:r>
+              <a:rPr lang="en-GB" sz="2400" dirty="0" smtClean="0">
+                <a:solidFill>
+                  <a:srgbClr val="003399"/>
+                </a:solidFill>
+              </a:rPr>
+              <a:t>distributed sensor </a:t>
+            </a:r>
+            <a:r>
+              <a:rPr lang="en-GB" sz="2400" dirty="0" smtClean="0">
+                <a:solidFill>
+                  <a:srgbClr val="003399"/>
+                </a:solidFill>
+              </a:rPr>
+              <a:t>networks </a:t>
+            </a:r>
+            <a:r>
+              <a:rPr lang="en-GB" sz="2400" dirty="0" smtClean="0"/>
+              <a:t>currently </a:t>
+            </a:r>
+            <a:r>
+              <a:rPr lang="en-GB" sz="2400" dirty="0" smtClean="0"/>
+              <a:t>being developed </a:t>
+            </a:r>
+            <a:r>
+              <a:rPr lang="en-GB" sz="2400" dirty="0" smtClean="0"/>
+              <a:t>by the IETF:</a:t>
             </a:r>
             <a:endParaRPr lang="en-GB" sz="2400" dirty="0"/>
           </a:p>
@@ -6915,7 +7668,19 @@
           <a:p>
             <a:r>
               <a:rPr lang="en-GB" sz="2400" kern="0" dirty="0" smtClean="0"/>
-              <a:t>Supports a collection of sensor to establish a DODAG for data </a:t>
+              <a:t>Supports a collection of sensor to establish a </a:t>
+            </a:r>
+            <a:r>
+              <a:rPr lang="en-GB" sz="2400" kern="0" dirty="0" smtClean="0">
+                <a:solidFill>
+                  <a:srgbClr val="003399"/>
+                </a:solidFill>
+              </a:rPr>
+              <a:t>DODAG</a:t>
+            </a:r>
+            <a:r>
+              <a:rPr lang="en-GB" sz="2400" kern="0" dirty="0" smtClean="0"/>
+              <a:t> for data </a:t>
             </a:r>
             <a:r>
               <a:rPr lang="en-GB" sz="2400" kern="0" dirty="0" smtClean="0"/>
@@ -6928,60 +7693,6 @@
       <p:pic>
         <p:nvPicPr>
           <p:cNvPr id="2050" name="Picture 2"/>
-          <p:cNvPicPr>
-            <a:picLocks noChangeAspect="1" noChangeArrowheads="1"/>
-          </p:cNvPicPr>
-          <p:nvPr/>
-        </p:nvPicPr>
-        <p:blipFill>
-          <a:blip r:embed="rId2" cstate="print">
-            <a:extLst>
-              <a:ext uri="{28A0092B-C50C-407E-A947-70E740481C1C}">
-                <a14:useLocalDpi xmlns:a14="http://schemas.microsoft.com/office/drawing/2010/main" xmlns="" val="0"/>
-              </a:ext>
-            </a:extLst>
-          </a:blip>
-          <a:srcRect/>
-          <a:stretch>
-            <a:fillRect/>
-          </a:stretch>
-        </p:blipFill>
-        <p:spPr bwMode="auto">
-          <a:xfrm>
-            <a:off x="4364009" y="2290425"/>
-            <a:ext cx="5001429" cy="2888243"/>
-          </a:xfrm>
-          <a:prstGeom prst="rect">
-            <a:avLst/>
-          </a:prstGeom>
-          <a:noFill/>
-          <a:ln>
-            <a:noFill/>
-          </a:ln>
-          <a:extLst>
-            <a:ext uri="{909E8E84-426E-40DD-AFC4-6F175D3DCCD1}">
-              <a14:hiddenFill xmlns:a14="http://schemas.microsoft.com/office/drawing/2010/main" xmlns="">
-                <a:solidFill>
-                  <a:schemeClr val="accent1"/>
-                </a:solidFill>
-              </a14:hiddenFill>
-            </a:ext>
-            <a:ext uri="{91240B29-F687-4F45-9708-019B960494DF}">
-              <a14:hiddenLine xmlns:a14="http://schemas.microsoft.com/office/drawing/2010/main" xmlns="" w="9525">
-                <a:solidFill>
-                  <a:schemeClr val="tx1"/>
-                </a:solidFill>
-                <a:miter lim="800000"/>
-                <a:headEnd/>
-                <a:tailEnd/>
-              </a14:hiddenLine>
-            </a:ext>
-          </a:extLst>
-        </p:spPr>
-      </p:pic>
-      <p:pic>
-        <p:nvPicPr>
-          <p:cNvPr id="2051" name="Picture 3"/>
           <p:cNvPicPr>
             <a:picLocks noChangeAspect="1" noChangeArrowheads="1"/>
           </p:cNvPicPr>
@@ -7002,8 +7713,8 @@
         </p:blipFill>
         <p:spPr bwMode="auto">
           <a:xfrm>
-            <a:off x="1997521" y="2565667"/>
-            <a:ext cx="2171700" cy="2076450"/>
+            <a:off x="3738465" y="2060848"/>
+            <a:ext cx="5472608" cy="3160341"/>
           </a:xfrm>
           <a:prstGeom prst="rect">
             <a:avLst/>
@@ -7035,7 +7746,7 @@
       </p:pic>
       <p:pic>
         <p:nvPicPr>
-          <p:cNvPr id="2053" name="Picture 5" descr="http://www.cse.nd.edu/~cpoellab/teaching/cse40815/micaz.png"/>
+          <p:cNvPr id="2051" name="Picture 3"/>
           <p:cNvPicPr>
             <a:picLocks noChangeAspect="1" noChangeArrowheads="1"/>
           </p:cNvPicPr>
@@ -7056,20 +7767,33 @@
         </p:blipFill>
         <p:spPr bwMode="auto">
           <a:xfrm>
-            <a:off x="54421" y="2256253"/>
-            <a:ext cx="1617056" cy="1442668"/>
+            <a:off x="704528" y="2132856"/>
+            <a:ext cx="2171700" cy="2076450"/>
           </a:xfrm>
           <a:prstGeom prst="rect">
             <a:avLst/>
           </a:prstGeom>
           <a:noFill/>
+          <a:ln>
+            <a:noFill/>
+          </a:ln>
           <a:extLst>
             <a:ext uri="{909E8E84-426E-40DD-AFC4-6F175D3DCCD1}">
               <a14:hiddenFill xmlns:a14="http://schemas.microsoft.com/office/drawing/2010/main" xmlns="">
                 <a:solidFill>
-                  <a:srgbClr val="FFFFFF"/>
+                  <a:schemeClr val="accent1"/>
                 </a:solidFill>
               </a14:hiddenFill>
+            </a:ext>
+            <a:ext uri="{91240B29-F687-4F45-9708-019B960494DF}">
+              <a14:hiddenLine xmlns:a14="http://schemas.microsoft.com/office/drawing/2010/main" xmlns="" w="9525">
+                <a:solidFill>
+                  <a:schemeClr val="tx1"/>
+                </a:solidFill>
+                <a:miter lim="800000"/>
+                <a:headEnd/>
+                <a:tailEnd/>
+              </a14:hiddenLine>
             </a:ext>
           </a:extLst>
         </p:spPr>
@@ -7082,8 +7806,8 @@
         </p:nvCxnSpPr>
         <p:spPr bwMode="auto">
           <a:xfrm>
-            <a:off x="1521124" y="3307976"/>
-            <a:ext cx="587939" cy="144016"/>
+            <a:off x="1568624" y="4149080"/>
+            <a:ext cx="504056" cy="360040"/>
           </a:xfrm>
           <a:prstGeom prst="line">
             <a:avLst/>
@@ -7343,7 +8067,7 @@
         </p:blipFill>
         <p:spPr>
           <a:xfrm>
-            <a:off x="5372415" y="3741540"/>
+            <a:off x="5609915" y="3741540"/>
             <a:ext cx="3180985" cy="2395093"/>
           </a:xfrm>
           <a:prstGeom prst="rect">
@@ -7474,7 +8198,7 @@
         </p:blipFill>
         <p:spPr bwMode="auto">
           <a:xfrm>
-            <a:off x="6177136" y="2025981"/>
+            <a:off x="5961112" y="2060848"/>
             <a:ext cx="1617056" cy="1442668"/>
           </a:xfrm>
           <a:prstGeom prst="rect">
@@ -7573,7 +8297,7 @@
         </p:blipFill>
         <p:spPr bwMode="auto">
           <a:xfrm>
-            <a:off x="7784304" y="2240489"/>
+            <a:off x="7617296" y="2587138"/>
             <a:ext cx="1694585" cy="648072"/>
           </a:xfrm>
           <a:prstGeom prst="rect">
@@ -7614,8 +8338,8 @@
         </p:blipFill>
         <p:spPr bwMode="auto">
           <a:xfrm>
-            <a:off x="683052" y="2242005"/>
-            <a:ext cx="5433777" cy="3871070"/>
+            <a:off x="576178" y="2289505"/>
+            <a:ext cx="5206052" cy="3708837"/>
           </a:xfrm>
           <a:prstGeom prst="rect">
             <a:avLst/>
@@ -7655,8 +8379,8 @@
         </p:nvSpPr>
         <p:spPr bwMode="auto">
           <a:xfrm>
-            <a:off x="5960354" y="3560500"/>
-            <a:ext cx="3744416" cy="2398382"/>
+            <a:off x="5673080" y="3608000"/>
+            <a:ext cx="3960440" cy="2460788"/>
           </a:xfrm>
           <a:prstGeom prst="rect">
             <a:avLst/>
@@ -7942,7 +8666,7 @@
                   <a:srgbClr val="0070C0"/>
                 </a:solidFill>
               </a:rPr>
-              <a:t>call</a:t>
+              <a:t>calls</a:t>
             </a:r>
             <a:r>
               <a:rPr lang="en-GB" sz="1600" kern="0" dirty="0" smtClean="0"/>
@@ -7954,7 +8678,7 @@
                   <a:srgbClr val="0070C0"/>
                 </a:solidFill>
               </a:rPr>
-              <a:t>signal</a:t>
+              <a:t>signals</a:t>
             </a:r>
             <a:r>
               <a:rPr lang="en-GB" sz="1600" kern="0" dirty="0" smtClean="0"/>
@@ -8084,7 +8808,7 @@
             </a:r>
             <a:r>
               <a:rPr lang="en-GB" sz="2000" dirty="0" smtClean="0"/>
-              <a:t>interfaces and determining a configuration.</a:t>
+              <a:t>interfaces, and determining an application configuration.</a:t>
             </a:r>
             <a:endParaRPr lang="en-GB" sz="2000" dirty="0" smtClean="0"/>
           </a:p>
@@ -8115,11 +8839,11 @@
             </a:r>
             <a:r>
               <a:rPr lang="en-GB" sz="2000" dirty="0" smtClean="0"/>
-              <a:t>an interface</a:t>
+              <a:t>the same  interface</a:t>
             </a:r>
             <a:r>
               <a:rPr lang="en-GB" sz="2000" dirty="0" smtClean="0"/>
-              <a:t> in multiple components.</a:t>
+              <a:t> in multiple components of the application.</a:t>
             </a:r>
             <a:r>
               <a:rPr lang="en-GB" sz="2000" dirty="0" smtClean="0"/>
@@ -8211,7 +8935,19 @@
             </a:r>
             <a:r>
               <a:rPr lang="en-GB" sz="2000" dirty="0" smtClean="0"/>
-              <a:t>providing control flow oriented modelling of commands and events.</a:t>
+              <a:t>providing control flow oriented modelling of </a:t>
+            </a:r>
+            <a:r>
+              <a:rPr lang="en-GB" sz="2000" dirty="0" smtClean="0"/>
+              <a:t>command </a:t>
+            </a:r>
+            <a:r>
+              <a:rPr lang="en-GB" sz="2000" dirty="0" smtClean="0"/>
+              <a:t>and </a:t>
+            </a:r>
+            <a:r>
+              <a:rPr lang="en-GB" sz="2000" dirty="0" smtClean="0"/>
+              <a:t>event implementation.</a:t>
             </a:r>
             <a:endParaRPr lang="en-GB" sz="2000" b="1" dirty="0" smtClean="0">
               <a:solidFill>
@@ -8298,7 +9034,7 @@
         </p:nvSpPr>
         <p:spPr>
           <a:xfrm>
-            <a:off x="495300" y="120263"/>
+            <a:off x="495300" y="239013"/>
             <a:ext cx="8915400" cy="1143000"/>
           </a:xfrm>
         </p:spPr>
@@ -8308,7 +9044,7 @@
           <a:p>
             <a:r>
               <a:rPr lang="en-GB" dirty="0" smtClean="0"/>
-              <a:t>Pragmatic Annotations</a:t>
+              <a:t>Pragmatic &lt;&lt;annotations&gt;&gt;</a:t>
             </a:r>
             <a:endParaRPr lang="en-GB" dirty="0"/>
           </a:p>
@@ -8327,7 +9063,7 @@
         <p:spPr>
           <a:xfrm>
             <a:off x="6465168" y="1743760"/>
-            <a:ext cx="3168352" cy="3024336"/>
+            <a:ext cx="3168352" cy="3917488"/>
           </a:xfrm>
         </p:spPr>
         <p:txBody>
@@ -8422,7 +9158,15 @@
           <a:p>
             <a:r>
               <a:rPr lang="en-GB" sz="1600" dirty="0" smtClean="0"/>
-              <a:t>Bridges the gap between the a platform independent model and the target platform</a:t>
+              <a:t>Bridges the gap between </a:t>
+            </a:r>
+            <a:r>
+              <a:rPr lang="en-GB" sz="1600" dirty="0" smtClean="0"/>
+              <a:t>a </a:t>
+            </a:r>
+            <a:r>
+              <a:rPr lang="en-GB" sz="1600" dirty="0" smtClean="0"/>
+              <a:t>platform independent model and the target platform</a:t>
             </a:r>
             <a:r>
               <a:rPr lang="en-GB" sz="1600" dirty="0" smtClean="0"/>
@@ -8670,8 +9414,8 @@
         </p:blipFill>
         <p:spPr>
           <a:xfrm>
-            <a:off x="238371" y="1051978"/>
-            <a:ext cx="6466572" cy="4926221"/>
+            <a:off x="285871" y="1396353"/>
+            <a:ext cx="6226797" cy="4743561"/>
           </a:xfrm>
           <a:prstGeom prst="rect">
             <a:avLst/>
@@ -8820,7 +9564,7 @@
         <p:spPr bwMode="auto">
           <a:xfrm>
             <a:off x="5359782" y="2828428"/>
-            <a:ext cx="4182466" cy="2232248"/>
+            <a:ext cx="4093467" cy="2184748"/>
           </a:xfrm>
           <a:prstGeom prst="rect">
             <a:avLst/>
@@ -8920,7 +9664,7 @@
           <a:p>
             <a:r>
               <a:rPr lang="nb-NO" sz="2400" dirty="0" smtClean="0"/>
-              <a:t>Introduces local names for components providing the same interface: </a:t>
+              <a:t>Introduces local name space for components providing the same interface: </a:t>
             </a:r>
             <a:endParaRPr lang="nb-NO" sz="2400" dirty="0"/>
           </a:p>

--- a/LMKPNSE2013.pptx
+++ b/LMKPNSE2013.pptx
@@ -29,7 +29,7 @@
     <p:sldId id="293" r:id="rId17"/>
   </p:sldIdLst>
   <p:sldSz cx="9906000" cy="6858000" type="A4"/>
-  <p:notesSz cx="6811963" cy="9942513"/>
+  <p:notesSz cx="7010400" cy="9296400"/>
   <p:defaultTextStyle>
     <a:defPPr>
       <a:defRPr lang="da-DK"/>
@@ -195,8 +195,8 @@
         </p:nvSpPr>
         <p:spPr bwMode="auto">
           <a:xfrm>
-            <a:off x="0" y="0"/>
-            <a:ext cx="2951163" cy="496888"/>
+            <a:off x="1" y="0"/>
+            <a:ext cx="3037132" cy="464598"/>
           </a:xfrm>
           <a:prstGeom prst="rect">
             <a:avLst/>
@@ -243,8 +243,8 @@
         </p:nvSpPr>
         <p:spPr bwMode="auto">
           <a:xfrm>
-            <a:off x="3859213" y="0"/>
-            <a:ext cx="2951162" cy="496888"/>
+            <a:off x="3971635" y="0"/>
+            <a:ext cx="3037131" cy="464598"/>
           </a:xfrm>
           <a:prstGeom prst="rect">
             <a:avLst/>
@@ -291,8 +291,8 @@
         </p:nvSpPr>
         <p:spPr bwMode="auto">
           <a:xfrm>
-            <a:off x="0" y="9444038"/>
-            <a:ext cx="2951163" cy="496887"/>
+            <a:off x="1" y="8830319"/>
+            <a:ext cx="3037132" cy="464597"/>
           </a:xfrm>
           <a:prstGeom prst="rect">
             <a:avLst/>
@@ -339,8 +339,8 @@
         </p:nvSpPr>
         <p:spPr bwMode="auto">
           <a:xfrm>
-            <a:off x="3859213" y="9444038"/>
-            <a:ext cx="2951162" cy="496887"/>
+            <a:off x="3971635" y="8830319"/>
+            <a:ext cx="3037131" cy="464597"/>
           </a:xfrm>
           <a:prstGeom prst="rect">
             <a:avLst/>
@@ -385,7 +385,7 @@
     </p:spTree>
     <p:extLst>
       <p:ext uri="{BB962C8B-B14F-4D97-AF65-F5344CB8AC3E}">
-        <p14:creationId xmlns:p14="http://schemas.microsoft.com/office/powerpoint/2010/main" xmlns="" val="2357886184"/>
+        <p14:creationId xmlns="" xmlns:p14="http://schemas.microsoft.com/office/powerpoint/2010/main" val="2357886184"/>
       </p:ext>
     </p:extLst>
   </p:cSld>
@@ -431,7 +431,7 @@
         <p:spPr bwMode="auto">
           <a:xfrm>
             <a:off x="0" y="0"/>
-            <a:ext cx="2952750" cy="466725"/>
+            <a:ext cx="3038766" cy="436395"/>
           </a:xfrm>
           <a:prstGeom prst="rect">
             <a:avLst/>
@@ -478,8 +478,8 @@
         </p:nvSpPr>
         <p:spPr bwMode="auto">
           <a:xfrm>
-            <a:off x="3862388" y="0"/>
-            <a:ext cx="2952750" cy="466725"/>
+            <a:off x="3974902" y="0"/>
+            <a:ext cx="3038766" cy="436395"/>
           </a:xfrm>
           <a:prstGeom prst="rect">
             <a:avLst/>
@@ -526,8 +526,8 @@
         </p:nvSpPr>
         <p:spPr bwMode="auto">
           <a:xfrm>
-            <a:off x="714375" y="777875"/>
-            <a:ext cx="5386388" cy="3729038"/>
+            <a:off x="987425" y="727075"/>
+            <a:ext cx="5038725" cy="3487738"/>
           </a:xfrm>
           <a:prstGeom prst="rect">
             <a:avLst/>
@@ -555,8 +555,8 @@
         </p:nvSpPr>
         <p:spPr bwMode="auto">
           <a:xfrm>
-            <a:off x="908050" y="4740275"/>
-            <a:ext cx="4999038" cy="4430713"/>
+            <a:off x="934502" y="4432229"/>
+            <a:ext cx="5144663" cy="4142784"/>
           </a:xfrm>
           <a:prstGeom prst="rect">
             <a:avLst/>
@@ -626,8 +626,8 @@
         </p:nvSpPr>
         <p:spPr bwMode="auto">
           <a:xfrm>
-            <a:off x="0" y="9480550"/>
-            <a:ext cx="2952750" cy="466725"/>
+            <a:off x="0" y="8864458"/>
+            <a:ext cx="3038766" cy="436395"/>
           </a:xfrm>
           <a:prstGeom prst="rect">
             <a:avLst/>
@@ -674,8 +674,8 @@
         </p:nvSpPr>
         <p:spPr bwMode="auto">
           <a:xfrm>
-            <a:off x="3862388" y="9480550"/>
-            <a:ext cx="2952750" cy="466725"/>
+            <a:off x="3974902" y="8864458"/>
+            <a:ext cx="3038766" cy="436395"/>
           </a:xfrm>
           <a:prstGeom prst="rect">
             <a:avLst/>
@@ -720,7 +720,7 @@
     </p:spTree>
     <p:extLst>
       <p:ext uri="{BB962C8B-B14F-4D97-AF65-F5344CB8AC3E}">
-        <p14:creationId xmlns:p14="http://schemas.microsoft.com/office/powerpoint/2010/main" xmlns="" val="1263345508"/>
+        <p14:creationId xmlns="" xmlns:p14="http://schemas.microsoft.com/office/powerpoint/2010/main" val="1263345508"/>
       </p:ext>
     </p:extLst>
   </p:cSld>
@@ -1116,14 +1116,14 @@
           <a:ln/>
           <a:extLst>
             <a:ext uri="{909E8E84-426E-40DD-AFC4-6F175D3DCCD1}">
-              <a14:hiddenFill xmlns:a14="http://schemas.microsoft.com/office/drawing/2010/main" xmlns="">
+              <a14:hiddenFill xmlns="" xmlns:a14="http://schemas.microsoft.com/office/drawing/2010/main">
                 <a:solidFill>
                   <a:srgbClr val="FFFFFF"/>
                 </a:solidFill>
               </a14:hiddenFill>
             </a:ext>
             <a:ext uri="{91240B29-F687-4F45-9708-019B960494DF}">
-              <a14:hiddenLine xmlns:a14="http://schemas.microsoft.com/office/drawing/2010/main" xmlns="" w="9525">
+              <a14:hiddenLine xmlns="" xmlns:a14="http://schemas.microsoft.com/office/drawing/2010/main" w="9525">
                 <a:solidFill>
                   <a:srgbClr val="000000"/>
                 </a:solidFill>
@@ -1229,14 +1229,14 @@
           <a:ln/>
           <a:extLst>
             <a:ext uri="{909E8E84-426E-40DD-AFC4-6F175D3DCCD1}">
-              <a14:hiddenFill xmlns:a14="http://schemas.microsoft.com/office/drawing/2010/main" xmlns="">
+              <a14:hiddenFill xmlns="" xmlns:a14="http://schemas.microsoft.com/office/drawing/2010/main">
                 <a:solidFill>
                   <a:srgbClr val="FFFFFF"/>
                 </a:solidFill>
               </a14:hiddenFill>
             </a:ext>
             <a:ext uri="{91240B29-F687-4F45-9708-019B960494DF}">
-              <a14:hiddenLine xmlns:a14="http://schemas.microsoft.com/office/drawing/2010/main" xmlns="" w="9525">
+              <a14:hiddenLine xmlns="" xmlns:a14="http://schemas.microsoft.com/office/drawing/2010/main" w="9525">
                 <a:solidFill>
                   <a:srgbClr val="000000"/>
                 </a:solidFill>
@@ -4526,7 +4526,7 @@
           <a:blip r:embed="rId5" cstate="print">
             <a:extLst>
               <a:ext uri="{28A0092B-C50C-407E-A947-70E740481C1C}">
-                <a14:useLocalDpi xmlns:a14="http://schemas.microsoft.com/office/drawing/2010/main" xmlns="" val="0"/>
+                <a14:useLocalDpi xmlns="" xmlns:a14="http://schemas.microsoft.com/office/drawing/2010/main" val="0"/>
               </a:ext>
             </a:extLst>
           </a:blip>
@@ -4556,7 +4556,7 @@
           <a:blip r:embed="rId6" cstate="print">
             <a:extLst>
               <a:ext uri="{28A0092B-C50C-407E-A947-70E740481C1C}">
-                <a14:useLocalDpi xmlns:a14="http://schemas.microsoft.com/office/drawing/2010/main" xmlns="" val="0"/>
+                <a14:useLocalDpi xmlns="" xmlns:a14="http://schemas.microsoft.com/office/drawing/2010/main" val="0"/>
               </a:ext>
             </a:extLst>
           </a:blip>
@@ -4584,7 +4584,7 @@
           </a:ln>
           <a:extLst>
             <a:ext uri="{909E8E84-426E-40DD-AFC4-6F175D3DCCD1}">
-              <a14:hiddenFill xmlns:a14="http://schemas.microsoft.com/office/drawing/2010/main" xmlns="">
+              <a14:hiddenFill xmlns="" xmlns:a14="http://schemas.microsoft.com/office/drawing/2010/main">
                 <a:solidFill>
                   <a:schemeClr val="accent1"/>
                 </a:solidFill>
@@ -4612,7 +4612,7 @@
           <a:noFill/>
           <a:extLst>
             <a:ext uri="{909E8E84-426E-40DD-AFC4-6F175D3DCCD1}">
-              <a14:hiddenFill xmlns:a14="http://schemas.microsoft.com/office/drawing/2010/main" xmlns="">
+              <a14:hiddenFill xmlns="" xmlns:a14="http://schemas.microsoft.com/office/drawing/2010/main">
                 <a:solidFill>
                   <a:srgbClr val="FFFFFF"/>
                 </a:solidFill>
@@ -4651,7 +4651,7 @@
           <a:noFill/>
           <a:extLst>
             <a:ext uri="{909E8E84-426E-40DD-AFC4-6F175D3DCCD1}">
-              <a14:hiddenFill xmlns:a14="http://schemas.microsoft.com/office/drawing/2010/main" xmlns="">
+              <a14:hiddenFill xmlns="" xmlns:a14="http://schemas.microsoft.com/office/drawing/2010/main">
                 <a:solidFill>
                   <a:srgbClr val="FFFFFF"/>
                 </a:solidFill>
@@ -4690,7 +4690,7 @@
           <a:noFill/>
           <a:extLst>
             <a:ext uri="{909E8E84-426E-40DD-AFC4-6F175D3DCCD1}">
-              <a14:hiddenFill xmlns:a14="http://schemas.microsoft.com/office/drawing/2010/main" xmlns="">
+              <a14:hiddenFill xmlns="" xmlns:a14="http://schemas.microsoft.com/office/drawing/2010/main">
                 <a:solidFill>
                   <a:srgbClr val="FFFFFF"/>
                 </a:solidFill>
@@ -4722,7 +4722,7 @@
           <a:blip r:embed="rId7" cstate="print">
             <a:extLst>
               <a:ext uri="{28A0092B-C50C-407E-A947-70E740481C1C}">
-                <a14:useLocalDpi xmlns:a14="http://schemas.microsoft.com/office/drawing/2010/main" xmlns="" val="0"/>
+                <a14:useLocalDpi xmlns="" xmlns:a14="http://schemas.microsoft.com/office/drawing/2010/main" val="0"/>
               </a:ext>
             </a:extLst>
           </a:blip>
@@ -4742,7 +4742,7 @@
           <a:noFill/>
           <a:extLst>
             <a:ext uri="{909E8E84-426E-40DD-AFC4-6F175D3DCCD1}">
-              <a14:hiddenFill xmlns:a14="http://schemas.microsoft.com/office/drawing/2010/main" xmlns="">
+              <a14:hiddenFill xmlns="" xmlns:a14="http://schemas.microsoft.com/office/drawing/2010/main">
                 <a:solidFill>
                   <a:srgbClr val="FFFFFF"/>
                 </a:solidFill>
@@ -4930,11 +4930,7 @@
           <a:p>
             <a:r>
               <a:rPr lang="nb-NO" sz="3600" dirty="0" smtClean="0"/>
-              <a:t>Step 3</a:t>
-            </a:r>
-            <a:r>
-              <a:rPr lang="nb-NO" sz="3600" dirty="0" smtClean="0"/>
-              <a:t>: Interface Signatures</a:t>
+              <a:t>Step 3: Interface Signatures</a:t>
             </a:r>
             <a:endParaRPr lang="nb-NO" sz="3600" dirty="0"/>
           </a:p>
@@ -5069,7 +5065,7 @@
     </p:spTree>
     <p:extLst>
       <p:ext uri="{BB962C8B-B14F-4D97-AF65-F5344CB8AC3E}">
-        <p14:creationId xmlns:p14="http://schemas.microsoft.com/office/powerpoint/2010/main" xmlns="" val="1301756450"/>
+        <p14:creationId xmlns="" xmlns:p14="http://schemas.microsoft.com/office/powerpoint/2010/main" val="1301756450"/>
       </p:ext>
     </p:extLst>
   </p:cSld>
@@ -5125,11 +5121,7 @@
           <a:p>
             <a:r>
               <a:rPr lang="nb-NO" sz="3600" dirty="0" smtClean="0"/>
-              <a:t>Step 4</a:t>
-            </a:r>
-            <a:r>
-              <a:rPr lang="nb-NO" sz="3600" dirty="0" smtClean="0"/>
-              <a:t>: Component Classification</a:t>
+              <a:t>Step 4: Component Classification</a:t>
             </a:r>
             <a:endParaRPr lang="nb-NO" sz="3600" dirty="0"/>
           </a:p>
@@ -5157,11 +5149,7 @@
           <a:p>
             <a:r>
               <a:rPr lang="nb-NO" sz="2400" dirty="0" smtClean="0"/>
-              <a:t>Classifies</a:t>
-            </a:r>
-            <a:r>
-              <a:rPr lang="nb-NO" sz="2400" dirty="0" smtClean="0"/>
-              <a:t> components as boot-, timed-, dispatch-, external- and- regular components:</a:t>
+              <a:t>Classifies components as boot-, timed-, dispatch-, external- and- regular components:</a:t>
             </a:r>
             <a:endParaRPr lang="nb-NO" sz="2400" dirty="0"/>
           </a:p>
@@ -5268,7 +5256,7 @@
     </p:spTree>
     <p:extLst>
       <p:ext uri="{BB962C8B-B14F-4D97-AF65-F5344CB8AC3E}">
-        <p14:creationId xmlns:p14="http://schemas.microsoft.com/office/powerpoint/2010/main" xmlns="" val="3602987336"/>
+        <p14:creationId xmlns="" xmlns:p14="http://schemas.microsoft.com/office/powerpoint/2010/main" val="3602987336"/>
       </p:ext>
     </p:extLst>
   </p:cSld>
@@ -5319,11 +5307,7 @@
           <a:p>
             <a:r>
               <a:rPr lang="nb-NO" sz="3600" dirty="0" smtClean="0"/>
-              <a:t>Step 5</a:t>
-            </a:r>
-            <a:r>
-              <a:rPr lang="nb-NO" sz="3600" dirty="0" smtClean="0"/>
-              <a:t>: Internal Behaviour</a:t>
+              <a:t>Step 5: Internal Behaviour</a:t>
             </a:r>
             <a:endParaRPr lang="nb-NO" sz="3600" dirty="0"/>
           </a:p>
@@ -5518,7 +5502,7 @@
     </p:spTree>
     <p:extLst>
       <p:ext uri="{BB962C8B-B14F-4D97-AF65-F5344CB8AC3E}">
-        <p14:creationId xmlns:p14="http://schemas.microsoft.com/office/powerpoint/2010/main" xmlns="" val="859814498"/>
+        <p14:creationId xmlns="" xmlns:p14="http://schemas.microsoft.com/office/powerpoint/2010/main" val="859814498"/>
       </p:ext>
     </p:extLst>
   </p:cSld>
@@ -5846,7 +5830,7 @@
           <a:blip r:embed="rId2" cstate="print">
             <a:extLst>
               <a:ext uri="{28A0092B-C50C-407E-A947-70E740481C1C}">
-                <a14:useLocalDpi xmlns:a14="http://schemas.microsoft.com/office/drawing/2010/main" xmlns="" val="0"/>
+                <a14:useLocalDpi xmlns="" xmlns:a14="http://schemas.microsoft.com/office/drawing/2010/main" val="0"/>
               </a:ext>
             </a:extLst>
           </a:blip>
@@ -5869,14 +5853,14 @@
           </a:ln>
           <a:extLst>
             <a:ext uri="{909E8E84-426E-40DD-AFC4-6F175D3DCCD1}">
-              <a14:hiddenFill xmlns:a14="http://schemas.microsoft.com/office/drawing/2010/main" xmlns="">
+              <a14:hiddenFill xmlns="" xmlns:a14="http://schemas.microsoft.com/office/drawing/2010/main">
                 <a:solidFill>
                   <a:schemeClr val="accent1"/>
                 </a:solidFill>
               </a14:hiddenFill>
             </a:ext>
             <a:ext uri="{91240B29-F687-4F45-9708-019B960494DF}">
-              <a14:hiddenLine xmlns:a14="http://schemas.microsoft.com/office/drawing/2010/main" xmlns="" w="9525">
+              <a14:hiddenLine xmlns="" xmlns:a14="http://schemas.microsoft.com/office/drawing/2010/main" w="9525">
                 <a:solidFill>
                   <a:schemeClr val="tx1"/>
                 </a:solidFill>
@@ -6105,7 +6089,7 @@
     </p:spTree>
     <p:extLst>
       <p:ext uri="{BB962C8B-B14F-4D97-AF65-F5344CB8AC3E}">
-        <p14:creationId xmlns:p14="http://schemas.microsoft.com/office/powerpoint/2010/main" xmlns="" val="1985777221"/>
+        <p14:creationId xmlns="" xmlns:p14="http://schemas.microsoft.com/office/powerpoint/2010/main" val="1985777221"/>
       </p:ext>
     </p:extLst>
   </p:cSld>
@@ -6156,15 +6140,7 @@
           <a:p>
             <a:r>
               <a:rPr lang="en-GB" smtClean="0"/>
-              <a:t>Conclusion</a:t>
-            </a:r>
-            <a:r>
-              <a:rPr lang="en-GB" smtClean="0"/>
-              <a:t> and Future </a:t>
-            </a:r>
-            <a:r>
-              <a:rPr lang="en-GB" smtClean="0"/>
-              <a:t>Work</a:t>
+              <a:t>Conclusion and Future Work</a:t>
             </a:r>
             <a:endParaRPr lang="en-GB"/>
           </a:p>
@@ -6277,7 +6253,7 @@
     </p:spTree>
     <p:extLst>
       <p:ext uri="{BB962C8B-B14F-4D97-AF65-F5344CB8AC3E}">
-        <p14:creationId xmlns:p14="http://schemas.microsoft.com/office/powerpoint/2010/main" xmlns="" val="1108063821"/>
+        <p14:creationId xmlns="" xmlns:p14="http://schemas.microsoft.com/office/powerpoint/2010/main" val="1108063821"/>
       </p:ext>
     </p:extLst>
   </p:cSld>
@@ -6364,19 +6340,11 @@
             </a:r>
             <a:r>
               <a:rPr lang="en-US" sz="1600" dirty="0" smtClean="0"/>
-              <a:t> </a:t>
-            </a:r>
-            <a:r>
-              <a:rPr lang="en-US" sz="1600" dirty="0" smtClean="0"/>
-              <a:t>Networks. </a:t>
+              <a:t> Networks. </a:t>
             </a:r>
             <a:r>
               <a:rPr lang="da-DK" sz="1600" dirty="0" smtClean="0"/>
-              <a:t>RFC </a:t>
-            </a:r>
-            <a:r>
-              <a:rPr lang="da-DK" sz="1600" dirty="0" smtClean="0"/>
-              <a:t>6550, 2012. Internet Engineering </a:t>
+              <a:t>RFC 6550, 2012. Internet Engineering </a:t>
             </a:r>
             <a:r>
               <a:rPr lang="da-DK" sz="1600" dirty="0" err="1" smtClean="0"/>
@@ -6390,28 +6358,17 @@
               <a:rPr lang="da-DK" sz="1600" dirty="0" smtClean="0">
                 <a:hlinkClick r:id="rId2"/>
               </a:rPr>
-              <a:t>http://</a:t>
-            </a:r>
-            <a:r>
-              <a:rPr lang="da-DK" sz="1600" dirty="0" smtClean="0">
-                <a:hlinkClick r:id="rId2"/>
-              </a:rPr>
-              <a:t>tools.ietf.org/html/rfc6553</a:t>
+              <a:t>http://tools.ietf.org/html/rfc6553</a:t>
             </a:r>
             <a:r>
               <a:rPr lang="da-DK" sz="1600" dirty="0" smtClean="0"/>
               <a:t> </a:t>
             </a:r>
-            <a:endParaRPr lang="da-DK" sz="1600" dirty="0" smtClean="0"/>
           </a:p>
           <a:p>
             <a:r>
               <a:rPr lang="en-US" sz="1600" dirty="0" smtClean="0"/>
-              <a:t>K</a:t>
-            </a:r>
-            <a:r>
-              <a:rPr lang="en-US" sz="1600" dirty="0" smtClean="0"/>
-              <a:t>. Jensen, L.M. </a:t>
+              <a:t>K. Jensen, L.M. </a:t>
             </a:r>
             <a:r>
               <a:rPr lang="en-US" sz="1600" dirty="0" err="1" smtClean="0"/>
@@ -6427,11 +6384,7 @@
             </a:r>
             <a:r>
               <a:rPr lang="en-US" sz="1600" dirty="0" smtClean="0"/>
-              <a:t> Petri Nets and CPN Tools </a:t>
-            </a:r>
-            <a:r>
-              <a:rPr lang="en-US" sz="1600" dirty="0" smtClean="0"/>
-              <a:t>for </a:t>
+              <a:t> Petri Nets and CPN Tools for </a:t>
             </a:r>
             <a:r>
               <a:rPr lang="en-US" sz="1600" dirty="0" err="1" smtClean="0"/>
@@ -6439,33 +6392,17 @@
             </a:r>
             <a:r>
               <a:rPr lang="en-US" sz="1600" dirty="0" smtClean="0"/>
-              <a:t> </a:t>
-            </a:r>
+              <a:t> and Validation of Concurrent Systems. </a:t>
+            </a:r>
+            <a:r>
+              <a:rPr lang="en-US" sz="1600" i="1" dirty="0" smtClean="0"/>
+              <a:t>International Journal on Software Tools for Technology Transfer, 9(3-4):213–254, 2007.</a:t>
+            </a:r>
+          </a:p>
+          <a:p>
             <a:r>
               <a:rPr lang="en-US" sz="1600" dirty="0" smtClean="0"/>
-              <a:t>and Validation of Concurrent Systems. </a:t>
-            </a:r>
-            <a:r>
-              <a:rPr lang="en-US" sz="1600" i="1" dirty="0" smtClean="0"/>
-              <a:t>International Journal on </a:t>
-            </a:r>
-            <a:r>
-              <a:rPr lang="en-US" sz="1600" i="1" dirty="0" smtClean="0"/>
-              <a:t>Software Tools </a:t>
-            </a:r>
-            <a:r>
-              <a:rPr lang="en-US" sz="1600" i="1" dirty="0" smtClean="0"/>
-              <a:t>for Technology Transfer, 9(3-4):213–254, 2007.</a:t>
-            </a:r>
-          </a:p>
-          <a:p>
-            <a:r>
-              <a:rPr lang="en-US" sz="1600" dirty="0" smtClean="0"/>
-              <a:t>P</a:t>
-            </a:r>
-            <a:r>
-              <a:rPr lang="en-US" sz="1600" dirty="0" smtClean="0"/>
-              <a:t>. Levis. </a:t>
+              <a:t>P. Levis. </a:t>
             </a:r>
             <a:r>
               <a:rPr lang="en-US" sz="1600" i="1" dirty="0" err="1" smtClean="0"/>
@@ -6473,11 +6410,7 @@
             </a:r>
             <a:r>
               <a:rPr lang="en-US" sz="1600" i="1" dirty="0" smtClean="0"/>
-              <a:t> Programming. Cambridge University Press, 2009</a:t>
-            </a:r>
-            <a:r>
-              <a:rPr lang="en-US" sz="1600" i="1" dirty="0" smtClean="0"/>
-              <a:t>. </a:t>
+              <a:t> Programming. Cambridge University Press, 2009. </a:t>
             </a:r>
             <a:r>
               <a:rPr lang="en-US" sz="1600" i="1" dirty="0" smtClean="0">
@@ -6489,7 +6422,6 @@
               <a:rPr lang="en-US" sz="1600" i="1" dirty="0" smtClean="0"/>
               <a:t> </a:t>
             </a:r>
-            <a:endParaRPr lang="en-US" sz="1600" i="1" dirty="0" smtClean="0"/>
           </a:p>
           <a:p>
             <a:r>
@@ -6607,11 +6539,7 @@
           <a:p>
             <a:r>
               <a:rPr lang="en-US" sz="1600" dirty="0" smtClean="0"/>
-              <a:t>V</a:t>
-            </a:r>
-            <a:r>
-              <a:rPr lang="en-US" sz="1600" dirty="0" smtClean="0"/>
-              <a:t>. </a:t>
+              <a:t>V. </a:t>
             </a:r>
             <a:r>
               <a:rPr lang="en-US" sz="1600" dirty="0" err="1" smtClean="0"/>
@@ -6627,11 +6555,7 @@
             </a:r>
             <a:r>
               <a:rPr lang="en-US" sz="1600" dirty="0" smtClean="0"/>
-              <a:t> </a:t>
-            </a:r>
-            <a:r>
-              <a:rPr lang="en-US" sz="1600" dirty="0" smtClean="0"/>
-              <a:t>Platform using </a:t>
+              <a:t> Platform using </a:t>
             </a:r>
             <a:r>
               <a:rPr lang="en-US" sz="1600" dirty="0" err="1" smtClean="0"/>
@@ -6639,33 +6563,13 @@
             </a:r>
             <a:r>
               <a:rPr lang="en-US" sz="1600" dirty="0" smtClean="0"/>
-              <a:t> Petri Nets. Master’s </a:t>
-            </a:r>
+              <a:t> Petri Nets. Master’s thesis in software engineering, Bergen University College of Applied Sciences, 2013.</a:t>
+            </a:r>
+          </a:p>
+          <a:p>
             <a:r>
               <a:rPr lang="en-US" sz="1600" dirty="0" smtClean="0"/>
-              <a:t>thesis in software engineering, </a:t>
-            </a:r>
-            <a:r>
-              <a:rPr lang="en-US" sz="1600" dirty="0" smtClean="0"/>
-              <a:t>Bergen University </a:t>
-            </a:r>
-            <a:r>
-              <a:rPr lang="en-US" sz="1600" dirty="0" smtClean="0"/>
-              <a:t>College of Applied Sciences, </a:t>
-            </a:r>
-            <a:r>
-              <a:rPr lang="en-US" sz="1600" dirty="0" smtClean="0"/>
-              <a:t>2013.</a:t>
-            </a:r>
-          </a:p>
-          <a:p>
-            <a:r>
-              <a:rPr lang="en-US" sz="1600" dirty="0" smtClean="0"/>
-              <a:t>M</a:t>
-            </a:r>
-            <a:r>
-              <a:rPr lang="en-US" sz="1600" dirty="0" smtClean="0"/>
-              <a:t>. </a:t>
+              <a:t>M. </a:t>
             </a:r>
             <a:r>
               <a:rPr lang="en-US" sz="1600" dirty="0" err="1" smtClean="0"/>
@@ -6677,11 +6581,7 @@
             </a:r>
             <a:r>
               <a:rPr lang="en-US" sz="1600" i="1" dirty="0" smtClean="0"/>
-              <a:t>Proc. of </a:t>
-            </a:r>
-            <a:r>
-              <a:rPr lang="en-US" sz="1600" i="1" dirty="0" smtClean="0"/>
-              <a:t>ICATPN’11, volume 6709 of LNCS, pages 328–337. Springer, 2011.</a:t>
+              <a:t>Proc. of ICATPN’11, volume 6709 of LNCS, pages 328–337. Springer, 2011.</a:t>
             </a:r>
             <a:endParaRPr lang="da-DK" sz="1600" dirty="0"/>
           </a:p>
@@ -6878,19 +6778,7 @@
             </a:r>
             <a:r>
               <a:rPr lang="en-GB" sz="2400" dirty="0" smtClean="0"/>
-              <a:t>) widely </a:t>
-            </a:r>
-            <a:r>
-              <a:rPr lang="en-GB" sz="2400" dirty="0" smtClean="0"/>
-              <a:t>used for modelling and </a:t>
-            </a:r>
-            <a:r>
-              <a:rPr lang="en-GB" sz="2400" dirty="0" smtClean="0"/>
-              <a:t>verification </a:t>
-            </a:r>
-            <a:r>
-              <a:rPr lang="en-GB" sz="2400" dirty="0" smtClean="0"/>
-              <a:t>of </a:t>
+              <a:t>) widely used for modelling and verification of </a:t>
             </a:r>
             <a:r>
               <a:rPr lang="en-GB" sz="2400" dirty="0" smtClean="0">
@@ -6971,11 +6859,7 @@
             </a:pPr>
             <a:r>
               <a:rPr lang="en-GB" sz="2400" dirty="0" smtClean="0"/>
-              <a:t>Limited work investigating automated </a:t>
-            </a:r>
-            <a:r>
-              <a:rPr lang="en-GB" sz="2400" dirty="0" smtClean="0"/>
-              <a:t>code generation from CPN models.</a:t>
+              <a:t>Limited work investigating automated code generation from CPN models.</a:t>
             </a:r>
           </a:p>
           <a:p>
@@ -7004,13 +6888,8 @@
             <a:pPr lvl="1" eaLnBrk="1" hangingPunct="1"/>
             <a:r>
               <a:rPr lang="en-GB" sz="2000" dirty="0" smtClean="0"/>
-              <a:t>CPN models are target </a:t>
-            </a:r>
-            <a:r>
-              <a:rPr lang="en-GB" sz="2000" dirty="0" smtClean="0"/>
-              <a:t>platform-independent and without any obvious mapping from model element to target code </a:t>
-            </a:r>
-            <a:endParaRPr lang="en-GB" sz="2000" dirty="0" smtClean="0"/>
+              <a:t>CPN models are target platform-independent and without any obvious mapping from model element to target code </a:t>
+            </a:r>
           </a:p>
         </p:txBody>
       </p:sp>
@@ -7081,14 +6960,14 @@
           </a:ln>
           <a:extLst>
             <a:ext uri="{909E8E84-426E-40DD-AFC4-6F175D3DCCD1}">
-              <a14:hiddenFill xmlns:a14="http://schemas.microsoft.com/office/drawing/2010/main" xmlns="">
+              <a14:hiddenFill xmlns="" xmlns:a14="http://schemas.microsoft.com/office/drawing/2010/main">
                 <a:solidFill>
                   <a:srgbClr val="FFFFFF"/>
                 </a:solidFill>
               </a14:hiddenFill>
             </a:ext>
             <a:ext uri="{91240B29-F687-4F45-9708-019B960494DF}">
-              <a14:hiddenLine xmlns:a14="http://schemas.microsoft.com/office/drawing/2010/main" xmlns="" w="9525">
+              <a14:hiddenLine xmlns="" xmlns:a14="http://schemas.microsoft.com/office/drawing/2010/main" w="9525">
                 <a:solidFill>
                   <a:srgbClr val="000000"/>
                 </a:solidFill>
@@ -7224,7 +7103,7 @@
     </p:spTree>
     <p:extLst>
       <p:ext uri="{BB962C8B-B14F-4D97-AF65-F5344CB8AC3E}">
-        <p14:creationId xmlns:p14="http://schemas.microsoft.com/office/powerpoint/2010/main" xmlns="" val="3778081009"/>
+        <p14:creationId xmlns="" xmlns:p14="http://schemas.microsoft.com/office/powerpoint/2010/main" val="3778081009"/>
       </p:ext>
     </p:extLst>
   </p:cSld>
@@ -7347,7 +7226,7 @@
           <a:blip r:embed="rId2" cstate="print">
             <a:extLst>
               <a:ext uri="{28A0092B-C50C-407E-A947-70E740481C1C}">
-                <a14:useLocalDpi xmlns:a14="http://schemas.microsoft.com/office/drawing/2010/main" xmlns="" val="0"/>
+                <a14:useLocalDpi xmlns="" xmlns:a14="http://schemas.microsoft.com/office/drawing/2010/main" val="0"/>
               </a:ext>
             </a:extLst>
           </a:blip>
@@ -7367,7 +7246,7 @@
           <a:noFill/>
           <a:extLst>
             <a:ext uri="{909E8E84-426E-40DD-AFC4-6F175D3DCCD1}">
-              <a14:hiddenFill xmlns:a14="http://schemas.microsoft.com/office/drawing/2010/main" xmlns="">
+              <a14:hiddenFill xmlns="" xmlns:a14="http://schemas.microsoft.com/office/drawing/2010/main">
                 <a:solidFill>
                   <a:srgbClr val="FFFFFF"/>
                 </a:solidFill>
@@ -7434,27 +7313,11 @@
                   <a:srgbClr val="003399"/>
                 </a:solidFill>
               </a:rPr>
-              <a:t>distributed sensor </a:t>
-            </a:r>
-            <a:r>
-              <a:rPr lang="en-GB" sz="2400" dirty="0" smtClean="0">
-                <a:solidFill>
-                  <a:srgbClr val="003399"/>
-                </a:solidFill>
-              </a:rPr>
-              <a:t>networks </a:t>
+              <a:t>distributed sensor networks </a:t>
             </a:r>
             <a:r>
               <a:rPr lang="en-GB" sz="2400" dirty="0" smtClean="0"/>
-              <a:t>currently </a:t>
-            </a:r>
-            <a:r>
-              <a:rPr lang="en-GB" sz="2400" dirty="0" smtClean="0"/>
-              <a:t>being developed </a:t>
-            </a:r>
-            <a:r>
-              <a:rPr lang="en-GB" sz="2400" dirty="0" smtClean="0"/>
-              <a:t>by the IETF:</a:t>
+              <a:t>currently being developed by the IETF:</a:t>
             </a:r>
             <a:endParaRPr lang="en-GB" sz="2400" dirty="0"/>
           </a:p>
@@ -7680,11 +7543,7 @@
             </a:r>
             <a:r>
               <a:rPr lang="en-GB" sz="2400" kern="0" dirty="0" smtClean="0"/>
-              <a:t> for data </a:t>
-            </a:r>
-            <a:r>
-              <a:rPr lang="en-GB" sz="2400" kern="0" dirty="0" smtClean="0"/>
-              <a:t>collection purposes.</a:t>
+              <a:t> for data collection purposes.</a:t>
             </a:r>
             <a:endParaRPr lang="en-GB" sz="2400" kern="0" dirty="0"/>
           </a:p>
@@ -7702,7 +7561,7 @@
           <a:blip r:embed="rId3" cstate="print">
             <a:extLst>
               <a:ext uri="{28A0092B-C50C-407E-A947-70E740481C1C}">
-                <a14:useLocalDpi xmlns:a14="http://schemas.microsoft.com/office/drawing/2010/main" xmlns="" val="0"/>
+                <a14:useLocalDpi xmlns="" xmlns:a14="http://schemas.microsoft.com/office/drawing/2010/main" val="0"/>
               </a:ext>
             </a:extLst>
           </a:blip>
@@ -7725,14 +7584,14 @@
           </a:ln>
           <a:extLst>
             <a:ext uri="{909E8E84-426E-40DD-AFC4-6F175D3DCCD1}">
-              <a14:hiddenFill xmlns:a14="http://schemas.microsoft.com/office/drawing/2010/main" xmlns="">
+              <a14:hiddenFill xmlns="" xmlns:a14="http://schemas.microsoft.com/office/drawing/2010/main">
                 <a:solidFill>
                   <a:schemeClr val="accent1"/>
                 </a:solidFill>
               </a14:hiddenFill>
             </a:ext>
             <a:ext uri="{91240B29-F687-4F45-9708-019B960494DF}">
-              <a14:hiddenLine xmlns:a14="http://schemas.microsoft.com/office/drawing/2010/main" xmlns="" w="9525">
+              <a14:hiddenLine xmlns="" xmlns:a14="http://schemas.microsoft.com/office/drawing/2010/main" w="9525">
                 <a:solidFill>
                   <a:schemeClr val="tx1"/>
                 </a:solidFill>
@@ -7756,7 +7615,7 @@
           <a:blip r:embed="rId4" cstate="print">
             <a:extLst>
               <a:ext uri="{28A0092B-C50C-407E-A947-70E740481C1C}">
-                <a14:useLocalDpi xmlns:a14="http://schemas.microsoft.com/office/drawing/2010/main" xmlns="" val="0"/>
+                <a14:useLocalDpi xmlns="" xmlns:a14="http://schemas.microsoft.com/office/drawing/2010/main" val="0"/>
               </a:ext>
             </a:extLst>
           </a:blip>
@@ -7779,14 +7638,14 @@
           </a:ln>
           <a:extLst>
             <a:ext uri="{909E8E84-426E-40DD-AFC4-6F175D3DCCD1}">
-              <a14:hiddenFill xmlns:a14="http://schemas.microsoft.com/office/drawing/2010/main" xmlns="">
+              <a14:hiddenFill xmlns="" xmlns:a14="http://schemas.microsoft.com/office/drawing/2010/main">
                 <a:solidFill>
                   <a:schemeClr val="accent1"/>
                 </a:solidFill>
               </a14:hiddenFill>
             </a:ext>
             <a:ext uri="{91240B29-F687-4F45-9708-019B960494DF}">
-              <a14:hiddenLine xmlns:a14="http://schemas.microsoft.com/office/drawing/2010/main" xmlns="" w="9525">
+              <a14:hiddenLine xmlns="" xmlns:a14="http://schemas.microsoft.com/office/drawing/2010/main" w="9525">
                 <a:solidFill>
                   <a:schemeClr val="tx1"/>
                 </a:solidFill>
@@ -7839,7 +7698,7 @@
           <a:blip r:embed="rId5" cstate="print">
             <a:extLst>
               <a:ext uri="{28A0092B-C50C-407E-A947-70E740481C1C}">
-                <a14:useLocalDpi xmlns:a14="http://schemas.microsoft.com/office/drawing/2010/main" xmlns="" val="0"/>
+                <a14:useLocalDpi xmlns="" xmlns:a14="http://schemas.microsoft.com/office/drawing/2010/main" val="0"/>
               </a:ext>
             </a:extLst>
           </a:blip>
@@ -7859,7 +7718,7 @@
           <a:noFill/>
           <a:extLst>
             <a:ext uri="{909E8E84-426E-40DD-AFC4-6F175D3DCCD1}">
-              <a14:hiddenFill xmlns:a14="http://schemas.microsoft.com/office/drawing/2010/main" xmlns="">
+              <a14:hiddenFill xmlns="" xmlns:a14="http://schemas.microsoft.com/office/drawing/2010/main">
                 <a:solidFill>
                   <a:srgbClr val="FFFFFF"/>
                 </a:solidFill>
@@ -7871,7 +7730,7 @@
     </p:spTree>
     <p:extLst>
       <p:ext uri="{BB962C8B-B14F-4D97-AF65-F5344CB8AC3E}">
-        <p14:creationId xmlns:p14="http://schemas.microsoft.com/office/powerpoint/2010/main" xmlns="" val="490103762"/>
+        <p14:creationId xmlns="" xmlns:p14="http://schemas.microsoft.com/office/powerpoint/2010/main" val="490103762"/>
       </p:ext>
     </p:extLst>
   </p:cSld>
@@ -7917,7 +7776,7 @@
           <a:blip r:embed="rId2" cstate="print">
             <a:extLst>
               <a:ext uri="{28A0092B-C50C-407E-A947-70E740481C1C}">
-                <a14:useLocalDpi xmlns:a14="http://schemas.microsoft.com/office/drawing/2010/main" xmlns="" val="0"/>
+                <a14:useLocalDpi xmlns="" xmlns:a14="http://schemas.microsoft.com/office/drawing/2010/main" val="0"/>
               </a:ext>
             </a:extLst>
           </a:blip>
@@ -7940,14 +7799,14 @@
           </a:ln>
           <a:extLst>
             <a:ext uri="{909E8E84-426E-40DD-AFC4-6F175D3DCCD1}">
-              <a14:hiddenFill xmlns:a14="http://schemas.microsoft.com/office/drawing/2010/main" xmlns="">
+              <a14:hiddenFill xmlns="" xmlns:a14="http://schemas.microsoft.com/office/drawing/2010/main">
                 <a:solidFill>
                   <a:schemeClr val="accent1"/>
                 </a:solidFill>
               </a14:hiddenFill>
             </a:ext>
             <a:ext uri="{91240B29-F687-4F45-9708-019B960494DF}">
-              <a14:hiddenLine xmlns:a14="http://schemas.microsoft.com/office/drawing/2010/main" xmlns="" w="9525">
+              <a14:hiddenLine xmlns="" xmlns:a14="http://schemas.microsoft.com/office/drawing/2010/main" w="9525">
                 <a:solidFill>
                   <a:schemeClr val="tx1"/>
                 </a:solidFill>
@@ -8022,7 +7881,7 @@
           <a:blip r:embed="rId3" cstate="print">
             <a:extLst>
               <a:ext uri="{28A0092B-C50C-407E-A947-70E740481C1C}">
-                <a14:useLocalDpi xmlns:a14="http://schemas.microsoft.com/office/drawing/2010/main" xmlns="" val="0"/>
+                <a14:useLocalDpi xmlns="" xmlns:a14="http://schemas.microsoft.com/office/drawing/2010/main" val="0"/>
               </a:ext>
             </a:extLst>
           </a:blip>
@@ -8057,7 +7916,7 @@
           <a:blip r:embed="rId4" cstate="print">
             <a:extLst>
               <a:ext uri="{28A0092B-C50C-407E-A947-70E740481C1C}">
-                <a14:useLocalDpi xmlns:a14="http://schemas.microsoft.com/office/drawing/2010/main" xmlns="" val="0"/>
+                <a14:useLocalDpi xmlns="" xmlns:a14="http://schemas.microsoft.com/office/drawing/2010/main" val="0"/>
               </a:ext>
             </a:extLst>
           </a:blip>
@@ -8141,7 +8000,7 @@
     </p:spTree>
     <p:extLst>
       <p:ext uri="{BB962C8B-B14F-4D97-AF65-F5344CB8AC3E}">
-        <p14:creationId xmlns:p14="http://schemas.microsoft.com/office/powerpoint/2010/main" xmlns="" val="638769845"/>
+        <p14:creationId xmlns="" xmlns:p14="http://schemas.microsoft.com/office/powerpoint/2010/main" val="638769845"/>
       </p:ext>
     </p:extLst>
   </p:cSld>
@@ -8187,7 +8046,7 @@
           <a:blip r:embed="rId2" cstate="print">
             <a:extLst>
               <a:ext uri="{28A0092B-C50C-407E-A947-70E740481C1C}">
-                <a14:useLocalDpi xmlns:a14="http://schemas.microsoft.com/office/drawing/2010/main" xmlns="" val="0"/>
+                <a14:useLocalDpi xmlns="" xmlns:a14="http://schemas.microsoft.com/office/drawing/2010/main" val="0"/>
               </a:ext>
             </a:extLst>
           </a:blip>
@@ -8207,7 +8066,7 @@
           <a:noFill/>
           <a:extLst>
             <a:ext uri="{909E8E84-426E-40DD-AFC4-6F175D3DCCD1}">
-              <a14:hiddenFill xmlns:a14="http://schemas.microsoft.com/office/drawing/2010/main" xmlns="">
+              <a14:hiddenFill xmlns="" xmlns:a14="http://schemas.microsoft.com/office/drawing/2010/main">
                 <a:solidFill>
                   <a:srgbClr val="FFFFFF"/>
                 </a:solidFill>
@@ -8261,15 +8120,7 @@
           <a:p>
             <a:r>
               <a:rPr lang="en-GB" sz="2400" dirty="0" smtClean="0"/>
-              <a:t>Operating system and programming language targeting </a:t>
-            </a:r>
-            <a:r>
-              <a:rPr lang="en-GB" sz="2400" dirty="0" smtClean="0"/>
-              <a:t>resource constrained </a:t>
-            </a:r>
-            <a:r>
-              <a:rPr lang="en-GB" sz="2400" dirty="0" smtClean="0"/>
-              <a:t>devices.</a:t>
+              <a:t>Operating system and programming language targeting resource constrained devices.</a:t>
             </a:r>
           </a:p>
         </p:txBody>
@@ -8286,7 +8137,7 @@
           <a:blip r:embed="rId3" cstate="print">
             <a:extLst>
               <a:ext uri="{28A0092B-C50C-407E-A947-70E740481C1C}">
-                <a14:useLocalDpi xmlns:a14="http://schemas.microsoft.com/office/drawing/2010/main" xmlns="" val="0"/>
+                <a14:useLocalDpi xmlns="" xmlns:a14="http://schemas.microsoft.com/office/drawing/2010/main" val="0"/>
               </a:ext>
             </a:extLst>
           </a:blip>
@@ -8306,7 +8157,7 @@
           <a:noFill/>
           <a:extLst>
             <a:ext uri="{909E8E84-426E-40DD-AFC4-6F175D3DCCD1}">
-              <a14:hiddenFill xmlns:a14="http://schemas.microsoft.com/office/drawing/2010/main" xmlns="">
+              <a14:hiddenFill xmlns="" xmlns:a14="http://schemas.microsoft.com/office/drawing/2010/main">
                 <a:solidFill>
                   <a:srgbClr val="FFFFFF"/>
                 </a:solidFill>
@@ -8327,7 +8178,7 @@
           <a:blip r:embed="rId4" cstate="print">
             <a:extLst>
               <a:ext uri="{28A0092B-C50C-407E-A947-70E740481C1C}">
-                <a14:useLocalDpi xmlns:a14="http://schemas.microsoft.com/office/drawing/2010/main" xmlns="" val="0"/>
+                <a14:useLocalDpi xmlns="" xmlns:a14="http://schemas.microsoft.com/office/drawing/2010/main" val="0"/>
               </a:ext>
             </a:extLst>
           </a:blip>
@@ -8350,14 +8201,14 @@
           </a:ln>
           <a:extLst>
             <a:ext uri="{909E8E84-426E-40DD-AFC4-6F175D3DCCD1}">
-              <a14:hiddenFill xmlns:a14="http://schemas.microsoft.com/office/drawing/2010/main" xmlns="">
+              <a14:hiddenFill xmlns="" xmlns:a14="http://schemas.microsoft.com/office/drawing/2010/main">
                 <a:solidFill>
                   <a:schemeClr val="accent1"/>
                 </a:solidFill>
               </a14:hiddenFill>
             </a:ext>
             <a:ext uri="{91240B29-F687-4F45-9708-019B960494DF}">
-              <a14:hiddenLine xmlns:a14="http://schemas.microsoft.com/office/drawing/2010/main" xmlns="" w="9525">
+              <a14:hiddenLine xmlns="" xmlns:a14="http://schemas.microsoft.com/office/drawing/2010/main" w="9525">
                 <a:solidFill>
                   <a:schemeClr val="tx1"/>
                 </a:solidFill>
@@ -8577,11 +8428,7 @@
           <a:p>
             <a:r>
               <a:rPr lang="en-GB" sz="1600" kern="0" dirty="0" smtClean="0"/>
-              <a:t>Applications are </a:t>
-            </a:r>
-            <a:r>
-              <a:rPr lang="en-GB" sz="1600" kern="0" dirty="0" smtClean="0"/>
-              <a:t>structured into </a:t>
+              <a:t>Applications are structured into </a:t>
             </a:r>
             <a:r>
               <a:rPr lang="en-GB" sz="1600" kern="0" dirty="0" smtClean="0">
@@ -8593,11 +8440,7 @@
             </a:r>
             <a:r>
               <a:rPr lang="en-GB" sz="1600" kern="0" dirty="0" smtClean="0"/>
-              <a:t> </a:t>
-            </a:r>
-            <a:r>
-              <a:rPr lang="en-GB" sz="1600" kern="0" dirty="0" smtClean="0"/>
-              <a:t>providing and using </a:t>
+              <a:t> providing and using </a:t>
             </a:r>
             <a:r>
               <a:rPr lang="en-GB" sz="1600" kern="0" dirty="0" smtClean="0">
@@ -8629,7 +8472,6 @@
               <a:rPr lang="en-GB" sz="1600" kern="0" dirty="0" smtClean="0"/>
               <a:t> constituting an application.</a:t>
             </a:r>
-            <a:endParaRPr lang="en-GB" sz="1600" kern="0" dirty="0" smtClean="0"/>
           </a:p>
           <a:p>
             <a:r>
@@ -8684,14 +8526,13 @@
               <a:rPr lang="en-GB" sz="1600" kern="0" dirty="0" smtClean="0"/>
               <a:t>.</a:t>
             </a:r>
-            <a:endParaRPr lang="en-GB" sz="1600" kern="0" dirty="0" smtClean="0"/>
           </a:p>
         </p:txBody>
       </p:sp>
     </p:spTree>
     <p:extLst>
       <p:ext uri="{BB962C8B-B14F-4D97-AF65-F5344CB8AC3E}">
-        <p14:creationId xmlns:p14="http://schemas.microsoft.com/office/powerpoint/2010/main" xmlns="" val="2515049478"/>
+        <p14:creationId xmlns="" xmlns:p14="http://schemas.microsoft.com/office/powerpoint/2010/main" val="2515049478"/>
       </p:ext>
     </p:extLst>
   </p:cSld>
@@ -8770,23 +8611,7 @@
           <a:p>
             <a:r>
               <a:rPr lang="en-GB" sz="2400" dirty="0" smtClean="0"/>
-              <a:t>A five step methodology for refining the model to </a:t>
-            </a:r>
-            <a:r>
-              <a:rPr lang="en-GB" sz="2400" dirty="0" smtClean="0"/>
-              <a:t>an abstraction lev</a:t>
-            </a:r>
-            <a:r>
-              <a:rPr lang="en-GB" sz="2400" dirty="0" smtClean="0"/>
-              <a:t>el </a:t>
-            </a:r>
-            <a:r>
-              <a:rPr lang="en-GB" sz="2400" dirty="0" smtClean="0"/>
-              <a:t>suited </a:t>
-            </a:r>
-            <a:r>
-              <a:rPr lang="en-GB" sz="2400" dirty="0" smtClean="0"/>
-              <a:t>for code generation:</a:t>
+              <a:t>A five step methodology for refining the model to an abstraction level suited for code generation:</a:t>
             </a:r>
           </a:p>
           <a:p>
@@ -8804,13 +8629,8 @@
             </a:r>
             <a:r>
               <a:rPr lang="en-GB" sz="2000" dirty="0" smtClean="0"/>
-              <a:t>identifying components and </a:t>
-            </a:r>
-            <a:r>
-              <a:rPr lang="en-GB" sz="2000" dirty="0" smtClean="0"/>
-              <a:t>interfaces, and determining an application configuration.</a:t>
-            </a:r>
-            <a:endParaRPr lang="en-GB" sz="2000" dirty="0" smtClean="0"/>
+              <a:t>identifying components and interfaces, and determining an application configuration.</a:t>
+            </a:r>
           </a:p>
           <a:p>
             <a:pPr marL="914400" lvl="1" indent="-457200">
@@ -8827,29 +8647,8 @@
             </a:r>
             <a:r>
               <a:rPr lang="en-GB" sz="2000" dirty="0" smtClean="0"/>
-              <a:t>allowing </a:t>
-            </a:r>
-            <a:r>
-              <a:rPr lang="en-GB" sz="2000" dirty="0" smtClean="0"/>
-              <a:t>use </a:t>
-            </a:r>
-            <a:r>
-              <a:rPr lang="en-GB" sz="2000" dirty="0" smtClean="0"/>
-              <a:t>of </a:t>
-            </a:r>
-            <a:r>
-              <a:rPr lang="en-GB" sz="2000" dirty="0" smtClean="0"/>
-              <a:t>the same  interface</a:t>
-            </a:r>
-            <a:r>
-              <a:rPr lang="en-GB" sz="2000" dirty="0" smtClean="0"/>
-              <a:t> in multiple components of the application.</a:t>
-            </a:r>
-            <a:r>
-              <a:rPr lang="en-GB" sz="2000" dirty="0" smtClean="0"/>
-              <a:t> </a:t>
-            </a:r>
-            <a:endParaRPr lang="en-GB" sz="2000" dirty="0" smtClean="0"/>
+              <a:t>allowing use of the same  interface in multiple components of the application. </a:t>
+            </a:r>
           </a:p>
           <a:p>
             <a:pPr marL="914400" lvl="1" indent="-457200">
@@ -8884,27 +8683,7 @@
             </a:r>
             <a:r>
               <a:rPr lang="en-GB" sz="2000" dirty="0" smtClean="0"/>
-              <a:t>specifying</a:t>
-            </a:r>
-            <a:r>
-              <a:rPr lang="en-GB" sz="2000" dirty="0" smtClean="0"/>
-              <a:t> </a:t>
-            </a:r>
-            <a:r>
-              <a:rPr lang="en-GB" sz="2000" dirty="0" smtClean="0"/>
-              <a:t>components as </a:t>
-            </a:r>
-            <a:r>
-              <a:rPr lang="en-GB" sz="2000" dirty="0" smtClean="0"/>
-              <a:t>boot-, dispatch-, external-, timed-, </a:t>
-            </a:r>
-            <a:r>
-              <a:rPr lang="en-GB" sz="2000" dirty="0" smtClean="0"/>
-              <a:t>and </a:t>
-            </a:r>
-            <a:r>
-              <a:rPr lang="en-GB" sz="2000" dirty="0" smtClean="0"/>
-              <a:t>regular components.</a:t>
+              <a:t>specifying components as boot-, dispatch-, external-, timed-, and regular components.</a:t>
             </a:r>
             <a:r>
               <a:rPr lang="en-GB" sz="2000" dirty="0" smtClean="0">
@@ -8935,19 +8714,7 @@
             </a:r>
             <a:r>
               <a:rPr lang="en-GB" sz="2000" dirty="0" smtClean="0"/>
-              <a:t>providing control flow oriented modelling of </a:t>
-            </a:r>
-            <a:r>
-              <a:rPr lang="en-GB" sz="2000" dirty="0" smtClean="0"/>
-              <a:t>command </a:t>
-            </a:r>
-            <a:r>
-              <a:rPr lang="en-GB" sz="2000" dirty="0" smtClean="0"/>
-              <a:t>and </a:t>
-            </a:r>
-            <a:r>
-              <a:rPr lang="en-GB" sz="2000" dirty="0" smtClean="0"/>
-              <a:t>event implementation.</a:t>
+              <a:t>providing control flow oriented modelling of command and event implementation.</a:t>
             </a:r>
             <a:endParaRPr lang="en-GB" sz="2000" b="1" dirty="0" smtClean="0">
               <a:solidFill>
@@ -8959,15 +8726,7 @@
             <a:pPr marL="514350" indent="-457200"/>
             <a:r>
               <a:rPr lang="en-GB" sz="2400" dirty="0" smtClean="0"/>
-              <a:t>Each step </a:t>
-            </a:r>
-            <a:r>
-              <a:rPr lang="en-GB" sz="2400" dirty="0" smtClean="0"/>
-              <a:t>adds </a:t>
-            </a:r>
-            <a:r>
-              <a:rPr lang="en-GB" sz="2400" dirty="0" smtClean="0"/>
-              <a:t>model details and </a:t>
+              <a:t>Each step adds model details and </a:t>
             </a:r>
             <a:r>
               <a:rPr lang="en-GB" sz="2400" dirty="0" smtClean="0">
@@ -8988,7 +8747,7 @@
     </p:spTree>
     <p:extLst>
       <p:ext uri="{BB962C8B-B14F-4D97-AF65-F5344CB8AC3E}">
-        <p14:creationId xmlns:p14="http://schemas.microsoft.com/office/powerpoint/2010/main" xmlns="" val="909708012"/>
+        <p14:creationId xmlns="" xmlns:p14="http://schemas.microsoft.com/office/powerpoint/2010/main" val="909708012"/>
       </p:ext>
     </p:extLst>
   </p:cSld>
@@ -9076,35 +8835,11 @@
                   <a:srgbClr val="0070C0"/>
                 </a:solidFill>
               </a:rPr>
-              <a:t>Syntactical </a:t>
-            </a:r>
-            <a:r>
-              <a:rPr lang="en-GB" sz="1600" dirty="0" smtClean="0">
-                <a:solidFill>
-                  <a:srgbClr val="0070C0"/>
-                </a:solidFill>
-              </a:rPr>
-              <a:t>annotations </a:t>
+              <a:t>Syntactical annotations </a:t>
             </a:r>
             <a:r>
               <a:rPr lang="en-GB" sz="1600" dirty="0" smtClean="0"/>
-              <a:t>added to </a:t>
-            </a:r>
-            <a:r>
-              <a:rPr lang="en-GB" sz="1600" dirty="0" smtClean="0"/>
-              <a:t>CPN </a:t>
-            </a:r>
-            <a:r>
-              <a:rPr lang="en-GB" sz="1600" dirty="0" smtClean="0"/>
-              <a:t>model</a:t>
-            </a:r>
-            <a:r>
-              <a:rPr lang="en-GB" sz="1600" dirty="0" smtClean="0"/>
-              <a:t> </a:t>
-            </a:r>
-            <a:r>
-              <a:rPr lang="en-GB" sz="1600" dirty="0" smtClean="0"/>
-              <a:t>elements.</a:t>
+              <a:t>added to CPN model elements.</a:t>
             </a:r>
           </a:p>
           <a:p>
@@ -9128,19 +8863,7 @@
           <a:p>
             <a:r>
               <a:rPr lang="en-GB" sz="1600" dirty="0" smtClean="0"/>
-              <a:t>Used </a:t>
-            </a:r>
-            <a:r>
-              <a:rPr lang="en-GB" sz="1600" dirty="0" smtClean="0"/>
-              <a:t>to direct </a:t>
-            </a:r>
-            <a:r>
-              <a:rPr lang="en-GB" sz="1600" dirty="0" smtClean="0"/>
-              <a:t>the code </a:t>
-            </a:r>
-            <a:r>
-              <a:rPr lang="en-GB" sz="1600" dirty="0" smtClean="0"/>
-              <a:t>generation via binding to </a:t>
+              <a:t>Used to direct the code generation via binding to </a:t>
             </a:r>
             <a:r>
               <a:rPr lang="en-GB" sz="1600" dirty="0" smtClean="0">
@@ -9158,21 +8881,8 @@
           <a:p>
             <a:r>
               <a:rPr lang="en-GB" sz="1600" dirty="0" smtClean="0"/>
-              <a:t>Bridges the gap between </a:t>
-            </a:r>
-            <a:r>
-              <a:rPr lang="en-GB" sz="1600" dirty="0" smtClean="0"/>
-              <a:t>a </a:t>
-            </a:r>
-            <a:r>
-              <a:rPr lang="en-GB" sz="1600" dirty="0" smtClean="0"/>
-              <a:t>platform independent model and the target platform</a:t>
-            </a:r>
-            <a:r>
-              <a:rPr lang="en-GB" sz="1600" dirty="0" smtClean="0"/>
-              <a:t>.</a:t>
-            </a:r>
-            <a:endParaRPr lang="en-GB" sz="1600" dirty="0" smtClean="0"/>
+              <a:t>Bridges the gap between a platform independent model and the target platform.</a:t>
+            </a:r>
           </a:p>
           <a:p>
             <a:endParaRPr lang="en-GB" sz="1600" dirty="0" smtClean="0"/>
@@ -9425,7 +9135,7 @@
     </p:spTree>
     <p:extLst>
       <p:ext uri="{BB962C8B-B14F-4D97-AF65-F5344CB8AC3E}">
-        <p14:creationId xmlns:p14="http://schemas.microsoft.com/office/powerpoint/2010/main" xmlns="" val="1204242304"/>
+        <p14:creationId xmlns="" xmlns:p14="http://schemas.microsoft.com/office/powerpoint/2010/main" val="1204242304"/>
       </p:ext>
     </p:extLst>
   </p:cSld>
@@ -9581,7 +9291,7 @@
     </p:spTree>
     <p:extLst>
       <p:ext uri="{BB962C8B-B14F-4D97-AF65-F5344CB8AC3E}">
-        <p14:creationId xmlns:p14="http://schemas.microsoft.com/office/powerpoint/2010/main" xmlns="" val="3300285584"/>
+        <p14:creationId xmlns="" xmlns:p14="http://schemas.microsoft.com/office/powerpoint/2010/main" val="3300285584"/>
       </p:ext>
     </p:extLst>
   </p:cSld>
@@ -9632,11 +9342,7 @@
           <a:p>
             <a:r>
               <a:rPr lang="nb-NO" sz="3600" dirty="0" smtClean="0"/>
-              <a:t>Step 2</a:t>
-            </a:r>
-            <a:r>
-              <a:rPr lang="nb-NO" sz="3600" dirty="0" smtClean="0"/>
-              <a:t>: Interface Conflicts</a:t>
+              <a:t>Step 2: Interface Conflicts</a:t>
             </a:r>
             <a:endParaRPr lang="nb-NO" sz="3600" dirty="0"/>
           </a:p>
@@ -9737,7 +9443,7 @@
     </p:spTree>
     <p:extLst>
       <p:ext uri="{BB962C8B-B14F-4D97-AF65-F5344CB8AC3E}">
-        <p14:creationId xmlns:p14="http://schemas.microsoft.com/office/powerpoint/2010/main" xmlns="" val="4087012934"/>
+        <p14:creationId xmlns="" xmlns:p14="http://schemas.microsoft.com/office/powerpoint/2010/main" val="4087012934"/>
       </p:ext>
     </p:extLst>
   </p:cSld>
